--- a/Mechanical/Schemenskizzen/Powerpoint/Nachfüllanlage_Futtermagazin_horizontal.pptx
+++ b/Mechanical/Schemenskizzen/Powerpoint/Nachfüllanlage_Futtermagazin_horizontal.pptx
@@ -112,10 +112,6 @@
 </p:presentation>
 </file>
 
-<file path=ppt/revisionInfo.xml><?xml version="1.0" encoding="utf-8"?>
-<p1510:revInfo xmlns:a="http://schemas.openxmlformats.org/drawingml/2006/main" xmlns:r="http://schemas.openxmlformats.org/officeDocument/2006/relationships" xmlns:p1510="http://schemas.microsoft.com/office/powerpoint/2015/10/main"/>
-</file>
-
 <file path=ppt/slideLayouts/slideLayout1.xml><?xml version="1.0" encoding="utf-8"?>
 <p:sldLayout xmlns:a="http://schemas.openxmlformats.org/drawingml/2006/main" xmlns:r="http://schemas.openxmlformats.org/officeDocument/2006/relationships" xmlns:p="http://schemas.openxmlformats.org/presentationml/2006/main" type="title" preserve="1">
   <p:cSld name="Titelfolie">
@@ -265,7 +261,7 @@
           <a:p>
             <a:fld id="{1FDCF403-5D78-4620-9416-7518EDEBC05A}" type="datetimeFigureOut">
               <a:rPr lang="de-AT" smtClean="0"/>
-              <a:t>09.01.2018</a:t>
+              <a:t>18.02.2018</a:t>
             </a:fld>
             <a:endParaRPr lang="de-AT"/>
           </a:p>
@@ -465,7 +461,7 @@
           <a:p>
             <a:fld id="{1FDCF403-5D78-4620-9416-7518EDEBC05A}" type="datetimeFigureOut">
               <a:rPr lang="de-AT" smtClean="0"/>
-              <a:t>09.01.2018</a:t>
+              <a:t>18.02.2018</a:t>
             </a:fld>
             <a:endParaRPr lang="de-AT"/>
           </a:p>
@@ -675,7 +671,7 @@
           <a:p>
             <a:fld id="{1FDCF403-5D78-4620-9416-7518EDEBC05A}" type="datetimeFigureOut">
               <a:rPr lang="de-AT" smtClean="0"/>
-              <a:t>09.01.2018</a:t>
+              <a:t>18.02.2018</a:t>
             </a:fld>
             <a:endParaRPr lang="de-AT"/>
           </a:p>
@@ -875,7 +871,7 @@
           <a:p>
             <a:fld id="{1FDCF403-5D78-4620-9416-7518EDEBC05A}" type="datetimeFigureOut">
               <a:rPr lang="de-AT" smtClean="0"/>
-              <a:t>09.01.2018</a:t>
+              <a:t>18.02.2018</a:t>
             </a:fld>
             <a:endParaRPr lang="de-AT"/>
           </a:p>
@@ -1151,7 +1147,7 @@
           <a:p>
             <a:fld id="{1FDCF403-5D78-4620-9416-7518EDEBC05A}" type="datetimeFigureOut">
               <a:rPr lang="de-AT" smtClean="0"/>
-              <a:t>09.01.2018</a:t>
+              <a:t>18.02.2018</a:t>
             </a:fld>
             <a:endParaRPr lang="de-AT"/>
           </a:p>
@@ -1419,7 +1415,7 @@
           <a:p>
             <a:fld id="{1FDCF403-5D78-4620-9416-7518EDEBC05A}" type="datetimeFigureOut">
               <a:rPr lang="de-AT" smtClean="0"/>
-              <a:t>09.01.2018</a:t>
+              <a:t>18.02.2018</a:t>
             </a:fld>
             <a:endParaRPr lang="de-AT"/>
           </a:p>
@@ -1834,7 +1830,7 @@
           <a:p>
             <a:fld id="{1FDCF403-5D78-4620-9416-7518EDEBC05A}" type="datetimeFigureOut">
               <a:rPr lang="de-AT" smtClean="0"/>
-              <a:t>09.01.2018</a:t>
+              <a:t>18.02.2018</a:t>
             </a:fld>
             <a:endParaRPr lang="de-AT"/>
           </a:p>
@@ -1976,7 +1972,7 @@
           <a:p>
             <a:fld id="{1FDCF403-5D78-4620-9416-7518EDEBC05A}" type="datetimeFigureOut">
               <a:rPr lang="de-AT" smtClean="0"/>
-              <a:t>09.01.2018</a:t>
+              <a:t>18.02.2018</a:t>
             </a:fld>
             <a:endParaRPr lang="de-AT"/>
           </a:p>
@@ -2089,7 +2085,7 @@
           <a:p>
             <a:fld id="{1FDCF403-5D78-4620-9416-7518EDEBC05A}" type="datetimeFigureOut">
               <a:rPr lang="de-AT" smtClean="0"/>
-              <a:t>09.01.2018</a:t>
+              <a:t>18.02.2018</a:t>
             </a:fld>
             <a:endParaRPr lang="de-AT"/>
           </a:p>
@@ -2402,7 +2398,7 @@
           <a:p>
             <a:fld id="{1FDCF403-5D78-4620-9416-7518EDEBC05A}" type="datetimeFigureOut">
               <a:rPr lang="de-AT" smtClean="0"/>
-              <a:t>09.01.2018</a:t>
+              <a:t>18.02.2018</a:t>
             </a:fld>
             <a:endParaRPr lang="de-AT"/>
           </a:p>
@@ -2691,7 +2687,7 @@
           <a:p>
             <a:fld id="{1FDCF403-5D78-4620-9416-7518EDEBC05A}" type="datetimeFigureOut">
               <a:rPr lang="de-AT" smtClean="0"/>
-              <a:t>09.01.2018</a:t>
+              <a:t>18.02.2018</a:t>
             </a:fld>
             <a:endParaRPr lang="de-AT"/>
           </a:p>
@@ -2934,7 +2930,7 @@
           <a:p>
             <a:fld id="{1FDCF403-5D78-4620-9416-7518EDEBC05A}" type="datetimeFigureOut">
               <a:rPr lang="de-AT" smtClean="0"/>
-              <a:t>09.01.2018</a:t>
+              <a:t>18.02.2018</a:t>
             </a:fld>
             <a:endParaRPr lang="de-AT"/>
           </a:p>
@@ -3353,10 +3349,10 @@
       </p:grpSpPr>
       <p:grpSp>
         <p:nvGrpSpPr>
-          <p:cNvPr id="72" name="Gruppieren 71">
+          <p:cNvPr id="7" name="Gruppieren 6">
             <a:extLst>
               <a:ext uri="{FF2B5EF4-FFF2-40B4-BE49-F238E27FC236}">
-                <a16:creationId xmlns:a16="http://schemas.microsoft.com/office/drawing/2014/main" id="{57BCD491-F1A8-4345-8C37-2A0D51B77059}"/>
+                <a16:creationId xmlns:a16="http://schemas.microsoft.com/office/drawing/2014/main" id="{A15C8AB1-F08A-464B-B194-03AA47E53E5E}"/>
               </a:ext>
             </a:extLst>
           </p:cNvPr>
@@ -3365,18 +3361,18 @@
         </p:nvGrpSpPr>
         <p:grpSpPr>
           <a:xfrm>
-            <a:off x="956603" y="291548"/>
+            <a:off x="782317" y="122473"/>
             <a:ext cx="9298745" cy="6294782"/>
-            <a:chOff x="956603" y="291548"/>
+            <a:chOff x="782317" y="122473"/>
             <a:chExt cx="9298745" cy="6294782"/>
           </a:xfrm>
         </p:grpSpPr>
         <p:grpSp>
           <p:nvGrpSpPr>
-            <p:cNvPr id="2" name="Gruppieren 1">
+            <p:cNvPr id="5" name="Gruppieren 4">
               <a:extLst>
                 <a:ext uri="{FF2B5EF4-FFF2-40B4-BE49-F238E27FC236}">
-                  <a16:creationId xmlns:a16="http://schemas.microsoft.com/office/drawing/2014/main" id="{2405E847-B977-4D9B-A63F-C7DDB1226D03}"/>
+                  <a16:creationId xmlns:a16="http://schemas.microsoft.com/office/drawing/2014/main" id="{233A9059-53C2-4BBD-A105-FA84596F4281}"/>
                 </a:ext>
               </a:extLst>
             </p:cNvPr>
@@ -3385,18 +3381,1760 @@
           </p:nvGrpSpPr>
           <p:grpSpPr>
             <a:xfrm>
-              <a:off x="1173644" y="1298704"/>
-              <a:ext cx="8872171" cy="4996077"/>
-              <a:chOff x="1173644" y="1298704"/>
-              <a:chExt cx="8872171" cy="4996077"/>
+              <a:off x="1096270" y="274984"/>
+              <a:ext cx="8872171" cy="3154016"/>
+              <a:chOff x="1190422" y="3136239"/>
+              <a:chExt cx="8872171" cy="3154016"/>
             </a:xfrm>
           </p:grpSpPr>
+          <p:sp>
+            <p:nvSpPr>
+              <p:cNvPr id="24" name="Ellipse 23">
+                <a:extLst>
+                  <a:ext uri="{FF2B5EF4-FFF2-40B4-BE49-F238E27FC236}">
+                    <a16:creationId xmlns:a16="http://schemas.microsoft.com/office/drawing/2014/main" id="{C8C13AF1-6EE5-4C7C-B3B9-70C65E6D0A05}"/>
+                  </a:ext>
+                </a:extLst>
+              </p:cNvPr>
+              <p:cNvSpPr/>
+              <p:nvPr/>
+            </p:nvSpPr>
+            <p:spPr>
+              <a:xfrm>
+                <a:off x="2150378" y="4103647"/>
+                <a:ext cx="1338469" cy="1219200"/>
+              </a:xfrm>
+              <a:prstGeom prst="ellipse">
+                <a:avLst/>
+              </a:prstGeom>
+              <a:solidFill>
+                <a:schemeClr val="tx2">
+                  <a:lumMod val="20000"/>
+                  <a:lumOff val="80000"/>
+                </a:schemeClr>
+              </a:solidFill>
+            </p:spPr>
+            <p:style>
+              <a:lnRef idx="2">
+                <a:schemeClr val="accent1">
+                  <a:shade val="50000"/>
+                </a:schemeClr>
+              </a:lnRef>
+              <a:fillRef idx="1">
+                <a:schemeClr val="accent1"/>
+              </a:fillRef>
+              <a:effectRef idx="0">
+                <a:schemeClr val="accent1"/>
+              </a:effectRef>
+              <a:fontRef idx="minor">
+                <a:schemeClr val="lt1"/>
+              </a:fontRef>
+            </p:style>
+            <p:txBody>
+              <a:bodyPr rtlCol="0" anchor="ctr"/>
+              <a:lstStyle/>
+              <a:p>
+                <a:pPr algn="ctr"/>
+                <a:endParaRPr lang="de-AT"/>
+              </a:p>
+            </p:txBody>
+          </p:sp>
+          <p:sp>
+            <p:nvSpPr>
+              <p:cNvPr id="25" name="Ellipse 24">
+                <a:extLst>
+                  <a:ext uri="{FF2B5EF4-FFF2-40B4-BE49-F238E27FC236}">
+                    <a16:creationId xmlns:a16="http://schemas.microsoft.com/office/drawing/2014/main" id="{B54D939B-0750-41B4-8D1A-9109048BAAD6}"/>
+                  </a:ext>
+                </a:extLst>
+              </p:cNvPr>
+              <p:cNvSpPr/>
+              <p:nvPr/>
+            </p:nvSpPr>
+            <p:spPr>
+              <a:xfrm>
+                <a:off x="7742796" y="4103647"/>
+                <a:ext cx="1338469" cy="1219200"/>
+              </a:xfrm>
+              <a:prstGeom prst="ellipse">
+                <a:avLst/>
+              </a:prstGeom>
+              <a:solidFill>
+                <a:schemeClr val="tx2">
+                  <a:lumMod val="20000"/>
+                  <a:lumOff val="80000"/>
+                </a:schemeClr>
+              </a:solidFill>
+            </p:spPr>
+            <p:style>
+              <a:lnRef idx="2">
+                <a:schemeClr val="accent1">
+                  <a:shade val="50000"/>
+                </a:schemeClr>
+              </a:lnRef>
+              <a:fillRef idx="1">
+                <a:schemeClr val="accent1"/>
+              </a:fillRef>
+              <a:effectRef idx="0">
+                <a:schemeClr val="accent1"/>
+              </a:effectRef>
+              <a:fontRef idx="minor">
+                <a:schemeClr val="lt1"/>
+              </a:fontRef>
+            </p:style>
+            <p:txBody>
+              <a:bodyPr rtlCol="0" anchor="ctr"/>
+              <a:lstStyle/>
+              <a:p>
+                <a:pPr algn="ctr"/>
+                <a:endParaRPr lang="de-AT"/>
+              </a:p>
+            </p:txBody>
+          </p:sp>
+          <p:cxnSp>
+            <p:nvCxnSpPr>
+              <p:cNvPr id="27" name="Gerader Verbinder 26">
+                <a:extLst>
+                  <a:ext uri="{FF2B5EF4-FFF2-40B4-BE49-F238E27FC236}">
+                    <a16:creationId xmlns:a16="http://schemas.microsoft.com/office/drawing/2014/main" id="{BE1154D4-30F6-413E-BC9C-AB21CF35CBFD}"/>
+                  </a:ext>
+                </a:extLst>
+              </p:cNvPr>
+              <p:cNvCxnSpPr>
+                <a:stCxn id="24" idx="0"/>
+                <a:endCxn id="25" idx="0"/>
+              </p:cNvCxnSpPr>
+              <p:nvPr/>
+            </p:nvCxnSpPr>
+            <p:spPr>
+              <a:xfrm>
+                <a:off x="2819613" y="4103647"/>
+                <a:ext cx="5592418" cy="0"/>
+              </a:xfrm>
+              <a:prstGeom prst="line">
+                <a:avLst/>
+              </a:prstGeom>
+            </p:spPr>
+            <p:style>
+              <a:lnRef idx="1">
+                <a:schemeClr val="accent1"/>
+              </a:lnRef>
+              <a:fillRef idx="0">
+                <a:schemeClr val="accent1"/>
+              </a:fillRef>
+              <a:effectRef idx="0">
+                <a:schemeClr val="accent1"/>
+              </a:effectRef>
+              <a:fontRef idx="minor">
+                <a:schemeClr val="tx1"/>
+              </a:fontRef>
+            </p:style>
+          </p:cxnSp>
+          <p:cxnSp>
+            <p:nvCxnSpPr>
+              <p:cNvPr id="29" name="Gerader Verbinder 28">
+                <a:extLst>
+                  <a:ext uri="{FF2B5EF4-FFF2-40B4-BE49-F238E27FC236}">
+                    <a16:creationId xmlns:a16="http://schemas.microsoft.com/office/drawing/2014/main" id="{99833816-AEA3-4C09-882A-6621F30D7DBE}"/>
+                  </a:ext>
+                </a:extLst>
+              </p:cNvPr>
+              <p:cNvCxnSpPr>
+                <a:stCxn id="24" idx="4"/>
+                <a:endCxn id="25" idx="4"/>
+              </p:cNvCxnSpPr>
+              <p:nvPr/>
+            </p:nvCxnSpPr>
+            <p:spPr>
+              <a:xfrm>
+                <a:off x="2819613" y="5322847"/>
+                <a:ext cx="5592418" cy="0"/>
+              </a:xfrm>
+              <a:prstGeom prst="line">
+                <a:avLst/>
+              </a:prstGeom>
+            </p:spPr>
+            <p:style>
+              <a:lnRef idx="1">
+                <a:schemeClr val="accent1"/>
+              </a:lnRef>
+              <a:fillRef idx="0">
+                <a:schemeClr val="accent1"/>
+              </a:fillRef>
+              <a:effectRef idx="0">
+                <a:schemeClr val="accent1"/>
+              </a:effectRef>
+              <a:fontRef idx="minor">
+                <a:schemeClr val="tx1"/>
+              </a:fontRef>
+            </p:style>
+          </p:cxnSp>
+          <p:sp>
+            <p:nvSpPr>
+              <p:cNvPr id="30" name="Rechteck 29">
+                <a:extLst>
+                  <a:ext uri="{FF2B5EF4-FFF2-40B4-BE49-F238E27FC236}">
+                    <a16:creationId xmlns:a16="http://schemas.microsoft.com/office/drawing/2014/main" id="{6103C311-2E55-4C9D-BA2F-D43A3C1133E2}"/>
+                  </a:ext>
+                </a:extLst>
+              </p:cNvPr>
+              <p:cNvSpPr/>
+              <p:nvPr/>
+            </p:nvSpPr>
+            <p:spPr>
+              <a:xfrm>
+                <a:off x="2809674" y="3136239"/>
+                <a:ext cx="159026" cy="967408"/>
+              </a:xfrm>
+              <a:prstGeom prst="rect">
+                <a:avLst/>
+              </a:prstGeom>
+              <a:solidFill>
+                <a:schemeClr val="accent2">
+                  <a:lumMod val="40000"/>
+                  <a:lumOff val="60000"/>
+                </a:schemeClr>
+              </a:solidFill>
+            </p:spPr>
+            <p:style>
+              <a:lnRef idx="2">
+                <a:schemeClr val="accent1">
+                  <a:shade val="50000"/>
+                </a:schemeClr>
+              </a:lnRef>
+              <a:fillRef idx="1">
+                <a:schemeClr val="accent1"/>
+              </a:fillRef>
+              <a:effectRef idx="0">
+                <a:schemeClr val="accent1"/>
+              </a:effectRef>
+              <a:fontRef idx="minor">
+                <a:schemeClr val="lt1"/>
+              </a:fontRef>
+            </p:style>
+            <p:txBody>
+              <a:bodyPr rtlCol="0" anchor="ctr"/>
+              <a:lstStyle/>
+              <a:p>
+                <a:pPr algn="ctr"/>
+                <a:endParaRPr lang="de-AT"/>
+              </a:p>
+            </p:txBody>
+          </p:sp>
+          <p:sp>
+            <p:nvSpPr>
+              <p:cNvPr id="31" name="Rechteck 30">
+                <a:extLst>
+                  <a:ext uri="{FF2B5EF4-FFF2-40B4-BE49-F238E27FC236}">
+                    <a16:creationId xmlns:a16="http://schemas.microsoft.com/office/drawing/2014/main" id="{7C0D152E-3922-4DA4-B8E3-F599AF4AAB33}"/>
+                  </a:ext>
+                </a:extLst>
+              </p:cNvPr>
+              <p:cNvSpPr/>
+              <p:nvPr/>
+            </p:nvSpPr>
+            <p:spPr>
+              <a:xfrm>
+                <a:off x="3304973" y="3136239"/>
+                <a:ext cx="159026" cy="967408"/>
+              </a:xfrm>
+              <a:prstGeom prst="rect">
+                <a:avLst/>
+              </a:prstGeom>
+              <a:solidFill>
+                <a:schemeClr val="accent2">
+                  <a:lumMod val="40000"/>
+                  <a:lumOff val="60000"/>
+                </a:schemeClr>
+              </a:solidFill>
+            </p:spPr>
+            <p:style>
+              <a:lnRef idx="2">
+                <a:schemeClr val="accent1">
+                  <a:shade val="50000"/>
+                </a:schemeClr>
+              </a:lnRef>
+              <a:fillRef idx="1">
+                <a:schemeClr val="accent1"/>
+              </a:fillRef>
+              <a:effectRef idx="0">
+                <a:schemeClr val="accent1"/>
+              </a:effectRef>
+              <a:fontRef idx="minor">
+                <a:schemeClr val="lt1"/>
+              </a:fontRef>
+            </p:style>
+            <p:txBody>
+              <a:bodyPr rtlCol="0" anchor="ctr"/>
+              <a:lstStyle/>
+              <a:p>
+                <a:pPr algn="ctr"/>
+                <a:endParaRPr lang="de-AT"/>
+              </a:p>
+            </p:txBody>
+          </p:sp>
+          <p:sp>
+            <p:nvSpPr>
+              <p:cNvPr id="32" name="Rechteck 31">
+                <a:extLst>
+                  <a:ext uri="{FF2B5EF4-FFF2-40B4-BE49-F238E27FC236}">
+                    <a16:creationId xmlns:a16="http://schemas.microsoft.com/office/drawing/2014/main" id="{D873CDB0-E5E3-465F-982D-ED9713D1B92A}"/>
+                  </a:ext>
+                </a:extLst>
+              </p:cNvPr>
+              <p:cNvSpPr/>
+              <p:nvPr/>
+            </p:nvSpPr>
+            <p:spPr>
+              <a:xfrm>
+                <a:off x="3793647" y="3136239"/>
+                <a:ext cx="159026" cy="967408"/>
+              </a:xfrm>
+              <a:prstGeom prst="rect">
+                <a:avLst/>
+              </a:prstGeom>
+              <a:solidFill>
+                <a:schemeClr val="accent2">
+                  <a:lumMod val="40000"/>
+                  <a:lumOff val="60000"/>
+                </a:schemeClr>
+              </a:solidFill>
+            </p:spPr>
+            <p:style>
+              <a:lnRef idx="2">
+                <a:schemeClr val="accent1">
+                  <a:shade val="50000"/>
+                </a:schemeClr>
+              </a:lnRef>
+              <a:fillRef idx="1">
+                <a:schemeClr val="accent1"/>
+              </a:fillRef>
+              <a:effectRef idx="0">
+                <a:schemeClr val="accent1"/>
+              </a:effectRef>
+              <a:fontRef idx="minor">
+                <a:schemeClr val="lt1"/>
+              </a:fontRef>
+            </p:style>
+            <p:txBody>
+              <a:bodyPr rtlCol="0" anchor="ctr"/>
+              <a:lstStyle/>
+              <a:p>
+                <a:pPr algn="ctr"/>
+                <a:endParaRPr lang="de-AT"/>
+              </a:p>
+            </p:txBody>
+          </p:sp>
+          <p:sp>
+            <p:nvSpPr>
+              <p:cNvPr id="33" name="Rechteck 32">
+                <a:extLst>
+                  <a:ext uri="{FF2B5EF4-FFF2-40B4-BE49-F238E27FC236}">
+                    <a16:creationId xmlns:a16="http://schemas.microsoft.com/office/drawing/2014/main" id="{BE9B7584-B5F3-4F52-8A52-571935605912}"/>
+                  </a:ext>
+                </a:extLst>
+              </p:cNvPr>
+              <p:cNvSpPr/>
+              <p:nvPr/>
+            </p:nvSpPr>
+            <p:spPr>
+              <a:xfrm>
+                <a:off x="4282321" y="3136239"/>
+                <a:ext cx="159026" cy="967408"/>
+              </a:xfrm>
+              <a:prstGeom prst="rect">
+                <a:avLst/>
+              </a:prstGeom>
+              <a:solidFill>
+                <a:schemeClr val="accent2">
+                  <a:lumMod val="40000"/>
+                  <a:lumOff val="60000"/>
+                </a:schemeClr>
+              </a:solidFill>
+            </p:spPr>
+            <p:style>
+              <a:lnRef idx="2">
+                <a:schemeClr val="accent1">
+                  <a:shade val="50000"/>
+                </a:schemeClr>
+              </a:lnRef>
+              <a:fillRef idx="1">
+                <a:schemeClr val="accent1"/>
+              </a:fillRef>
+              <a:effectRef idx="0">
+                <a:schemeClr val="accent1"/>
+              </a:effectRef>
+              <a:fontRef idx="minor">
+                <a:schemeClr val="lt1"/>
+              </a:fontRef>
+            </p:style>
+            <p:txBody>
+              <a:bodyPr rtlCol="0" anchor="ctr"/>
+              <a:lstStyle/>
+              <a:p>
+                <a:pPr algn="ctr"/>
+                <a:endParaRPr lang="de-AT"/>
+              </a:p>
+            </p:txBody>
+          </p:sp>
+          <p:sp>
+            <p:nvSpPr>
+              <p:cNvPr id="34" name="Rechteck 33">
+                <a:extLst>
+                  <a:ext uri="{FF2B5EF4-FFF2-40B4-BE49-F238E27FC236}">
+                    <a16:creationId xmlns:a16="http://schemas.microsoft.com/office/drawing/2014/main" id="{6F1BE7C1-D9C9-4D46-AF3C-AD3419E12116}"/>
+                  </a:ext>
+                </a:extLst>
+              </p:cNvPr>
+              <p:cNvSpPr/>
+              <p:nvPr/>
+            </p:nvSpPr>
+            <p:spPr>
+              <a:xfrm>
+                <a:off x="4770995" y="3136239"/>
+                <a:ext cx="159026" cy="967408"/>
+              </a:xfrm>
+              <a:prstGeom prst="rect">
+                <a:avLst/>
+              </a:prstGeom>
+              <a:solidFill>
+                <a:schemeClr val="accent2">
+                  <a:lumMod val="40000"/>
+                  <a:lumOff val="60000"/>
+                </a:schemeClr>
+              </a:solidFill>
+            </p:spPr>
+            <p:style>
+              <a:lnRef idx="2">
+                <a:schemeClr val="accent1">
+                  <a:shade val="50000"/>
+                </a:schemeClr>
+              </a:lnRef>
+              <a:fillRef idx="1">
+                <a:schemeClr val="accent1"/>
+              </a:fillRef>
+              <a:effectRef idx="0">
+                <a:schemeClr val="accent1"/>
+              </a:effectRef>
+              <a:fontRef idx="minor">
+                <a:schemeClr val="lt1"/>
+              </a:fontRef>
+            </p:style>
+            <p:txBody>
+              <a:bodyPr rtlCol="0" anchor="ctr"/>
+              <a:lstStyle/>
+              <a:p>
+                <a:pPr algn="ctr"/>
+                <a:endParaRPr lang="de-AT" dirty="0"/>
+              </a:p>
+            </p:txBody>
+          </p:sp>
+          <p:sp>
+            <p:nvSpPr>
+              <p:cNvPr id="35" name="Rechteck 34">
+                <a:extLst>
+                  <a:ext uri="{FF2B5EF4-FFF2-40B4-BE49-F238E27FC236}">
+                    <a16:creationId xmlns:a16="http://schemas.microsoft.com/office/drawing/2014/main" id="{6FDA9C08-2EFA-4633-AB9E-D7CDBE436277}"/>
+                  </a:ext>
+                </a:extLst>
+              </p:cNvPr>
+              <p:cNvSpPr/>
+              <p:nvPr/>
+            </p:nvSpPr>
+            <p:spPr>
+              <a:xfrm>
+                <a:off x="5261326" y="3136239"/>
+                <a:ext cx="159026" cy="967408"/>
+              </a:xfrm>
+              <a:prstGeom prst="rect">
+                <a:avLst/>
+              </a:prstGeom>
+              <a:solidFill>
+                <a:schemeClr val="accent2">
+                  <a:lumMod val="40000"/>
+                  <a:lumOff val="60000"/>
+                </a:schemeClr>
+              </a:solidFill>
+            </p:spPr>
+            <p:style>
+              <a:lnRef idx="2">
+                <a:schemeClr val="accent1">
+                  <a:shade val="50000"/>
+                </a:schemeClr>
+              </a:lnRef>
+              <a:fillRef idx="1">
+                <a:schemeClr val="accent1"/>
+              </a:fillRef>
+              <a:effectRef idx="0">
+                <a:schemeClr val="accent1"/>
+              </a:effectRef>
+              <a:fontRef idx="minor">
+                <a:schemeClr val="lt1"/>
+              </a:fontRef>
+            </p:style>
+            <p:txBody>
+              <a:bodyPr rtlCol="0" anchor="ctr"/>
+              <a:lstStyle/>
+              <a:p>
+                <a:pPr algn="ctr"/>
+                <a:endParaRPr lang="de-AT"/>
+              </a:p>
+            </p:txBody>
+          </p:sp>
+          <p:sp>
+            <p:nvSpPr>
+              <p:cNvPr id="36" name="Rechteck 35">
+                <a:extLst>
+                  <a:ext uri="{FF2B5EF4-FFF2-40B4-BE49-F238E27FC236}">
+                    <a16:creationId xmlns:a16="http://schemas.microsoft.com/office/drawing/2014/main" id="{4C0DD043-CE50-4253-81A5-44263ED4FFD5}"/>
+                  </a:ext>
+                </a:extLst>
+              </p:cNvPr>
+              <p:cNvSpPr/>
+              <p:nvPr/>
+            </p:nvSpPr>
+            <p:spPr>
+              <a:xfrm>
+                <a:off x="5754970" y="3136239"/>
+                <a:ext cx="159026" cy="967408"/>
+              </a:xfrm>
+              <a:prstGeom prst="rect">
+                <a:avLst/>
+              </a:prstGeom>
+              <a:solidFill>
+                <a:schemeClr val="accent2">
+                  <a:lumMod val="40000"/>
+                  <a:lumOff val="60000"/>
+                </a:schemeClr>
+              </a:solidFill>
+            </p:spPr>
+            <p:style>
+              <a:lnRef idx="2">
+                <a:schemeClr val="accent1">
+                  <a:shade val="50000"/>
+                </a:schemeClr>
+              </a:lnRef>
+              <a:fillRef idx="1">
+                <a:schemeClr val="accent1"/>
+              </a:fillRef>
+              <a:effectRef idx="0">
+                <a:schemeClr val="accent1"/>
+              </a:effectRef>
+              <a:fontRef idx="minor">
+                <a:schemeClr val="lt1"/>
+              </a:fontRef>
+            </p:style>
+            <p:txBody>
+              <a:bodyPr rtlCol="0" anchor="ctr"/>
+              <a:lstStyle/>
+              <a:p>
+                <a:pPr algn="ctr"/>
+                <a:endParaRPr lang="de-AT"/>
+              </a:p>
+            </p:txBody>
+          </p:sp>
+          <p:sp>
+            <p:nvSpPr>
+              <p:cNvPr id="37" name="Rechteck 36">
+                <a:extLst>
+                  <a:ext uri="{FF2B5EF4-FFF2-40B4-BE49-F238E27FC236}">
+                    <a16:creationId xmlns:a16="http://schemas.microsoft.com/office/drawing/2014/main" id="{5A130CC0-D25F-41C1-8141-AEC6510CF284}"/>
+                  </a:ext>
+                </a:extLst>
+              </p:cNvPr>
+              <p:cNvSpPr/>
+              <p:nvPr/>
+            </p:nvSpPr>
+            <p:spPr>
+              <a:xfrm>
+                <a:off x="7237557" y="3136239"/>
+                <a:ext cx="159026" cy="967408"/>
+              </a:xfrm>
+              <a:prstGeom prst="rect">
+                <a:avLst/>
+              </a:prstGeom>
+              <a:solidFill>
+                <a:schemeClr val="accent2">
+                  <a:lumMod val="40000"/>
+                  <a:lumOff val="60000"/>
+                </a:schemeClr>
+              </a:solidFill>
+            </p:spPr>
+            <p:style>
+              <a:lnRef idx="2">
+                <a:schemeClr val="accent1">
+                  <a:shade val="50000"/>
+                </a:schemeClr>
+              </a:lnRef>
+              <a:fillRef idx="1">
+                <a:schemeClr val="accent1"/>
+              </a:fillRef>
+              <a:effectRef idx="0">
+                <a:schemeClr val="accent1"/>
+              </a:effectRef>
+              <a:fontRef idx="minor">
+                <a:schemeClr val="lt1"/>
+              </a:fontRef>
+            </p:style>
+            <p:txBody>
+              <a:bodyPr rtlCol="0" anchor="ctr"/>
+              <a:lstStyle/>
+              <a:p>
+                <a:pPr algn="ctr"/>
+                <a:endParaRPr lang="de-AT"/>
+              </a:p>
+            </p:txBody>
+          </p:sp>
+          <p:sp>
+            <p:nvSpPr>
+              <p:cNvPr id="38" name="Rechteck 37">
+                <a:extLst>
+                  <a:ext uri="{FF2B5EF4-FFF2-40B4-BE49-F238E27FC236}">
+                    <a16:creationId xmlns:a16="http://schemas.microsoft.com/office/drawing/2014/main" id="{9E2EAE2E-4936-46F3-ADC1-0185081F5421}"/>
+                  </a:ext>
+                </a:extLst>
+              </p:cNvPr>
+              <p:cNvSpPr/>
+              <p:nvPr/>
+            </p:nvSpPr>
+            <p:spPr>
+              <a:xfrm>
+                <a:off x="6742258" y="3136239"/>
+                <a:ext cx="159026" cy="967408"/>
+              </a:xfrm>
+              <a:prstGeom prst="rect">
+                <a:avLst/>
+              </a:prstGeom>
+              <a:solidFill>
+                <a:schemeClr val="accent2">
+                  <a:lumMod val="40000"/>
+                  <a:lumOff val="60000"/>
+                </a:schemeClr>
+              </a:solidFill>
+            </p:spPr>
+            <p:style>
+              <a:lnRef idx="2">
+                <a:schemeClr val="accent1">
+                  <a:shade val="50000"/>
+                </a:schemeClr>
+              </a:lnRef>
+              <a:fillRef idx="1">
+                <a:schemeClr val="accent1"/>
+              </a:fillRef>
+              <a:effectRef idx="0">
+                <a:schemeClr val="accent1"/>
+              </a:effectRef>
+              <a:fontRef idx="minor">
+                <a:schemeClr val="lt1"/>
+              </a:fontRef>
+            </p:style>
+            <p:txBody>
+              <a:bodyPr rtlCol="0" anchor="ctr"/>
+              <a:lstStyle/>
+              <a:p>
+                <a:pPr algn="ctr"/>
+                <a:endParaRPr lang="de-AT"/>
+              </a:p>
+            </p:txBody>
+          </p:sp>
+          <p:sp>
+            <p:nvSpPr>
+              <p:cNvPr id="39" name="Rechteck 38">
+                <a:extLst>
+                  <a:ext uri="{FF2B5EF4-FFF2-40B4-BE49-F238E27FC236}">
+                    <a16:creationId xmlns:a16="http://schemas.microsoft.com/office/drawing/2014/main" id="{D46772EF-FDA5-4513-BDEA-70225031B20B}"/>
+                  </a:ext>
+                </a:extLst>
+              </p:cNvPr>
+              <p:cNvSpPr/>
+              <p:nvPr/>
+            </p:nvSpPr>
+            <p:spPr>
+              <a:xfrm>
+                <a:off x="6248614" y="3136239"/>
+                <a:ext cx="159026" cy="967408"/>
+              </a:xfrm>
+              <a:prstGeom prst="rect">
+                <a:avLst/>
+              </a:prstGeom>
+              <a:solidFill>
+                <a:schemeClr val="accent2">
+                  <a:lumMod val="40000"/>
+                  <a:lumOff val="60000"/>
+                </a:schemeClr>
+              </a:solidFill>
+            </p:spPr>
+            <p:style>
+              <a:lnRef idx="2">
+                <a:schemeClr val="accent1">
+                  <a:shade val="50000"/>
+                </a:schemeClr>
+              </a:lnRef>
+              <a:fillRef idx="1">
+                <a:schemeClr val="accent1"/>
+              </a:fillRef>
+              <a:effectRef idx="0">
+                <a:schemeClr val="accent1"/>
+              </a:effectRef>
+              <a:fontRef idx="minor">
+                <a:schemeClr val="lt1"/>
+              </a:fontRef>
+            </p:style>
+            <p:txBody>
+              <a:bodyPr rtlCol="0" anchor="ctr"/>
+              <a:lstStyle/>
+              <a:p>
+                <a:pPr algn="ctr"/>
+                <a:endParaRPr lang="de-AT"/>
+              </a:p>
+            </p:txBody>
+          </p:sp>
+          <p:sp>
+            <p:nvSpPr>
+              <p:cNvPr id="40" name="Rechteck 39">
+                <a:extLst>
+                  <a:ext uri="{FF2B5EF4-FFF2-40B4-BE49-F238E27FC236}">
+                    <a16:creationId xmlns:a16="http://schemas.microsoft.com/office/drawing/2014/main" id="{AE57DB5B-93AC-457C-A79C-4420B52A0C0F}"/>
+                  </a:ext>
+                </a:extLst>
+              </p:cNvPr>
+              <p:cNvSpPr/>
+              <p:nvPr/>
+            </p:nvSpPr>
+            <p:spPr>
+              <a:xfrm>
+                <a:off x="8221532" y="3136239"/>
+                <a:ext cx="159026" cy="967408"/>
+              </a:xfrm>
+              <a:prstGeom prst="rect">
+                <a:avLst/>
+              </a:prstGeom>
+              <a:solidFill>
+                <a:schemeClr val="accent2">
+                  <a:lumMod val="40000"/>
+                  <a:lumOff val="60000"/>
+                </a:schemeClr>
+              </a:solidFill>
+            </p:spPr>
+            <p:style>
+              <a:lnRef idx="2">
+                <a:schemeClr val="accent1">
+                  <a:shade val="50000"/>
+                </a:schemeClr>
+              </a:lnRef>
+              <a:fillRef idx="1">
+                <a:schemeClr val="accent1"/>
+              </a:fillRef>
+              <a:effectRef idx="0">
+                <a:schemeClr val="accent1"/>
+              </a:effectRef>
+              <a:fontRef idx="minor">
+                <a:schemeClr val="lt1"/>
+              </a:fontRef>
+            </p:style>
+            <p:txBody>
+              <a:bodyPr rtlCol="0" anchor="ctr"/>
+              <a:lstStyle/>
+              <a:p>
+                <a:pPr algn="ctr"/>
+                <a:endParaRPr lang="de-AT"/>
+              </a:p>
+            </p:txBody>
+          </p:sp>
+          <p:sp>
+            <p:nvSpPr>
+              <p:cNvPr id="41" name="Rechteck 40">
+                <a:extLst>
+                  <a:ext uri="{FF2B5EF4-FFF2-40B4-BE49-F238E27FC236}">
+                    <a16:creationId xmlns:a16="http://schemas.microsoft.com/office/drawing/2014/main" id="{D8BDFB61-1B4D-499D-A3BE-933368213054}"/>
+                  </a:ext>
+                </a:extLst>
+              </p:cNvPr>
+              <p:cNvSpPr/>
+              <p:nvPr/>
+            </p:nvSpPr>
+            <p:spPr>
+              <a:xfrm>
+                <a:off x="7732856" y="3136239"/>
+                <a:ext cx="159026" cy="967408"/>
+              </a:xfrm>
+              <a:prstGeom prst="rect">
+                <a:avLst/>
+              </a:prstGeom>
+              <a:solidFill>
+                <a:schemeClr val="accent2">
+                  <a:lumMod val="40000"/>
+                  <a:lumOff val="60000"/>
+                </a:schemeClr>
+              </a:solidFill>
+            </p:spPr>
+            <p:style>
+              <a:lnRef idx="2">
+                <a:schemeClr val="accent1">
+                  <a:shade val="50000"/>
+                </a:schemeClr>
+              </a:lnRef>
+              <a:fillRef idx="1">
+                <a:schemeClr val="accent1"/>
+              </a:fillRef>
+              <a:effectRef idx="0">
+                <a:schemeClr val="accent1"/>
+              </a:effectRef>
+              <a:fontRef idx="minor">
+                <a:schemeClr val="lt1"/>
+              </a:fontRef>
+            </p:style>
+            <p:txBody>
+              <a:bodyPr rtlCol="0" anchor="ctr"/>
+              <a:lstStyle/>
+              <a:p>
+                <a:pPr algn="ctr"/>
+                <a:endParaRPr lang="de-AT"/>
+              </a:p>
+            </p:txBody>
+          </p:sp>
+          <p:sp>
+            <p:nvSpPr>
+              <p:cNvPr id="42" name="Rechteck 41">
+                <a:extLst>
+                  <a:ext uri="{FF2B5EF4-FFF2-40B4-BE49-F238E27FC236}">
+                    <a16:creationId xmlns:a16="http://schemas.microsoft.com/office/drawing/2014/main" id="{277DBBDD-885B-4E96-B0B2-8A1C41A1D538}"/>
+                  </a:ext>
+                </a:extLst>
+              </p:cNvPr>
+              <p:cNvSpPr/>
+              <p:nvPr/>
+            </p:nvSpPr>
+            <p:spPr>
+              <a:xfrm>
+                <a:off x="2814643" y="5322847"/>
+                <a:ext cx="159026" cy="967408"/>
+              </a:xfrm>
+              <a:prstGeom prst="rect">
+                <a:avLst/>
+              </a:prstGeom>
+              <a:solidFill>
+                <a:schemeClr val="accent2">
+                  <a:lumMod val="40000"/>
+                  <a:lumOff val="60000"/>
+                </a:schemeClr>
+              </a:solidFill>
+            </p:spPr>
+            <p:style>
+              <a:lnRef idx="2">
+                <a:schemeClr val="accent1">
+                  <a:shade val="50000"/>
+                </a:schemeClr>
+              </a:lnRef>
+              <a:fillRef idx="1">
+                <a:schemeClr val="accent1"/>
+              </a:fillRef>
+              <a:effectRef idx="0">
+                <a:schemeClr val="accent1"/>
+              </a:effectRef>
+              <a:fontRef idx="minor">
+                <a:schemeClr val="lt1"/>
+              </a:fontRef>
+            </p:style>
+            <p:txBody>
+              <a:bodyPr rtlCol="0" anchor="ctr"/>
+              <a:lstStyle/>
+              <a:p>
+                <a:pPr algn="ctr"/>
+                <a:endParaRPr lang="de-AT"/>
+              </a:p>
+            </p:txBody>
+          </p:sp>
+          <p:sp>
+            <p:nvSpPr>
+              <p:cNvPr id="43" name="Rechteck 42">
+                <a:extLst>
+                  <a:ext uri="{FF2B5EF4-FFF2-40B4-BE49-F238E27FC236}">
+                    <a16:creationId xmlns:a16="http://schemas.microsoft.com/office/drawing/2014/main" id="{7222D80A-975F-480F-945D-6EACC58F4A65}"/>
+                  </a:ext>
+                </a:extLst>
+              </p:cNvPr>
+              <p:cNvSpPr/>
+              <p:nvPr/>
+            </p:nvSpPr>
+            <p:spPr>
+              <a:xfrm>
+                <a:off x="3304973" y="5322847"/>
+                <a:ext cx="159026" cy="967408"/>
+              </a:xfrm>
+              <a:prstGeom prst="rect">
+                <a:avLst/>
+              </a:prstGeom>
+              <a:solidFill>
+                <a:schemeClr val="accent2">
+                  <a:lumMod val="40000"/>
+                  <a:lumOff val="60000"/>
+                </a:schemeClr>
+              </a:solidFill>
+            </p:spPr>
+            <p:style>
+              <a:lnRef idx="2">
+                <a:schemeClr val="accent1">
+                  <a:shade val="50000"/>
+                </a:schemeClr>
+              </a:lnRef>
+              <a:fillRef idx="1">
+                <a:schemeClr val="accent1"/>
+              </a:fillRef>
+              <a:effectRef idx="0">
+                <a:schemeClr val="accent1"/>
+              </a:effectRef>
+              <a:fontRef idx="minor">
+                <a:schemeClr val="lt1"/>
+              </a:fontRef>
+            </p:style>
+            <p:txBody>
+              <a:bodyPr rtlCol="0" anchor="ctr"/>
+              <a:lstStyle/>
+              <a:p>
+                <a:pPr algn="ctr"/>
+                <a:endParaRPr lang="de-AT"/>
+              </a:p>
+            </p:txBody>
+          </p:sp>
+          <p:sp>
+            <p:nvSpPr>
+              <p:cNvPr id="44" name="Rechteck 43">
+                <a:extLst>
+                  <a:ext uri="{FF2B5EF4-FFF2-40B4-BE49-F238E27FC236}">
+                    <a16:creationId xmlns:a16="http://schemas.microsoft.com/office/drawing/2014/main" id="{06FC808E-8F0B-4DB4-9596-75BAF0BADBF8}"/>
+                  </a:ext>
+                </a:extLst>
+              </p:cNvPr>
+              <p:cNvSpPr/>
+              <p:nvPr/>
+            </p:nvSpPr>
+            <p:spPr>
+              <a:xfrm>
+                <a:off x="3793647" y="5322847"/>
+                <a:ext cx="159026" cy="967408"/>
+              </a:xfrm>
+              <a:prstGeom prst="rect">
+                <a:avLst/>
+              </a:prstGeom>
+              <a:solidFill>
+                <a:schemeClr val="accent2">
+                  <a:lumMod val="40000"/>
+                  <a:lumOff val="60000"/>
+                </a:schemeClr>
+              </a:solidFill>
+            </p:spPr>
+            <p:style>
+              <a:lnRef idx="2">
+                <a:schemeClr val="accent1">
+                  <a:shade val="50000"/>
+                </a:schemeClr>
+              </a:lnRef>
+              <a:fillRef idx="1">
+                <a:schemeClr val="accent1"/>
+              </a:fillRef>
+              <a:effectRef idx="0">
+                <a:schemeClr val="accent1"/>
+              </a:effectRef>
+              <a:fontRef idx="minor">
+                <a:schemeClr val="lt1"/>
+              </a:fontRef>
+            </p:style>
+            <p:txBody>
+              <a:bodyPr rtlCol="0" anchor="ctr"/>
+              <a:lstStyle/>
+              <a:p>
+                <a:pPr algn="ctr"/>
+                <a:endParaRPr lang="de-AT"/>
+              </a:p>
+            </p:txBody>
+          </p:sp>
+          <p:sp>
+            <p:nvSpPr>
+              <p:cNvPr id="45" name="Rechteck 44">
+                <a:extLst>
+                  <a:ext uri="{FF2B5EF4-FFF2-40B4-BE49-F238E27FC236}">
+                    <a16:creationId xmlns:a16="http://schemas.microsoft.com/office/drawing/2014/main" id="{93894386-0DBC-4EF3-BEEF-C317CCF6DF2F}"/>
+                  </a:ext>
+                </a:extLst>
+              </p:cNvPr>
+              <p:cNvSpPr/>
+              <p:nvPr/>
+            </p:nvSpPr>
+            <p:spPr>
+              <a:xfrm>
+                <a:off x="4282321" y="5322847"/>
+                <a:ext cx="159026" cy="967408"/>
+              </a:xfrm>
+              <a:prstGeom prst="rect">
+                <a:avLst/>
+              </a:prstGeom>
+              <a:solidFill>
+                <a:schemeClr val="accent2">
+                  <a:lumMod val="40000"/>
+                  <a:lumOff val="60000"/>
+                </a:schemeClr>
+              </a:solidFill>
+            </p:spPr>
+            <p:style>
+              <a:lnRef idx="2">
+                <a:schemeClr val="accent1">
+                  <a:shade val="50000"/>
+                </a:schemeClr>
+              </a:lnRef>
+              <a:fillRef idx="1">
+                <a:schemeClr val="accent1"/>
+              </a:fillRef>
+              <a:effectRef idx="0">
+                <a:schemeClr val="accent1"/>
+              </a:effectRef>
+              <a:fontRef idx="minor">
+                <a:schemeClr val="lt1"/>
+              </a:fontRef>
+            </p:style>
+            <p:txBody>
+              <a:bodyPr rtlCol="0" anchor="ctr"/>
+              <a:lstStyle/>
+              <a:p>
+                <a:pPr algn="ctr"/>
+                <a:endParaRPr lang="de-AT"/>
+              </a:p>
+            </p:txBody>
+          </p:sp>
+          <p:sp>
+            <p:nvSpPr>
+              <p:cNvPr id="46" name="Rechteck 45">
+                <a:extLst>
+                  <a:ext uri="{FF2B5EF4-FFF2-40B4-BE49-F238E27FC236}">
+                    <a16:creationId xmlns:a16="http://schemas.microsoft.com/office/drawing/2014/main" id="{DBF5E390-3147-41FD-963C-F818496EA941}"/>
+                  </a:ext>
+                </a:extLst>
+              </p:cNvPr>
+              <p:cNvSpPr/>
+              <p:nvPr/>
+            </p:nvSpPr>
+            <p:spPr>
+              <a:xfrm>
+                <a:off x="4770995" y="5322847"/>
+                <a:ext cx="159026" cy="967408"/>
+              </a:xfrm>
+              <a:prstGeom prst="rect">
+                <a:avLst/>
+              </a:prstGeom>
+              <a:solidFill>
+                <a:schemeClr val="accent2">
+                  <a:lumMod val="40000"/>
+                  <a:lumOff val="60000"/>
+                </a:schemeClr>
+              </a:solidFill>
+            </p:spPr>
+            <p:style>
+              <a:lnRef idx="2">
+                <a:schemeClr val="accent1">
+                  <a:shade val="50000"/>
+                </a:schemeClr>
+              </a:lnRef>
+              <a:fillRef idx="1">
+                <a:schemeClr val="accent1"/>
+              </a:fillRef>
+              <a:effectRef idx="0">
+                <a:schemeClr val="accent1"/>
+              </a:effectRef>
+              <a:fontRef idx="minor">
+                <a:schemeClr val="lt1"/>
+              </a:fontRef>
+            </p:style>
+            <p:txBody>
+              <a:bodyPr rtlCol="0" anchor="ctr"/>
+              <a:lstStyle/>
+              <a:p>
+                <a:pPr algn="ctr"/>
+                <a:endParaRPr lang="de-AT"/>
+              </a:p>
+            </p:txBody>
+          </p:sp>
+          <p:sp>
+            <p:nvSpPr>
+              <p:cNvPr id="47" name="Rechteck 46">
+                <a:extLst>
+                  <a:ext uri="{FF2B5EF4-FFF2-40B4-BE49-F238E27FC236}">
+                    <a16:creationId xmlns:a16="http://schemas.microsoft.com/office/drawing/2014/main" id="{7FCFF885-783E-4006-BE25-9A1A9073BEB6}"/>
+                  </a:ext>
+                </a:extLst>
+              </p:cNvPr>
+              <p:cNvSpPr/>
+              <p:nvPr/>
+            </p:nvSpPr>
+            <p:spPr>
+              <a:xfrm>
+                <a:off x="5238134" y="5322847"/>
+                <a:ext cx="159026" cy="967408"/>
+              </a:xfrm>
+              <a:prstGeom prst="rect">
+                <a:avLst/>
+              </a:prstGeom>
+              <a:solidFill>
+                <a:schemeClr val="accent2">
+                  <a:lumMod val="40000"/>
+                  <a:lumOff val="60000"/>
+                </a:schemeClr>
+              </a:solidFill>
+            </p:spPr>
+            <p:style>
+              <a:lnRef idx="2">
+                <a:schemeClr val="accent1">
+                  <a:shade val="50000"/>
+                </a:schemeClr>
+              </a:lnRef>
+              <a:fillRef idx="1">
+                <a:schemeClr val="accent1"/>
+              </a:fillRef>
+              <a:effectRef idx="0">
+                <a:schemeClr val="accent1"/>
+              </a:effectRef>
+              <a:fontRef idx="minor">
+                <a:schemeClr val="lt1"/>
+              </a:fontRef>
+            </p:style>
+            <p:txBody>
+              <a:bodyPr rtlCol="0" anchor="ctr"/>
+              <a:lstStyle/>
+              <a:p>
+                <a:pPr algn="ctr"/>
+                <a:endParaRPr lang="de-AT"/>
+              </a:p>
+            </p:txBody>
+          </p:sp>
+          <p:sp>
+            <p:nvSpPr>
+              <p:cNvPr id="48" name="Rechteck 47">
+                <a:extLst>
+                  <a:ext uri="{FF2B5EF4-FFF2-40B4-BE49-F238E27FC236}">
+                    <a16:creationId xmlns:a16="http://schemas.microsoft.com/office/drawing/2014/main" id="{42E306E8-3B46-43C2-BC4A-08E1F4C77722}"/>
+                  </a:ext>
+                </a:extLst>
+              </p:cNvPr>
+              <p:cNvSpPr/>
+              <p:nvPr/>
+            </p:nvSpPr>
+            <p:spPr>
+              <a:xfrm>
+                <a:off x="5730122" y="5322847"/>
+                <a:ext cx="159026" cy="967408"/>
+              </a:xfrm>
+              <a:prstGeom prst="rect">
+                <a:avLst/>
+              </a:prstGeom>
+              <a:solidFill>
+                <a:schemeClr val="accent2">
+                  <a:lumMod val="40000"/>
+                  <a:lumOff val="60000"/>
+                </a:schemeClr>
+              </a:solidFill>
+            </p:spPr>
+            <p:style>
+              <a:lnRef idx="2">
+                <a:schemeClr val="accent1">
+                  <a:shade val="50000"/>
+                </a:schemeClr>
+              </a:lnRef>
+              <a:fillRef idx="1">
+                <a:schemeClr val="accent1"/>
+              </a:fillRef>
+              <a:effectRef idx="0">
+                <a:schemeClr val="accent1"/>
+              </a:effectRef>
+              <a:fontRef idx="minor">
+                <a:schemeClr val="lt1"/>
+              </a:fontRef>
+            </p:style>
+            <p:txBody>
+              <a:bodyPr rtlCol="0" anchor="ctr"/>
+              <a:lstStyle/>
+              <a:p>
+                <a:pPr algn="ctr"/>
+                <a:endParaRPr lang="de-AT"/>
+              </a:p>
+            </p:txBody>
+          </p:sp>
+          <p:sp>
+            <p:nvSpPr>
+              <p:cNvPr id="49" name="Rechteck 48">
+                <a:extLst>
+                  <a:ext uri="{FF2B5EF4-FFF2-40B4-BE49-F238E27FC236}">
+                    <a16:creationId xmlns:a16="http://schemas.microsoft.com/office/drawing/2014/main" id="{76608CDC-2C6D-4669-B300-FF7462345999}"/>
+                  </a:ext>
+                </a:extLst>
+              </p:cNvPr>
+              <p:cNvSpPr/>
+              <p:nvPr/>
+            </p:nvSpPr>
+            <p:spPr>
+              <a:xfrm>
+                <a:off x="6217140" y="5322847"/>
+                <a:ext cx="159026" cy="967408"/>
+              </a:xfrm>
+              <a:prstGeom prst="rect">
+                <a:avLst/>
+              </a:prstGeom>
+              <a:solidFill>
+                <a:schemeClr val="accent2">
+                  <a:lumMod val="40000"/>
+                  <a:lumOff val="60000"/>
+                </a:schemeClr>
+              </a:solidFill>
+            </p:spPr>
+            <p:style>
+              <a:lnRef idx="2">
+                <a:schemeClr val="accent1">
+                  <a:shade val="50000"/>
+                </a:schemeClr>
+              </a:lnRef>
+              <a:fillRef idx="1">
+                <a:schemeClr val="accent1"/>
+              </a:fillRef>
+              <a:effectRef idx="0">
+                <a:schemeClr val="accent1"/>
+              </a:effectRef>
+              <a:fontRef idx="minor">
+                <a:schemeClr val="lt1"/>
+              </a:fontRef>
+            </p:style>
+            <p:txBody>
+              <a:bodyPr rtlCol="0" anchor="ctr"/>
+              <a:lstStyle/>
+              <a:p>
+                <a:pPr algn="ctr"/>
+                <a:endParaRPr lang="de-AT"/>
+              </a:p>
+            </p:txBody>
+          </p:sp>
+          <p:sp>
+            <p:nvSpPr>
+              <p:cNvPr id="50" name="Rechteck 49">
+                <a:extLst>
+                  <a:ext uri="{FF2B5EF4-FFF2-40B4-BE49-F238E27FC236}">
+                    <a16:creationId xmlns:a16="http://schemas.microsoft.com/office/drawing/2014/main" id="{9E9E5BD8-05F8-4289-B4C8-1917321A902C}"/>
+                  </a:ext>
+                </a:extLst>
+              </p:cNvPr>
+              <p:cNvSpPr/>
+              <p:nvPr/>
+            </p:nvSpPr>
+            <p:spPr>
+              <a:xfrm>
+                <a:off x="6704156" y="5322847"/>
+                <a:ext cx="159026" cy="967408"/>
+              </a:xfrm>
+              <a:prstGeom prst="rect">
+                <a:avLst/>
+              </a:prstGeom>
+              <a:solidFill>
+                <a:schemeClr val="accent2">
+                  <a:lumMod val="40000"/>
+                  <a:lumOff val="60000"/>
+                </a:schemeClr>
+              </a:solidFill>
+            </p:spPr>
+            <p:style>
+              <a:lnRef idx="2">
+                <a:schemeClr val="accent1">
+                  <a:shade val="50000"/>
+                </a:schemeClr>
+              </a:lnRef>
+              <a:fillRef idx="1">
+                <a:schemeClr val="accent1"/>
+              </a:fillRef>
+              <a:effectRef idx="0">
+                <a:schemeClr val="accent1"/>
+              </a:effectRef>
+              <a:fontRef idx="minor">
+                <a:schemeClr val="lt1"/>
+              </a:fontRef>
+            </p:style>
+            <p:txBody>
+              <a:bodyPr rtlCol="0" anchor="ctr"/>
+              <a:lstStyle/>
+              <a:p>
+                <a:pPr algn="ctr"/>
+                <a:endParaRPr lang="de-AT"/>
+              </a:p>
+            </p:txBody>
+          </p:sp>
+          <p:sp>
+            <p:nvSpPr>
+              <p:cNvPr id="51" name="Rechteck 50">
+                <a:extLst>
+                  <a:ext uri="{FF2B5EF4-FFF2-40B4-BE49-F238E27FC236}">
+                    <a16:creationId xmlns:a16="http://schemas.microsoft.com/office/drawing/2014/main" id="{6C37132E-3519-41FE-85AA-58BD5BD3E758}"/>
+                  </a:ext>
+                </a:extLst>
+              </p:cNvPr>
+              <p:cNvSpPr/>
+              <p:nvPr/>
+            </p:nvSpPr>
+            <p:spPr>
+              <a:xfrm>
+                <a:off x="7237557" y="5322847"/>
+                <a:ext cx="159026" cy="967408"/>
+              </a:xfrm>
+              <a:prstGeom prst="rect">
+                <a:avLst/>
+              </a:prstGeom>
+              <a:solidFill>
+                <a:schemeClr val="accent2">
+                  <a:lumMod val="40000"/>
+                  <a:lumOff val="60000"/>
+                </a:schemeClr>
+              </a:solidFill>
+            </p:spPr>
+            <p:style>
+              <a:lnRef idx="2">
+                <a:schemeClr val="accent1">
+                  <a:shade val="50000"/>
+                </a:schemeClr>
+              </a:lnRef>
+              <a:fillRef idx="1">
+                <a:schemeClr val="accent1"/>
+              </a:fillRef>
+              <a:effectRef idx="0">
+                <a:schemeClr val="accent1"/>
+              </a:effectRef>
+              <a:fontRef idx="minor">
+                <a:schemeClr val="lt1"/>
+              </a:fontRef>
+            </p:style>
+            <p:txBody>
+              <a:bodyPr rtlCol="0" anchor="ctr"/>
+              <a:lstStyle/>
+              <a:p>
+                <a:pPr algn="ctr"/>
+                <a:endParaRPr lang="de-AT"/>
+              </a:p>
+            </p:txBody>
+          </p:sp>
+          <p:sp>
+            <p:nvSpPr>
+              <p:cNvPr id="52" name="Rechteck 51">
+                <a:extLst>
+                  <a:ext uri="{FF2B5EF4-FFF2-40B4-BE49-F238E27FC236}">
+                    <a16:creationId xmlns:a16="http://schemas.microsoft.com/office/drawing/2014/main" id="{126F772D-D09F-4496-9EBA-826227534BB6}"/>
+                  </a:ext>
+                </a:extLst>
+              </p:cNvPr>
+              <p:cNvSpPr/>
+              <p:nvPr/>
+            </p:nvSpPr>
+            <p:spPr>
+              <a:xfrm>
+                <a:off x="7732856" y="5322847"/>
+                <a:ext cx="159026" cy="967408"/>
+              </a:xfrm>
+              <a:prstGeom prst="rect">
+                <a:avLst/>
+              </a:prstGeom>
+              <a:solidFill>
+                <a:schemeClr val="accent2">
+                  <a:lumMod val="40000"/>
+                  <a:lumOff val="60000"/>
+                </a:schemeClr>
+              </a:solidFill>
+            </p:spPr>
+            <p:style>
+              <a:lnRef idx="2">
+                <a:schemeClr val="accent1">
+                  <a:shade val="50000"/>
+                </a:schemeClr>
+              </a:lnRef>
+              <a:fillRef idx="1">
+                <a:schemeClr val="accent1"/>
+              </a:fillRef>
+              <a:effectRef idx="0">
+                <a:schemeClr val="accent1"/>
+              </a:effectRef>
+              <a:fontRef idx="minor">
+                <a:schemeClr val="lt1"/>
+              </a:fontRef>
+            </p:style>
+            <p:txBody>
+              <a:bodyPr rtlCol="0" anchor="ctr"/>
+              <a:lstStyle/>
+              <a:p>
+                <a:pPr algn="ctr"/>
+                <a:endParaRPr lang="de-AT"/>
+              </a:p>
+            </p:txBody>
+          </p:sp>
+          <p:sp>
+            <p:nvSpPr>
+              <p:cNvPr id="53" name="Rechteck 52">
+                <a:extLst>
+                  <a:ext uri="{FF2B5EF4-FFF2-40B4-BE49-F238E27FC236}">
+                    <a16:creationId xmlns:a16="http://schemas.microsoft.com/office/drawing/2014/main" id="{8CCA0E2A-421D-4185-9D56-959A8557FABD}"/>
+                  </a:ext>
+                </a:extLst>
+              </p:cNvPr>
+              <p:cNvSpPr/>
+              <p:nvPr/>
+            </p:nvSpPr>
+            <p:spPr>
+              <a:xfrm>
+                <a:off x="8221532" y="5322847"/>
+                <a:ext cx="159026" cy="967408"/>
+              </a:xfrm>
+              <a:prstGeom prst="rect">
+                <a:avLst/>
+              </a:prstGeom>
+              <a:solidFill>
+                <a:schemeClr val="accent2">
+                  <a:lumMod val="40000"/>
+                  <a:lumOff val="60000"/>
+                </a:schemeClr>
+              </a:solidFill>
+            </p:spPr>
+            <p:style>
+              <a:lnRef idx="2">
+                <a:schemeClr val="accent1">
+                  <a:shade val="50000"/>
+                </a:schemeClr>
+              </a:lnRef>
+              <a:fillRef idx="1">
+                <a:schemeClr val="accent1"/>
+              </a:fillRef>
+              <a:effectRef idx="0">
+                <a:schemeClr val="accent1"/>
+              </a:effectRef>
+              <a:fontRef idx="minor">
+                <a:schemeClr val="lt1"/>
+              </a:fontRef>
+            </p:style>
+            <p:txBody>
+              <a:bodyPr rtlCol="0" anchor="ctr"/>
+              <a:lstStyle/>
+              <a:p>
+                <a:pPr algn="ctr"/>
+                <a:endParaRPr lang="de-AT"/>
+              </a:p>
+            </p:txBody>
+          </p:sp>
+          <p:sp>
+            <p:nvSpPr>
+              <p:cNvPr id="56" name="Rechteck 55">
+                <a:extLst>
+                  <a:ext uri="{FF2B5EF4-FFF2-40B4-BE49-F238E27FC236}">
+                    <a16:creationId xmlns:a16="http://schemas.microsoft.com/office/drawing/2014/main" id="{F288145F-A1F6-420B-AA0C-7C92ECA0C011}"/>
+                  </a:ext>
+                </a:extLst>
+              </p:cNvPr>
+              <p:cNvSpPr/>
+              <p:nvPr/>
+            </p:nvSpPr>
+            <p:spPr>
+              <a:xfrm rot="1715693">
+                <a:off x="8900283" y="3289697"/>
+                <a:ext cx="159026" cy="967408"/>
+              </a:xfrm>
+              <a:prstGeom prst="rect">
+                <a:avLst/>
+              </a:prstGeom>
+              <a:solidFill>
+                <a:schemeClr val="accent2">
+                  <a:lumMod val="40000"/>
+                  <a:lumOff val="60000"/>
+                </a:schemeClr>
+              </a:solidFill>
+            </p:spPr>
+            <p:style>
+              <a:lnRef idx="2">
+                <a:schemeClr val="accent1">
+                  <a:shade val="50000"/>
+                </a:schemeClr>
+              </a:lnRef>
+              <a:fillRef idx="1">
+                <a:schemeClr val="accent1"/>
+              </a:fillRef>
+              <a:effectRef idx="0">
+                <a:schemeClr val="accent1"/>
+              </a:effectRef>
+              <a:fontRef idx="minor">
+                <a:schemeClr val="lt1"/>
+              </a:fontRef>
+            </p:style>
+            <p:txBody>
+              <a:bodyPr rtlCol="0" anchor="ctr"/>
+              <a:lstStyle/>
+              <a:p>
+                <a:pPr algn="ctr"/>
+                <a:endParaRPr lang="de-AT"/>
+              </a:p>
+            </p:txBody>
+          </p:sp>
+          <p:sp>
+            <p:nvSpPr>
+              <p:cNvPr id="57" name="Rechteck 56">
+                <a:extLst>
+                  <a:ext uri="{FF2B5EF4-FFF2-40B4-BE49-F238E27FC236}">
+                    <a16:creationId xmlns:a16="http://schemas.microsoft.com/office/drawing/2014/main" id="{F038AA7F-165F-4F2C-9040-B3ACF3D64910}"/>
+                  </a:ext>
+                </a:extLst>
+              </p:cNvPr>
+              <p:cNvSpPr/>
+              <p:nvPr/>
+            </p:nvSpPr>
+            <p:spPr>
+              <a:xfrm rot="5400000">
+                <a:off x="9499376" y="4229543"/>
+                <a:ext cx="159026" cy="967408"/>
+              </a:xfrm>
+              <a:prstGeom prst="rect">
+                <a:avLst/>
+              </a:prstGeom>
+              <a:solidFill>
+                <a:schemeClr val="accent2">
+                  <a:lumMod val="40000"/>
+                  <a:lumOff val="60000"/>
+                </a:schemeClr>
+              </a:solidFill>
+            </p:spPr>
+            <p:style>
+              <a:lnRef idx="2">
+                <a:schemeClr val="accent1">
+                  <a:shade val="50000"/>
+                </a:schemeClr>
+              </a:lnRef>
+              <a:fillRef idx="1">
+                <a:schemeClr val="accent1"/>
+              </a:fillRef>
+              <a:effectRef idx="0">
+                <a:schemeClr val="accent1"/>
+              </a:effectRef>
+              <a:fontRef idx="minor">
+                <a:schemeClr val="lt1"/>
+              </a:fontRef>
+            </p:style>
+            <p:txBody>
+              <a:bodyPr rtlCol="0" anchor="ctr"/>
+              <a:lstStyle/>
+              <a:p>
+                <a:pPr algn="ctr"/>
+                <a:endParaRPr lang="de-AT"/>
+              </a:p>
+            </p:txBody>
+          </p:sp>
+          <p:sp>
+            <p:nvSpPr>
+              <p:cNvPr id="58" name="Rechteck 57">
+                <a:extLst>
+                  <a:ext uri="{FF2B5EF4-FFF2-40B4-BE49-F238E27FC236}">
+                    <a16:creationId xmlns:a16="http://schemas.microsoft.com/office/drawing/2014/main" id="{E1B761D8-4BA7-4CBC-AFA3-8322286BAF8D}"/>
+                  </a:ext>
+                </a:extLst>
+              </p:cNvPr>
+              <p:cNvSpPr/>
+              <p:nvPr/>
+            </p:nvSpPr>
+            <p:spPr>
+              <a:xfrm rot="8974235">
+                <a:off x="8888059" y="5190067"/>
+                <a:ext cx="159026" cy="967408"/>
+              </a:xfrm>
+              <a:prstGeom prst="rect">
+                <a:avLst/>
+              </a:prstGeom>
+              <a:solidFill>
+                <a:schemeClr val="accent2">
+                  <a:lumMod val="40000"/>
+                  <a:lumOff val="60000"/>
+                </a:schemeClr>
+              </a:solidFill>
+            </p:spPr>
+            <p:style>
+              <a:lnRef idx="2">
+                <a:schemeClr val="accent1">
+                  <a:shade val="50000"/>
+                </a:schemeClr>
+              </a:lnRef>
+              <a:fillRef idx="1">
+                <a:schemeClr val="accent1"/>
+              </a:fillRef>
+              <a:effectRef idx="0">
+                <a:schemeClr val="accent1"/>
+              </a:effectRef>
+              <a:fontRef idx="minor">
+                <a:schemeClr val="lt1"/>
+              </a:fontRef>
+            </p:style>
+            <p:txBody>
+              <a:bodyPr rtlCol="0" anchor="ctr"/>
+              <a:lstStyle/>
+              <a:p>
+                <a:pPr algn="ctr"/>
+                <a:endParaRPr lang="de-AT"/>
+              </a:p>
+            </p:txBody>
+          </p:sp>
+          <p:sp>
+            <p:nvSpPr>
+              <p:cNvPr id="59" name="Rechteck 58">
+                <a:extLst>
+                  <a:ext uri="{FF2B5EF4-FFF2-40B4-BE49-F238E27FC236}">
+                    <a16:creationId xmlns:a16="http://schemas.microsoft.com/office/drawing/2014/main" id="{24CD29BD-2502-49DC-B5D5-F1ECFB13A243}"/>
+                  </a:ext>
+                </a:extLst>
+              </p:cNvPr>
+              <p:cNvSpPr/>
+              <p:nvPr/>
+            </p:nvSpPr>
+            <p:spPr>
+              <a:xfrm rot="16200000">
+                <a:off x="1594613" y="4229543"/>
+                <a:ext cx="159026" cy="967408"/>
+              </a:xfrm>
+              <a:prstGeom prst="rect">
+                <a:avLst/>
+              </a:prstGeom>
+              <a:solidFill>
+                <a:schemeClr val="accent2">
+                  <a:lumMod val="40000"/>
+                  <a:lumOff val="60000"/>
+                </a:schemeClr>
+              </a:solidFill>
+            </p:spPr>
+            <p:style>
+              <a:lnRef idx="2">
+                <a:schemeClr val="accent1">
+                  <a:shade val="50000"/>
+                </a:schemeClr>
+              </a:lnRef>
+              <a:fillRef idx="1">
+                <a:schemeClr val="accent1"/>
+              </a:fillRef>
+              <a:effectRef idx="0">
+                <a:schemeClr val="accent1"/>
+              </a:effectRef>
+              <a:fontRef idx="minor">
+                <a:schemeClr val="lt1"/>
+              </a:fontRef>
+            </p:style>
+            <p:txBody>
+              <a:bodyPr rtlCol="0" anchor="ctr"/>
+              <a:lstStyle/>
+              <a:p>
+                <a:pPr algn="ctr"/>
+                <a:endParaRPr lang="de-AT"/>
+              </a:p>
+            </p:txBody>
+          </p:sp>
+          <p:sp>
+            <p:nvSpPr>
+              <p:cNvPr id="60" name="Rechteck 59">
+                <a:extLst>
+                  <a:ext uri="{FF2B5EF4-FFF2-40B4-BE49-F238E27FC236}">
+                    <a16:creationId xmlns:a16="http://schemas.microsoft.com/office/drawing/2014/main" id="{F09A24B6-9522-428A-BF8F-45DA5D9AD853}"/>
+                  </a:ext>
+                </a:extLst>
+              </p:cNvPr>
+              <p:cNvSpPr/>
+              <p:nvPr/>
+            </p:nvSpPr>
+            <p:spPr>
+              <a:xfrm rot="19614792">
+                <a:off x="2119849" y="3321766"/>
+                <a:ext cx="159026" cy="967408"/>
+              </a:xfrm>
+              <a:prstGeom prst="rect">
+                <a:avLst/>
+              </a:prstGeom>
+              <a:solidFill>
+                <a:schemeClr val="accent2">
+                  <a:lumMod val="40000"/>
+                  <a:lumOff val="60000"/>
+                </a:schemeClr>
+              </a:solidFill>
+            </p:spPr>
+            <p:style>
+              <a:lnRef idx="2">
+                <a:schemeClr val="accent1">
+                  <a:shade val="50000"/>
+                </a:schemeClr>
+              </a:lnRef>
+              <a:fillRef idx="1">
+                <a:schemeClr val="accent1"/>
+              </a:fillRef>
+              <a:effectRef idx="0">
+                <a:schemeClr val="accent1"/>
+              </a:effectRef>
+              <a:fontRef idx="minor">
+                <a:schemeClr val="lt1"/>
+              </a:fontRef>
+            </p:style>
+            <p:txBody>
+              <a:bodyPr rtlCol="0" anchor="ctr"/>
+              <a:lstStyle/>
+              <a:p>
+                <a:pPr algn="ctr"/>
+                <a:endParaRPr lang="de-AT"/>
+              </a:p>
+            </p:txBody>
+          </p:sp>
+          <p:sp>
+            <p:nvSpPr>
+              <p:cNvPr id="61" name="Rechteck 60">
+                <a:extLst>
+                  <a:ext uri="{FF2B5EF4-FFF2-40B4-BE49-F238E27FC236}">
+                    <a16:creationId xmlns:a16="http://schemas.microsoft.com/office/drawing/2014/main" id="{6498595D-7E1F-488A-9BFB-1676836F40B8}"/>
+                  </a:ext>
+                </a:extLst>
+              </p:cNvPr>
+              <p:cNvSpPr/>
+              <p:nvPr/>
+            </p:nvSpPr>
+            <p:spPr>
+              <a:xfrm rot="12850126">
+                <a:off x="2129180" y="5161869"/>
+                <a:ext cx="159026" cy="967408"/>
+              </a:xfrm>
+              <a:prstGeom prst="rect">
+                <a:avLst/>
+              </a:prstGeom>
+              <a:solidFill>
+                <a:schemeClr val="accent2">
+                  <a:lumMod val="40000"/>
+                  <a:lumOff val="60000"/>
+                </a:schemeClr>
+              </a:solidFill>
+            </p:spPr>
+            <p:style>
+              <a:lnRef idx="2">
+                <a:schemeClr val="accent1">
+                  <a:shade val="50000"/>
+                </a:schemeClr>
+              </a:lnRef>
+              <a:fillRef idx="1">
+                <a:schemeClr val="accent1"/>
+              </a:fillRef>
+              <a:effectRef idx="0">
+                <a:schemeClr val="accent1"/>
+              </a:effectRef>
+              <a:fontRef idx="minor">
+                <a:schemeClr val="lt1"/>
+              </a:fontRef>
+            </p:style>
+            <p:txBody>
+              <a:bodyPr rtlCol="0" anchor="ctr"/>
+              <a:lstStyle/>
+              <a:p>
+                <a:pPr algn="ctr"/>
+                <a:endParaRPr lang="de-AT"/>
+              </a:p>
+            </p:txBody>
+          </p:sp>
           <p:grpSp>
             <p:nvGrpSpPr>
-              <p:cNvPr id="62" name="Gruppieren 61">
+              <p:cNvPr id="3" name="Gruppieren 2">
                 <a:extLst>
                   <a:ext uri="{FF2B5EF4-FFF2-40B4-BE49-F238E27FC236}">
-                    <a16:creationId xmlns:a16="http://schemas.microsoft.com/office/drawing/2014/main" id="{64E58631-60CE-4240-9AF0-3FC14C0D4246}"/>
+                    <a16:creationId xmlns:a16="http://schemas.microsoft.com/office/drawing/2014/main" id="{04CD9B67-BE33-4960-9D08-7DE5F712BE01}"/>
                   </a:ext>
                 </a:extLst>
               </p:cNvPr>
@@ -3405,825 +5143,51 @@
             </p:nvGrpSpPr>
             <p:grpSpPr>
               <a:xfrm>
-                <a:off x="1173644" y="1298706"/>
-                <a:ext cx="8872171" cy="4996075"/>
-                <a:chOff x="1173644" y="1298706"/>
-                <a:chExt cx="8872171" cy="4996075"/>
+                <a:off x="1623792" y="3692819"/>
+                <a:ext cx="7515966" cy="2008725"/>
+                <a:chOff x="1623792" y="3692819"/>
+                <a:chExt cx="7515966" cy="2008725"/>
               </a:xfrm>
             </p:grpSpPr>
-            <p:sp>
-              <p:nvSpPr>
-                <p:cNvPr id="8" name="Rechteck 7">
+            <p:cxnSp>
+              <p:nvCxnSpPr>
+                <p:cNvPr id="21" name="Gerader Verbinder 20">
                   <a:extLst>
                     <a:ext uri="{FF2B5EF4-FFF2-40B4-BE49-F238E27FC236}">
-                      <a16:creationId xmlns:a16="http://schemas.microsoft.com/office/drawing/2014/main" id="{F3D14AEB-6F4F-4420-866E-47E54433AE27}"/>
+                      <a16:creationId xmlns:a16="http://schemas.microsoft.com/office/drawing/2014/main" id="{5A2F6947-EFD3-4E78-ABD1-468CB4CD2F79}"/>
                     </a:ext>
                   </a:extLst>
                 </p:cNvPr>
-                <p:cNvSpPr/>
-                <p:nvPr/>
-              </p:nvSpPr>
-              <p:spPr>
-                <a:xfrm>
-                  <a:off x="2133600" y="1298707"/>
-                  <a:ext cx="6930888" cy="1152939"/>
-                </a:xfrm>
-                <a:prstGeom prst="rect">
-                  <a:avLst/>
-                </a:prstGeom>
-                <a:solidFill>
-                  <a:schemeClr val="tx2">
-                    <a:lumMod val="20000"/>
-                    <a:lumOff val="80000"/>
-                  </a:schemeClr>
-                </a:solidFill>
-              </p:spPr>
-              <p:style>
-                <a:lnRef idx="2">
-                  <a:schemeClr val="accent1">
-                    <a:shade val="50000"/>
-                  </a:schemeClr>
-                </a:lnRef>
-                <a:fillRef idx="1">
-                  <a:schemeClr val="accent1"/>
-                </a:fillRef>
-                <a:effectRef idx="0">
-                  <a:schemeClr val="accent1"/>
-                </a:effectRef>
-                <a:fontRef idx="minor">
-                  <a:schemeClr val="lt1"/>
-                </a:fontRef>
-              </p:style>
-              <p:txBody>
-                <a:bodyPr rtlCol="0" anchor="ctr"/>
-                <a:lstStyle/>
-                <a:p>
-                  <a:pPr algn="ctr"/>
-                  <a:endParaRPr lang="de-AT"/>
-                </a:p>
-              </p:txBody>
-            </p:sp>
-            <p:sp>
-              <p:nvSpPr>
-                <p:cNvPr id="9" name="Rechteck 8">
-                  <a:extLst>
-                    <a:ext uri="{FF2B5EF4-FFF2-40B4-BE49-F238E27FC236}">
-                      <a16:creationId xmlns:a16="http://schemas.microsoft.com/office/drawing/2014/main" id="{E28C2E6F-C8C5-4485-9E17-E292BC3062DF}"/>
-                    </a:ext>
-                  </a:extLst>
-                </p:cNvPr>
-                <p:cNvSpPr/>
-                <p:nvPr/>
-              </p:nvSpPr>
-              <p:spPr>
-                <a:xfrm>
-                  <a:off x="2792896" y="1298706"/>
-                  <a:ext cx="159026" cy="1152939"/>
-                </a:xfrm>
-                <a:prstGeom prst="rect">
-                  <a:avLst/>
-                </a:prstGeom>
-                <a:solidFill>
-                  <a:schemeClr val="accent2">
-                    <a:lumMod val="40000"/>
-                    <a:lumOff val="60000"/>
-                  </a:schemeClr>
-                </a:solidFill>
-              </p:spPr>
-              <p:style>
-                <a:lnRef idx="2">
-                  <a:schemeClr val="accent1">
-                    <a:shade val="50000"/>
-                  </a:schemeClr>
-                </a:lnRef>
-                <a:fillRef idx="1">
-                  <a:schemeClr val="accent1"/>
-                </a:fillRef>
-                <a:effectRef idx="0">
-                  <a:schemeClr val="accent1"/>
-                </a:effectRef>
-                <a:fontRef idx="minor">
-                  <a:schemeClr val="lt1"/>
-                </a:fontRef>
-              </p:style>
-              <p:txBody>
-                <a:bodyPr rtlCol="0" anchor="ctr"/>
-                <a:lstStyle/>
-                <a:p>
-                  <a:pPr algn="ctr"/>
-                  <a:endParaRPr lang="de-AT" dirty="0"/>
-                </a:p>
-              </p:txBody>
-            </p:sp>
-            <p:sp>
-              <p:nvSpPr>
-                <p:cNvPr id="10" name="Rechteck 9">
-                  <a:extLst>
-                    <a:ext uri="{FF2B5EF4-FFF2-40B4-BE49-F238E27FC236}">
-                      <a16:creationId xmlns:a16="http://schemas.microsoft.com/office/drawing/2014/main" id="{7EAA2CFB-F5DB-40DD-8536-8635403E3D7A}"/>
-                    </a:ext>
-                  </a:extLst>
-                </p:cNvPr>
-                <p:cNvSpPr/>
-                <p:nvPr/>
-              </p:nvSpPr>
-              <p:spPr>
-                <a:xfrm>
-                  <a:off x="3288195" y="1298707"/>
-                  <a:ext cx="159026" cy="1152939"/>
-                </a:xfrm>
-                <a:prstGeom prst="rect">
-                  <a:avLst/>
-                </a:prstGeom>
-                <a:solidFill>
-                  <a:schemeClr val="accent2">
-                    <a:lumMod val="40000"/>
-                    <a:lumOff val="60000"/>
-                  </a:schemeClr>
-                </a:solidFill>
-              </p:spPr>
-              <p:style>
-                <a:lnRef idx="2">
-                  <a:schemeClr val="accent1">
-                    <a:shade val="50000"/>
-                  </a:schemeClr>
-                </a:lnRef>
-                <a:fillRef idx="1">
-                  <a:schemeClr val="accent1"/>
-                </a:fillRef>
-                <a:effectRef idx="0">
-                  <a:schemeClr val="accent1"/>
-                </a:effectRef>
-                <a:fontRef idx="minor">
-                  <a:schemeClr val="lt1"/>
-                </a:fontRef>
-              </p:style>
-              <p:txBody>
-                <a:bodyPr rtlCol="0" anchor="ctr"/>
-                <a:lstStyle/>
-                <a:p>
-                  <a:pPr algn="ctr"/>
-                  <a:endParaRPr lang="de-AT"/>
-                </a:p>
-              </p:txBody>
-            </p:sp>
-            <p:sp>
-              <p:nvSpPr>
-                <p:cNvPr id="11" name="Rechteck 10">
-                  <a:extLst>
-                    <a:ext uri="{FF2B5EF4-FFF2-40B4-BE49-F238E27FC236}">
-                      <a16:creationId xmlns:a16="http://schemas.microsoft.com/office/drawing/2014/main" id="{C15BF588-7187-4977-A03A-79D2C72139EC}"/>
-                    </a:ext>
-                  </a:extLst>
-                </p:cNvPr>
-                <p:cNvSpPr/>
-                <p:nvPr/>
-              </p:nvSpPr>
-              <p:spPr>
-                <a:xfrm>
-                  <a:off x="3778526" y="1298706"/>
-                  <a:ext cx="157369" cy="1152939"/>
-                </a:xfrm>
-                <a:prstGeom prst="rect">
-                  <a:avLst/>
-                </a:prstGeom>
-                <a:solidFill>
-                  <a:schemeClr val="accent2">
-                    <a:lumMod val="40000"/>
-                    <a:lumOff val="60000"/>
-                  </a:schemeClr>
-                </a:solidFill>
-              </p:spPr>
-              <p:style>
-                <a:lnRef idx="2">
-                  <a:schemeClr val="accent1">
-                    <a:shade val="50000"/>
-                  </a:schemeClr>
-                </a:lnRef>
-                <a:fillRef idx="1">
-                  <a:schemeClr val="accent1"/>
-                </a:fillRef>
-                <a:effectRef idx="0">
-                  <a:schemeClr val="accent1"/>
-                </a:effectRef>
-                <a:fontRef idx="minor">
-                  <a:schemeClr val="lt1"/>
-                </a:fontRef>
-              </p:style>
-              <p:txBody>
-                <a:bodyPr rtlCol="0" anchor="ctr"/>
-                <a:lstStyle/>
-                <a:p>
-                  <a:pPr algn="ctr"/>
-                  <a:endParaRPr lang="de-AT"/>
-                </a:p>
-              </p:txBody>
-            </p:sp>
-            <p:sp>
-              <p:nvSpPr>
-                <p:cNvPr id="12" name="Rechteck 11">
-                  <a:extLst>
-                    <a:ext uri="{FF2B5EF4-FFF2-40B4-BE49-F238E27FC236}">
-                      <a16:creationId xmlns:a16="http://schemas.microsoft.com/office/drawing/2014/main" id="{890FBD87-EC4D-4EAF-8DC2-9F005D85BB2C}"/>
-                    </a:ext>
-                  </a:extLst>
-                </p:cNvPr>
-                <p:cNvSpPr/>
-                <p:nvPr/>
-              </p:nvSpPr>
-              <p:spPr>
-                <a:xfrm>
-                  <a:off x="4265547" y="1298706"/>
-                  <a:ext cx="157369" cy="1152939"/>
-                </a:xfrm>
-                <a:prstGeom prst="rect">
-                  <a:avLst/>
-                </a:prstGeom>
-                <a:solidFill>
-                  <a:schemeClr val="accent2">
-                    <a:lumMod val="40000"/>
-                    <a:lumOff val="60000"/>
-                  </a:schemeClr>
-                </a:solidFill>
-              </p:spPr>
-              <p:style>
-                <a:lnRef idx="2">
-                  <a:schemeClr val="accent1">
-                    <a:shade val="50000"/>
-                  </a:schemeClr>
-                </a:lnRef>
-                <a:fillRef idx="1">
-                  <a:schemeClr val="accent1"/>
-                </a:fillRef>
-                <a:effectRef idx="0">
-                  <a:schemeClr val="accent1"/>
-                </a:effectRef>
-                <a:fontRef idx="minor">
-                  <a:schemeClr val="lt1"/>
-                </a:fontRef>
-              </p:style>
-              <p:txBody>
-                <a:bodyPr rtlCol="0" anchor="ctr"/>
-                <a:lstStyle/>
-                <a:p>
-                  <a:pPr algn="ctr"/>
-                  <a:endParaRPr lang="de-AT"/>
-                </a:p>
-              </p:txBody>
-            </p:sp>
-            <p:sp>
-              <p:nvSpPr>
-                <p:cNvPr id="13" name="Rechteck 12">
-                  <a:extLst>
-                    <a:ext uri="{FF2B5EF4-FFF2-40B4-BE49-F238E27FC236}">
-                      <a16:creationId xmlns:a16="http://schemas.microsoft.com/office/drawing/2014/main" id="{97BDE671-34A4-49D2-AC7A-F9B800BD23B8}"/>
-                    </a:ext>
-                  </a:extLst>
-                </p:cNvPr>
-                <p:cNvSpPr/>
-                <p:nvPr/>
-              </p:nvSpPr>
-              <p:spPr>
-                <a:xfrm>
-                  <a:off x="4754217" y="1300363"/>
-                  <a:ext cx="159026" cy="1152939"/>
-                </a:xfrm>
-                <a:prstGeom prst="rect">
-                  <a:avLst/>
-                </a:prstGeom>
-                <a:solidFill>
-                  <a:schemeClr val="accent2">
-                    <a:lumMod val="40000"/>
-                    <a:lumOff val="60000"/>
-                  </a:schemeClr>
-                </a:solidFill>
-              </p:spPr>
-              <p:style>
-                <a:lnRef idx="2">
-                  <a:schemeClr val="accent1">
-                    <a:shade val="50000"/>
-                  </a:schemeClr>
-                </a:lnRef>
-                <a:fillRef idx="1">
-                  <a:schemeClr val="accent1"/>
-                </a:fillRef>
-                <a:effectRef idx="0">
-                  <a:schemeClr val="accent1"/>
-                </a:effectRef>
-                <a:fontRef idx="minor">
-                  <a:schemeClr val="lt1"/>
-                </a:fontRef>
-              </p:style>
-              <p:txBody>
-                <a:bodyPr rtlCol="0" anchor="ctr"/>
-                <a:lstStyle/>
-                <a:p>
-                  <a:pPr algn="ctr"/>
-                  <a:endParaRPr lang="de-AT"/>
-                </a:p>
-              </p:txBody>
-            </p:sp>
-            <p:sp>
-              <p:nvSpPr>
-                <p:cNvPr id="14" name="Rechteck 13">
-                  <a:extLst>
-                    <a:ext uri="{FF2B5EF4-FFF2-40B4-BE49-F238E27FC236}">
-                      <a16:creationId xmlns:a16="http://schemas.microsoft.com/office/drawing/2014/main" id="{B452134E-80EE-45BC-8442-84165564A3EB}"/>
-                    </a:ext>
-                  </a:extLst>
-                </p:cNvPr>
-                <p:cNvSpPr/>
-                <p:nvPr/>
-              </p:nvSpPr>
-              <p:spPr>
-                <a:xfrm>
-                  <a:off x="5242891" y="1298709"/>
-                  <a:ext cx="177246" cy="1152939"/>
-                </a:xfrm>
-                <a:prstGeom prst="rect">
-                  <a:avLst/>
-                </a:prstGeom>
-                <a:solidFill>
-                  <a:schemeClr val="accent2">
-                    <a:lumMod val="40000"/>
-                    <a:lumOff val="60000"/>
-                  </a:schemeClr>
-                </a:solidFill>
-              </p:spPr>
-              <p:style>
-                <a:lnRef idx="2">
-                  <a:schemeClr val="accent1">
-                    <a:shade val="50000"/>
-                  </a:schemeClr>
-                </a:lnRef>
-                <a:fillRef idx="1">
-                  <a:schemeClr val="accent1"/>
-                </a:fillRef>
-                <a:effectRef idx="0">
-                  <a:schemeClr val="accent1"/>
-                </a:effectRef>
-                <a:fontRef idx="minor">
-                  <a:schemeClr val="lt1"/>
-                </a:fontRef>
-              </p:style>
-              <p:txBody>
-                <a:bodyPr rtlCol="0" anchor="ctr"/>
-                <a:lstStyle/>
-                <a:p>
-                  <a:pPr algn="ctr"/>
-                  <a:endParaRPr lang="de-AT"/>
-                </a:p>
-              </p:txBody>
-            </p:sp>
-            <p:sp>
-              <p:nvSpPr>
-                <p:cNvPr id="15" name="Rechteck 14">
-                  <a:extLst>
-                    <a:ext uri="{FF2B5EF4-FFF2-40B4-BE49-F238E27FC236}">
-                      <a16:creationId xmlns:a16="http://schemas.microsoft.com/office/drawing/2014/main" id="{ADBAF216-6F35-4495-B677-74F21FB7C5F1}"/>
-                    </a:ext>
-                  </a:extLst>
-                </p:cNvPr>
-                <p:cNvSpPr/>
-                <p:nvPr/>
-              </p:nvSpPr>
-              <p:spPr>
-                <a:xfrm>
-                  <a:off x="5738192" y="1298709"/>
-                  <a:ext cx="155712" cy="1152939"/>
-                </a:xfrm>
-                <a:prstGeom prst="rect">
-                  <a:avLst/>
-                </a:prstGeom>
-                <a:solidFill>
-                  <a:schemeClr val="accent2">
-                    <a:lumMod val="40000"/>
-                    <a:lumOff val="60000"/>
-                  </a:schemeClr>
-                </a:solidFill>
-              </p:spPr>
-              <p:style>
-                <a:lnRef idx="2">
-                  <a:schemeClr val="accent1">
-                    <a:shade val="50000"/>
-                  </a:schemeClr>
-                </a:lnRef>
-                <a:fillRef idx="1">
-                  <a:schemeClr val="accent1"/>
-                </a:fillRef>
-                <a:effectRef idx="0">
-                  <a:schemeClr val="accent1"/>
-                </a:effectRef>
-                <a:fontRef idx="minor">
-                  <a:schemeClr val="lt1"/>
-                </a:fontRef>
-              </p:style>
-              <p:txBody>
-                <a:bodyPr rtlCol="0" anchor="ctr"/>
-                <a:lstStyle/>
-                <a:p>
-                  <a:pPr algn="ctr"/>
-                  <a:endParaRPr lang="de-AT"/>
-                </a:p>
-              </p:txBody>
-            </p:sp>
-            <p:sp>
-              <p:nvSpPr>
-                <p:cNvPr id="16" name="Rechteck 15">
-                  <a:extLst>
-                    <a:ext uri="{FF2B5EF4-FFF2-40B4-BE49-F238E27FC236}">
-                      <a16:creationId xmlns:a16="http://schemas.microsoft.com/office/drawing/2014/main" id="{535AC561-7FE9-4E60-9ACC-012364374348}"/>
-                    </a:ext>
-                  </a:extLst>
-                </p:cNvPr>
-                <p:cNvSpPr/>
-                <p:nvPr/>
-              </p:nvSpPr>
-              <p:spPr>
-                <a:xfrm>
-                  <a:off x="6231837" y="1298709"/>
-                  <a:ext cx="159025" cy="1152939"/>
-                </a:xfrm>
-                <a:prstGeom prst="rect">
-                  <a:avLst/>
-                </a:prstGeom>
-                <a:solidFill>
-                  <a:schemeClr val="accent2">
-                    <a:lumMod val="40000"/>
-                    <a:lumOff val="60000"/>
-                  </a:schemeClr>
-                </a:solidFill>
-              </p:spPr>
-              <p:style>
-                <a:lnRef idx="2">
-                  <a:schemeClr val="accent1">
-                    <a:shade val="50000"/>
-                  </a:schemeClr>
-                </a:lnRef>
-                <a:fillRef idx="1">
-                  <a:schemeClr val="accent1"/>
-                </a:fillRef>
-                <a:effectRef idx="0">
-                  <a:schemeClr val="accent1"/>
-                </a:effectRef>
-                <a:fontRef idx="minor">
-                  <a:schemeClr val="lt1"/>
-                </a:fontRef>
-              </p:style>
-              <p:txBody>
-                <a:bodyPr rtlCol="0" anchor="ctr"/>
-                <a:lstStyle/>
-                <a:p>
-                  <a:pPr algn="ctr"/>
-                  <a:endParaRPr lang="de-AT"/>
-                </a:p>
-              </p:txBody>
-            </p:sp>
-            <p:sp>
-              <p:nvSpPr>
-                <p:cNvPr id="17" name="Rechteck 16">
-                  <a:extLst>
-                    <a:ext uri="{FF2B5EF4-FFF2-40B4-BE49-F238E27FC236}">
-                      <a16:creationId xmlns:a16="http://schemas.microsoft.com/office/drawing/2014/main" id="{A8B3E1F1-C648-4BF5-B37C-4ED60E9D6623}"/>
-                    </a:ext>
-                  </a:extLst>
-                </p:cNvPr>
-                <p:cNvSpPr/>
-                <p:nvPr/>
-              </p:nvSpPr>
-              <p:spPr>
-                <a:xfrm>
-                  <a:off x="6725481" y="1298709"/>
-                  <a:ext cx="159026" cy="1152939"/>
-                </a:xfrm>
-                <a:prstGeom prst="rect">
-                  <a:avLst/>
-                </a:prstGeom>
-                <a:solidFill>
-                  <a:schemeClr val="accent2">
-                    <a:lumMod val="40000"/>
-                    <a:lumOff val="60000"/>
-                  </a:schemeClr>
-                </a:solidFill>
-              </p:spPr>
-              <p:style>
-                <a:lnRef idx="2">
-                  <a:schemeClr val="accent1">
-                    <a:shade val="50000"/>
-                  </a:schemeClr>
-                </a:lnRef>
-                <a:fillRef idx="1">
-                  <a:schemeClr val="accent1"/>
-                </a:fillRef>
-                <a:effectRef idx="0">
-                  <a:schemeClr val="accent1"/>
-                </a:effectRef>
-                <a:fontRef idx="minor">
-                  <a:schemeClr val="lt1"/>
-                </a:fontRef>
-              </p:style>
-              <p:txBody>
-                <a:bodyPr rtlCol="0" anchor="ctr"/>
-                <a:lstStyle/>
-                <a:p>
-                  <a:pPr algn="ctr"/>
-                  <a:endParaRPr lang="de-AT"/>
-                </a:p>
-              </p:txBody>
-            </p:sp>
-            <p:sp>
-              <p:nvSpPr>
-                <p:cNvPr id="18" name="Rechteck 17">
-                  <a:extLst>
-                    <a:ext uri="{FF2B5EF4-FFF2-40B4-BE49-F238E27FC236}">
-                      <a16:creationId xmlns:a16="http://schemas.microsoft.com/office/drawing/2014/main" id="{35F59CC5-5668-4A07-A341-74877C906D4E}"/>
-                    </a:ext>
-                  </a:extLst>
-                </p:cNvPr>
-                <p:cNvSpPr/>
-                <p:nvPr/>
-              </p:nvSpPr>
-              <p:spPr>
-                <a:xfrm>
-                  <a:off x="7215808" y="1298709"/>
-                  <a:ext cx="163998" cy="1152939"/>
-                </a:xfrm>
-                <a:prstGeom prst="rect">
-                  <a:avLst/>
-                </a:prstGeom>
-                <a:solidFill>
-                  <a:schemeClr val="accent2">
-                    <a:lumMod val="40000"/>
-                    <a:lumOff val="60000"/>
-                  </a:schemeClr>
-                </a:solidFill>
-              </p:spPr>
-              <p:style>
-                <a:lnRef idx="2">
-                  <a:schemeClr val="accent1">
-                    <a:shade val="50000"/>
-                  </a:schemeClr>
-                </a:lnRef>
-                <a:fillRef idx="1">
-                  <a:schemeClr val="accent1"/>
-                </a:fillRef>
-                <a:effectRef idx="0">
-                  <a:schemeClr val="accent1"/>
-                </a:effectRef>
-                <a:fontRef idx="minor">
-                  <a:schemeClr val="lt1"/>
-                </a:fontRef>
-              </p:style>
-              <p:txBody>
-                <a:bodyPr rtlCol="0" anchor="ctr"/>
-                <a:lstStyle/>
-                <a:p>
-                  <a:pPr algn="ctr"/>
-                  <a:endParaRPr lang="de-AT"/>
-                </a:p>
-              </p:txBody>
-            </p:sp>
-            <p:sp>
-              <p:nvSpPr>
-                <p:cNvPr id="19" name="Rechteck 18">
-                  <a:extLst>
-                    <a:ext uri="{FF2B5EF4-FFF2-40B4-BE49-F238E27FC236}">
-                      <a16:creationId xmlns:a16="http://schemas.microsoft.com/office/drawing/2014/main" id="{DC77FF08-E8E5-4E17-9F52-6DA37362105E}"/>
-                    </a:ext>
-                  </a:extLst>
-                </p:cNvPr>
-                <p:cNvSpPr/>
-                <p:nvPr/>
-              </p:nvSpPr>
-              <p:spPr>
-                <a:xfrm>
-                  <a:off x="7726019" y="1298709"/>
-                  <a:ext cx="149086" cy="1152939"/>
-                </a:xfrm>
-                <a:prstGeom prst="rect">
-                  <a:avLst/>
-                </a:prstGeom>
-                <a:solidFill>
-                  <a:schemeClr val="accent2">
-                    <a:lumMod val="40000"/>
-                    <a:lumOff val="60000"/>
-                  </a:schemeClr>
-                </a:solidFill>
-              </p:spPr>
-              <p:style>
-                <a:lnRef idx="2">
-                  <a:schemeClr val="accent1">
-                    <a:shade val="50000"/>
-                  </a:schemeClr>
-                </a:lnRef>
-                <a:fillRef idx="1">
-                  <a:schemeClr val="accent1"/>
-                </a:fillRef>
-                <a:effectRef idx="0">
-                  <a:schemeClr val="accent1"/>
-                </a:effectRef>
-                <a:fontRef idx="minor">
-                  <a:schemeClr val="lt1"/>
-                </a:fontRef>
-              </p:style>
-              <p:txBody>
-                <a:bodyPr rtlCol="0" anchor="ctr"/>
-                <a:lstStyle/>
-                <a:p>
-                  <a:pPr algn="ctr"/>
-                  <a:endParaRPr lang="de-AT"/>
-                </a:p>
-              </p:txBody>
-            </p:sp>
-            <p:sp>
-              <p:nvSpPr>
-                <p:cNvPr id="20" name="Rechteck 19">
-                  <a:extLst>
-                    <a:ext uri="{FF2B5EF4-FFF2-40B4-BE49-F238E27FC236}">
-                      <a16:creationId xmlns:a16="http://schemas.microsoft.com/office/drawing/2014/main" id="{FCA8DBF5-7ED1-40CD-97FD-BAB2E222E853}"/>
-                    </a:ext>
-                  </a:extLst>
-                </p:cNvPr>
-                <p:cNvSpPr/>
-                <p:nvPr/>
-              </p:nvSpPr>
-              <p:spPr>
-                <a:xfrm>
-                  <a:off x="8204755" y="1298708"/>
-                  <a:ext cx="159025" cy="1152939"/>
-                </a:xfrm>
-                <a:prstGeom prst="rect">
-                  <a:avLst/>
-                </a:prstGeom>
-                <a:solidFill>
-                  <a:schemeClr val="accent2">
-                    <a:lumMod val="40000"/>
-                    <a:lumOff val="60000"/>
-                  </a:schemeClr>
-                </a:solidFill>
-              </p:spPr>
-              <p:style>
-                <a:lnRef idx="2">
-                  <a:schemeClr val="accent1">
-                    <a:shade val="50000"/>
-                  </a:schemeClr>
-                </a:lnRef>
-                <a:fillRef idx="1">
-                  <a:schemeClr val="accent1"/>
-                </a:fillRef>
-                <a:effectRef idx="0">
-                  <a:schemeClr val="accent1"/>
-                </a:effectRef>
-                <a:fontRef idx="minor">
-                  <a:schemeClr val="lt1"/>
-                </a:fontRef>
-              </p:style>
-              <p:txBody>
-                <a:bodyPr rtlCol="0" anchor="ctr"/>
-                <a:lstStyle/>
-                <a:p>
-                  <a:pPr algn="ctr"/>
-                  <a:endParaRPr lang="de-AT"/>
-                </a:p>
-              </p:txBody>
-            </p:sp>
-            <p:sp>
-              <p:nvSpPr>
-                <p:cNvPr id="24" name="Ellipse 23">
-                  <a:extLst>
-                    <a:ext uri="{FF2B5EF4-FFF2-40B4-BE49-F238E27FC236}">
-                      <a16:creationId xmlns:a16="http://schemas.microsoft.com/office/drawing/2014/main" id="{C8C13AF1-6EE5-4C7C-B3B9-70C65E6D0A05}"/>
-                    </a:ext>
-                  </a:extLst>
-                </p:cNvPr>
-                <p:cNvSpPr/>
-                <p:nvPr/>
-              </p:nvSpPr>
-              <p:spPr>
-                <a:xfrm>
-                  <a:off x="2133600" y="4108173"/>
-                  <a:ext cx="1338469" cy="1219200"/>
-                </a:xfrm>
-                <a:prstGeom prst="ellipse">
-                  <a:avLst/>
-                </a:prstGeom>
-                <a:solidFill>
-                  <a:schemeClr val="tx2">
-                    <a:lumMod val="20000"/>
-                    <a:lumOff val="80000"/>
-                  </a:schemeClr>
-                </a:solidFill>
-              </p:spPr>
-              <p:style>
-                <a:lnRef idx="2">
-                  <a:schemeClr val="accent1">
-                    <a:shade val="50000"/>
-                  </a:schemeClr>
-                </a:lnRef>
-                <a:fillRef idx="1">
-                  <a:schemeClr val="accent1"/>
-                </a:fillRef>
-                <a:effectRef idx="0">
-                  <a:schemeClr val="accent1"/>
-                </a:effectRef>
-                <a:fontRef idx="minor">
-                  <a:schemeClr val="lt1"/>
-                </a:fontRef>
-              </p:style>
-              <p:txBody>
-                <a:bodyPr rtlCol="0" anchor="ctr"/>
-                <a:lstStyle/>
-                <a:p>
-                  <a:pPr algn="ctr"/>
-                  <a:endParaRPr lang="de-AT"/>
-                </a:p>
-              </p:txBody>
-            </p:sp>
-            <p:sp>
-              <p:nvSpPr>
-                <p:cNvPr id="25" name="Ellipse 24">
-                  <a:extLst>
-                    <a:ext uri="{FF2B5EF4-FFF2-40B4-BE49-F238E27FC236}">
-                      <a16:creationId xmlns:a16="http://schemas.microsoft.com/office/drawing/2014/main" id="{B54D939B-0750-41B4-8D1A-9109048BAAD6}"/>
-                    </a:ext>
-                  </a:extLst>
-                </p:cNvPr>
-                <p:cNvSpPr/>
-                <p:nvPr/>
-              </p:nvSpPr>
-              <p:spPr>
-                <a:xfrm>
-                  <a:off x="7726018" y="4108173"/>
-                  <a:ext cx="1338469" cy="1219200"/>
-                </a:xfrm>
-                <a:prstGeom prst="ellipse">
-                  <a:avLst/>
-                </a:prstGeom>
-                <a:solidFill>
-                  <a:schemeClr val="tx2">
-                    <a:lumMod val="20000"/>
-                    <a:lumOff val="80000"/>
-                  </a:schemeClr>
-                </a:solidFill>
-              </p:spPr>
-              <p:style>
-                <a:lnRef idx="2">
-                  <a:schemeClr val="accent1">
-                    <a:shade val="50000"/>
-                  </a:schemeClr>
-                </a:lnRef>
-                <a:fillRef idx="1">
-                  <a:schemeClr val="accent1"/>
-                </a:fillRef>
-                <a:effectRef idx="0">
-                  <a:schemeClr val="accent1"/>
-                </a:effectRef>
-                <a:fontRef idx="minor">
-                  <a:schemeClr val="lt1"/>
-                </a:fontRef>
-              </p:style>
-              <p:txBody>
-                <a:bodyPr rtlCol="0" anchor="ctr"/>
-                <a:lstStyle/>
-                <a:p>
-                  <a:pPr algn="ctr"/>
-                  <a:endParaRPr lang="de-AT"/>
-                </a:p>
-              </p:txBody>
-            </p:sp>
-            <p:cxnSp>
-              <p:nvCxnSpPr>
-                <p:cNvPr id="27" name="Gerader Verbinder 26">
-                  <a:extLst>
-                    <a:ext uri="{FF2B5EF4-FFF2-40B4-BE49-F238E27FC236}">
-                      <a16:creationId xmlns:a16="http://schemas.microsoft.com/office/drawing/2014/main" id="{BE1154D4-30F6-413E-BC9C-AB21CF35CBFD}"/>
-                    </a:ext>
-                  </a:extLst>
-                </p:cNvPr>
-                <p:cNvCxnSpPr>
-                  <a:stCxn id="24" idx="0"/>
-                  <a:endCxn id="25" idx="0"/>
-                </p:cNvCxnSpPr>
+                <p:cNvCxnSpPr/>
                 <p:nvPr/>
               </p:nvCxnSpPr>
               <p:spPr>
                 <a:xfrm>
-                  <a:off x="2802835" y="4108173"/>
-                  <a:ext cx="5592418" cy="0"/>
+                  <a:off x="8361697" y="3830541"/>
+                  <a:ext cx="0" cy="1871003"/>
                 </a:xfrm>
                 <a:prstGeom prst="line">
                   <a:avLst/>
                 </a:prstGeom>
+                <a:ln w="9525" cap="flat" cmpd="sng" algn="ctr">
+                  <a:solidFill>
+                    <a:schemeClr val="accent1"/>
+                  </a:solidFill>
+                  <a:prstDash val="dash"/>
+                  <a:round/>
+                  <a:headEnd type="none" w="med" len="med"/>
+                  <a:tailEnd type="none" w="med" len="med"/>
+                </a:ln>
               </p:spPr>
               <p:style>
-                <a:lnRef idx="1">
-                  <a:schemeClr val="accent1"/>
+                <a:lnRef idx="0">
+                  <a:scrgbClr r="0" g="0" b="0"/>
                 </a:lnRef>
                 <a:fillRef idx="0">
-                  <a:schemeClr val="accent1"/>
+                  <a:scrgbClr r="0" g="0" b="0"/>
                 </a:fillRef>
                 <a:effectRef idx="0">
-                  <a:schemeClr val="accent1"/>
+                  <a:scrgbClr r="0" g="0" b="0"/>
                 </a:effectRef>
                 <a:fontRef idx="minor">
                   <a:schemeClr val="tx1"/>
@@ -4232,1708 +5196,943 @@
             </p:cxnSp>
             <p:cxnSp>
               <p:nvCxnSpPr>
-                <p:cNvPr id="29" name="Gerader Verbinder 28">
+                <p:cNvPr id="64" name="Gerader Verbinder 63">
                   <a:extLst>
                     <a:ext uri="{FF2B5EF4-FFF2-40B4-BE49-F238E27FC236}">
-                      <a16:creationId xmlns:a16="http://schemas.microsoft.com/office/drawing/2014/main" id="{99833816-AEA3-4C09-882A-6621F30D7DBE}"/>
+                      <a16:creationId xmlns:a16="http://schemas.microsoft.com/office/drawing/2014/main" id="{A7033AB0-7DD5-4CAD-A5CC-4A014B604808}"/>
                     </a:ext>
                   </a:extLst>
                 </p:cNvPr>
-                <p:cNvCxnSpPr>
-                  <a:stCxn id="24" idx="4"/>
-                  <a:endCxn id="25" idx="4"/>
-                </p:cNvCxnSpPr>
+                <p:cNvCxnSpPr/>
                 <p:nvPr/>
               </p:nvCxnSpPr>
               <p:spPr>
                 <a:xfrm>
-                  <a:off x="2802835" y="5327373"/>
-                  <a:ext cx="5592418" cy="0"/>
+                  <a:off x="2759340" y="3692819"/>
+                  <a:ext cx="0" cy="1871003"/>
                 </a:xfrm>
                 <a:prstGeom prst="line">
                   <a:avLst/>
                 </a:prstGeom>
+                <a:ln w="9525" cap="flat" cmpd="sng" algn="ctr">
+                  <a:solidFill>
+                    <a:schemeClr val="accent1"/>
+                  </a:solidFill>
+                  <a:prstDash val="dash"/>
+                  <a:round/>
+                  <a:headEnd type="none" w="med" len="med"/>
+                  <a:tailEnd type="none" w="med" len="med"/>
+                </a:ln>
               </p:spPr>
               <p:style>
-                <a:lnRef idx="1">
-                  <a:schemeClr val="accent1"/>
+                <a:lnRef idx="0">
+                  <a:scrgbClr r="0" g="0" b="0"/>
                 </a:lnRef>
                 <a:fillRef idx="0">
-                  <a:schemeClr val="accent1"/>
+                  <a:scrgbClr r="0" g="0" b="0"/>
                 </a:fillRef>
                 <a:effectRef idx="0">
-                  <a:schemeClr val="accent1"/>
+                  <a:scrgbClr r="0" g="0" b="0"/>
                 </a:effectRef>
                 <a:fontRef idx="minor">
                   <a:schemeClr val="tx1"/>
                 </a:fontRef>
               </p:style>
             </p:cxnSp>
-            <p:sp>
-              <p:nvSpPr>
-                <p:cNvPr id="30" name="Rechteck 29">
+            <p:cxnSp>
+              <p:nvCxnSpPr>
+                <p:cNvPr id="66" name="Gerader Verbinder 65">
                   <a:extLst>
                     <a:ext uri="{FF2B5EF4-FFF2-40B4-BE49-F238E27FC236}">
-                      <a16:creationId xmlns:a16="http://schemas.microsoft.com/office/drawing/2014/main" id="{6103C311-2E55-4C9D-BA2F-D43A3C1133E2}"/>
+                      <a16:creationId xmlns:a16="http://schemas.microsoft.com/office/drawing/2014/main" id="{34D84602-F48D-4816-8EC4-6C4A853FA1CD}"/>
                     </a:ext>
                   </a:extLst>
                 </p:cNvPr>
-                <p:cNvSpPr/>
+                <p:cNvCxnSpPr/>
                 <p:nvPr/>
-              </p:nvSpPr>
+              </p:nvCxnSpPr>
               <p:spPr>
                 <a:xfrm>
-                  <a:off x="2792896" y="3140765"/>
-                  <a:ext cx="159026" cy="967408"/>
+                  <a:off x="7457904" y="4712929"/>
+                  <a:ext cx="1681854" cy="0"/>
                 </a:xfrm>
-                <a:prstGeom prst="rect">
+                <a:prstGeom prst="line">
                   <a:avLst/>
                 </a:prstGeom>
-                <a:solidFill>
-                  <a:schemeClr val="accent2">
-                    <a:lumMod val="40000"/>
-                    <a:lumOff val="60000"/>
-                  </a:schemeClr>
-                </a:solidFill>
+                <a:ln w="9525" cap="flat" cmpd="sng" algn="ctr">
+                  <a:solidFill>
+                    <a:schemeClr val="accent1"/>
+                  </a:solidFill>
+                  <a:prstDash val="dash"/>
+                  <a:round/>
+                  <a:headEnd type="none" w="med" len="med"/>
+                  <a:tailEnd type="none" w="med" len="med"/>
+                </a:ln>
               </p:spPr>
               <p:style>
-                <a:lnRef idx="2">
-                  <a:schemeClr val="accent1">
-                    <a:shade val="50000"/>
-                  </a:schemeClr>
+                <a:lnRef idx="0">
+                  <a:scrgbClr r="0" g="0" b="0"/>
                 </a:lnRef>
-                <a:fillRef idx="1">
-                  <a:schemeClr val="accent1"/>
+                <a:fillRef idx="0">
+                  <a:scrgbClr r="0" g="0" b="0"/>
                 </a:fillRef>
                 <a:effectRef idx="0">
-                  <a:schemeClr val="accent1"/>
+                  <a:scrgbClr r="0" g="0" b="0"/>
                 </a:effectRef>
                 <a:fontRef idx="minor">
-                  <a:schemeClr val="lt1"/>
+                  <a:schemeClr val="tx1"/>
                 </a:fontRef>
               </p:style>
-              <p:txBody>
-                <a:bodyPr rtlCol="0" anchor="ctr"/>
-                <a:lstStyle/>
-                <a:p>
-                  <a:pPr algn="ctr"/>
-                  <a:endParaRPr lang="de-AT"/>
-                </a:p>
-              </p:txBody>
-            </p:sp>
-            <p:sp>
-              <p:nvSpPr>
-                <p:cNvPr id="31" name="Rechteck 30">
+            </p:cxnSp>
+            <p:cxnSp>
+              <p:nvCxnSpPr>
+                <p:cNvPr id="68" name="Gerader Verbinder 67">
                   <a:extLst>
                     <a:ext uri="{FF2B5EF4-FFF2-40B4-BE49-F238E27FC236}">
-                      <a16:creationId xmlns:a16="http://schemas.microsoft.com/office/drawing/2014/main" id="{7C0D152E-3922-4DA4-B8E3-F599AF4AAB33}"/>
+                      <a16:creationId xmlns:a16="http://schemas.microsoft.com/office/drawing/2014/main" id="{74CB4947-C39D-4998-872A-062410155D8B}"/>
                     </a:ext>
                   </a:extLst>
                 </p:cNvPr>
-                <p:cNvSpPr/>
+                <p:cNvCxnSpPr>
+                  <a:cxnSpLocks/>
+                </p:cNvCxnSpPr>
                 <p:nvPr/>
-              </p:nvSpPr>
+              </p:nvCxnSpPr>
               <p:spPr>
-                <a:xfrm>
-                  <a:off x="3288195" y="3140765"/>
-                  <a:ext cx="159026" cy="967408"/>
+                <a:xfrm flipH="1">
+                  <a:off x="1623792" y="4698661"/>
+                  <a:ext cx="2119521" cy="0"/>
                 </a:xfrm>
-                <a:prstGeom prst="rect">
+                <a:prstGeom prst="line">
                   <a:avLst/>
                 </a:prstGeom>
-                <a:solidFill>
-                  <a:schemeClr val="accent2">
-                    <a:lumMod val="40000"/>
-                    <a:lumOff val="60000"/>
-                  </a:schemeClr>
-                </a:solidFill>
+                <a:ln w="9525" cap="flat" cmpd="sng" algn="ctr">
+                  <a:solidFill>
+                    <a:schemeClr val="accent1"/>
+                  </a:solidFill>
+                  <a:prstDash val="dash"/>
+                  <a:round/>
+                  <a:headEnd type="none" w="med" len="med"/>
+                  <a:tailEnd type="none" w="med" len="med"/>
+                </a:ln>
               </p:spPr>
               <p:style>
-                <a:lnRef idx="2">
-                  <a:schemeClr val="accent1">
-                    <a:shade val="50000"/>
-                  </a:schemeClr>
+                <a:lnRef idx="0">
+                  <a:scrgbClr r="0" g="0" b="0"/>
                 </a:lnRef>
-                <a:fillRef idx="1">
-                  <a:schemeClr val="accent1"/>
+                <a:fillRef idx="0">
+                  <a:scrgbClr r="0" g="0" b="0"/>
                 </a:fillRef>
                 <a:effectRef idx="0">
-                  <a:schemeClr val="accent1"/>
+                  <a:scrgbClr r="0" g="0" b="0"/>
                 </a:effectRef>
                 <a:fontRef idx="minor">
-                  <a:schemeClr val="lt1"/>
+                  <a:schemeClr val="tx1"/>
                 </a:fontRef>
               </p:style>
-              <p:txBody>
-                <a:bodyPr rtlCol="0" anchor="ctr"/>
-                <a:lstStyle/>
-                <a:p>
-                  <a:pPr algn="ctr"/>
-                  <a:endParaRPr lang="de-AT"/>
-                </a:p>
-              </p:txBody>
-            </p:sp>
-            <p:sp>
-              <p:nvSpPr>
-                <p:cNvPr id="32" name="Rechteck 31">
-                  <a:extLst>
-                    <a:ext uri="{FF2B5EF4-FFF2-40B4-BE49-F238E27FC236}">
-                      <a16:creationId xmlns:a16="http://schemas.microsoft.com/office/drawing/2014/main" id="{D873CDB0-E5E3-465F-982D-ED9713D1B92A}"/>
-                    </a:ext>
-                  </a:extLst>
-                </p:cNvPr>
-                <p:cNvSpPr/>
-                <p:nvPr/>
-              </p:nvSpPr>
-              <p:spPr>
-                <a:xfrm>
-                  <a:off x="3776869" y="3140765"/>
-                  <a:ext cx="159026" cy="967408"/>
-                </a:xfrm>
-                <a:prstGeom prst="rect">
-                  <a:avLst/>
-                </a:prstGeom>
-                <a:solidFill>
-                  <a:schemeClr val="accent2">
-                    <a:lumMod val="40000"/>
-                    <a:lumOff val="60000"/>
-                  </a:schemeClr>
-                </a:solidFill>
-              </p:spPr>
-              <p:style>
-                <a:lnRef idx="2">
-                  <a:schemeClr val="accent1">
-                    <a:shade val="50000"/>
-                  </a:schemeClr>
-                </a:lnRef>
-                <a:fillRef idx="1">
-                  <a:schemeClr val="accent1"/>
-                </a:fillRef>
-                <a:effectRef idx="0">
-                  <a:schemeClr val="accent1"/>
-                </a:effectRef>
-                <a:fontRef idx="minor">
-                  <a:schemeClr val="lt1"/>
-                </a:fontRef>
-              </p:style>
-              <p:txBody>
-                <a:bodyPr rtlCol="0" anchor="ctr"/>
-                <a:lstStyle/>
-                <a:p>
-                  <a:pPr algn="ctr"/>
-                  <a:endParaRPr lang="de-AT"/>
-                </a:p>
-              </p:txBody>
-            </p:sp>
-            <p:sp>
-              <p:nvSpPr>
-                <p:cNvPr id="33" name="Rechteck 32">
-                  <a:extLst>
-                    <a:ext uri="{FF2B5EF4-FFF2-40B4-BE49-F238E27FC236}">
-                      <a16:creationId xmlns:a16="http://schemas.microsoft.com/office/drawing/2014/main" id="{BE9B7584-B5F3-4F52-8A52-571935605912}"/>
-                    </a:ext>
-                  </a:extLst>
-                </p:cNvPr>
-                <p:cNvSpPr/>
-                <p:nvPr/>
-              </p:nvSpPr>
-              <p:spPr>
-                <a:xfrm>
-                  <a:off x="4265543" y="3140765"/>
-                  <a:ext cx="159026" cy="967408"/>
-                </a:xfrm>
-                <a:prstGeom prst="rect">
-                  <a:avLst/>
-                </a:prstGeom>
-                <a:solidFill>
-                  <a:schemeClr val="accent2">
-                    <a:lumMod val="40000"/>
-                    <a:lumOff val="60000"/>
-                  </a:schemeClr>
-                </a:solidFill>
-              </p:spPr>
-              <p:style>
-                <a:lnRef idx="2">
-                  <a:schemeClr val="accent1">
-                    <a:shade val="50000"/>
-                  </a:schemeClr>
-                </a:lnRef>
-                <a:fillRef idx="1">
-                  <a:schemeClr val="accent1"/>
-                </a:fillRef>
-                <a:effectRef idx="0">
-                  <a:schemeClr val="accent1"/>
-                </a:effectRef>
-                <a:fontRef idx="minor">
-                  <a:schemeClr val="lt1"/>
-                </a:fontRef>
-              </p:style>
-              <p:txBody>
-                <a:bodyPr rtlCol="0" anchor="ctr"/>
-                <a:lstStyle/>
-                <a:p>
-                  <a:pPr algn="ctr"/>
-                  <a:endParaRPr lang="de-AT"/>
-                </a:p>
-              </p:txBody>
-            </p:sp>
-            <p:sp>
-              <p:nvSpPr>
-                <p:cNvPr id="34" name="Rechteck 33">
-                  <a:extLst>
-                    <a:ext uri="{FF2B5EF4-FFF2-40B4-BE49-F238E27FC236}">
-                      <a16:creationId xmlns:a16="http://schemas.microsoft.com/office/drawing/2014/main" id="{6F1BE7C1-D9C9-4D46-AF3C-AD3419E12116}"/>
-                    </a:ext>
-                  </a:extLst>
-                </p:cNvPr>
-                <p:cNvSpPr/>
-                <p:nvPr/>
-              </p:nvSpPr>
-              <p:spPr>
-                <a:xfrm>
-                  <a:off x="4754217" y="3140765"/>
-                  <a:ext cx="159026" cy="967408"/>
-                </a:xfrm>
-                <a:prstGeom prst="rect">
-                  <a:avLst/>
-                </a:prstGeom>
-                <a:solidFill>
-                  <a:schemeClr val="accent2">
-                    <a:lumMod val="40000"/>
-                    <a:lumOff val="60000"/>
-                  </a:schemeClr>
-                </a:solidFill>
-              </p:spPr>
-              <p:style>
-                <a:lnRef idx="2">
-                  <a:schemeClr val="accent1">
-                    <a:shade val="50000"/>
-                  </a:schemeClr>
-                </a:lnRef>
-                <a:fillRef idx="1">
-                  <a:schemeClr val="accent1"/>
-                </a:fillRef>
-                <a:effectRef idx="0">
-                  <a:schemeClr val="accent1"/>
-                </a:effectRef>
-                <a:fontRef idx="minor">
-                  <a:schemeClr val="lt1"/>
-                </a:fontRef>
-              </p:style>
-              <p:txBody>
-                <a:bodyPr rtlCol="0" anchor="ctr"/>
-                <a:lstStyle/>
-                <a:p>
-                  <a:pPr algn="ctr"/>
-                  <a:endParaRPr lang="de-AT" dirty="0"/>
-                </a:p>
-              </p:txBody>
-            </p:sp>
-            <p:sp>
-              <p:nvSpPr>
-                <p:cNvPr id="35" name="Rechteck 34">
-                  <a:extLst>
-                    <a:ext uri="{FF2B5EF4-FFF2-40B4-BE49-F238E27FC236}">
-                      <a16:creationId xmlns:a16="http://schemas.microsoft.com/office/drawing/2014/main" id="{6FDA9C08-2EFA-4633-AB9E-D7CDBE436277}"/>
-                    </a:ext>
-                  </a:extLst>
-                </p:cNvPr>
-                <p:cNvSpPr/>
-                <p:nvPr/>
-              </p:nvSpPr>
-              <p:spPr>
-                <a:xfrm>
-                  <a:off x="5244548" y="3140765"/>
-                  <a:ext cx="159026" cy="967408"/>
-                </a:xfrm>
-                <a:prstGeom prst="rect">
-                  <a:avLst/>
-                </a:prstGeom>
-                <a:solidFill>
-                  <a:schemeClr val="accent2">
-                    <a:lumMod val="40000"/>
-                    <a:lumOff val="60000"/>
-                  </a:schemeClr>
-                </a:solidFill>
-              </p:spPr>
-              <p:style>
-                <a:lnRef idx="2">
-                  <a:schemeClr val="accent1">
-                    <a:shade val="50000"/>
-                  </a:schemeClr>
-                </a:lnRef>
-                <a:fillRef idx="1">
-                  <a:schemeClr val="accent1"/>
-                </a:fillRef>
-                <a:effectRef idx="0">
-                  <a:schemeClr val="accent1"/>
-                </a:effectRef>
-                <a:fontRef idx="minor">
-                  <a:schemeClr val="lt1"/>
-                </a:fontRef>
-              </p:style>
-              <p:txBody>
-                <a:bodyPr rtlCol="0" anchor="ctr"/>
-                <a:lstStyle/>
-                <a:p>
-                  <a:pPr algn="ctr"/>
-                  <a:endParaRPr lang="de-AT"/>
-                </a:p>
-              </p:txBody>
-            </p:sp>
-            <p:sp>
-              <p:nvSpPr>
-                <p:cNvPr id="36" name="Rechteck 35">
-                  <a:extLst>
-                    <a:ext uri="{FF2B5EF4-FFF2-40B4-BE49-F238E27FC236}">
-                      <a16:creationId xmlns:a16="http://schemas.microsoft.com/office/drawing/2014/main" id="{4C0DD043-CE50-4253-81A5-44263ED4FFD5}"/>
-                    </a:ext>
-                  </a:extLst>
-                </p:cNvPr>
-                <p:cNvSpPr/>
-                <p:nvPr/>
-              </p:nvSpPr>
-              <p:spPr>
-                <a:xfrm>
-                  <a:off x="5738192" y="3140765"/>
-                  <a:ext cx="159026" cy="967408"/>
-                </a:xfrm>
-                <a:prstGeom prst="rect">
-                  <a:avLst/>
-                </a:prstGeom>
-                <a:solidFill>
-                  <a:schemeClr val="accent2">
-                    <a:lumMod val="40000"/>
-                    <a:lumOff val="60000"/>
-                  </a:schemeClr>
-                </a:solidFill>
-              </p:spPr>
-              <p:style>
-                <a:lnRef idx="2">
-                  <a:schemeClr val="accent1">
-                    <a:shade val="50000"/>
-                  </a:schemeClr>
-                </a:lnRef>
-                <a:fillRef idx="1">
-                  <a:schemeClr val="accent1"/>
-                </a:fillRef>
-                <a:effectRef idx="0">
-                  <a:schemeClr val="accent1"/>
-                </a:effectRef>
-                <a:fontRef idx="minor">
-                  <a:schemeClr val="lt1"/>
-                </a:fontRef>
-              </p:style>
-              <p:txBody>
-                <a:bodyPr rtlCol="0" anchor="ctr"/>
-                <a:lstStyle/>
-                <a:p>
-                  <a:pPr algn="ctr"/>
-                  <a:endParaRPr lang="de-AT"/>
-                </a:p>
-              </p:txBody>
-            </p:sp>
-            <p:sp>
-              <p:nvSpPr>
-                <p:cNvPr id="37" name="Rechteck 36">
-                  <a:extLst>
-                    <a:ext uri="{FF2B5EF4-FFF2-40B4-BE49-F238E27FC236}">
-                      <a16:creationId xmlns:a16="http://schemas.microsoft.com/office/drawing/2014/main" id="{5A130CC0-D25F-41C1-8141-AEC6510CF284}"/>
-                    </a:ext>
-                  </a:extLst>
-                </p:cNvPr>
-                <p:cNvSpPr/>
-                <p:nvPr/>
-              </p:nvSpPr>
-              <p:spPr>
-                <a:xfrm>
-                  <a:off x="7220779" y="3140765"/>
-                  <a:ext cx="159026" cy="967408"/>
-                </a:xfrm>
-                <a:prstGeom prst="rect">
-                  <a:avLst/>
-                </a:prstGeom>
-                <a:solidFill>
-                  <a:schemeClr val="accent2">
-                    <a:lumMod val="40000"/>
-                    <a:lumOff val="60000"/>
-                  </a:schemeClr>
-                </a:solidFill>
-              </p:spPr>
-              <p:style>
-                <a:lnRef idx="2">
-                  <a:schemeClr val="accent1">
-                    <a:shade val="50000"/>
-                  </a:schemeClr>
-                </a:lnRef>
-                <a:fillRef idx="1">
-                  <a:schemeClr val="accent1"/>
-                </a:fillRef>
-                <a:effectRef idx="0">
-                  <a:schemeClr val="accent1"/>
-                </a:effectRef>
-                <a:fontRef idx="minor">
-                  <a:schemeClr val="lt1"/>
-                </a:fontRef>
-              </p:style>
-              <p:txBody>
-                <a:bodyPr rtlCol="0" anchor="ctr"/>
-                <a:lstStyle/>
-                <a:p>
-                  <a:pPr algn="ctr"/>
-                  <a:endParaRPr lang="de-AT"/>
-                </a:p>
-              </p:txBody>
-            </p:sp>
-            <p:sp>
-              <p:nvSpPr>
-                <p:cNvPr id="38" name="Rechteck 37">
-                  <a:extLst>
-                    <a:ext uri="{FF2B5EF4-FFF2-40B4-BE49-F238E27FC236}">
-                      <a16:creationId xmlns:a16="http://schemas.microsoft.com/office/drawing/2014/main" id="{9E2EAE2E-4936-46F3-ADC1-0185081F5421}"/>
-                    </a:ext>
-                  </a:extLst>
-                </p:cNvPr>
-                <p:cNvSpPr/>
-                <p:nvPr/>
-              </p:nvSpPr>
-              <p:spPr>
-                <a:xfrm>
-                  <a:off x="6725480" y="3140765"/>
-                  <a:ext cx="159026" cy="967408"/>
-                </a:xfrm>
-                <a:prstGeom prst="rect">
-                  <a:avLst/>
-                </a:prstGeom>
-                <a:solidFill>
-                  <a:schemeClr val="accent2">
-                    <a:lumMod val="40000"/>
-                    <a:lumOff val="60000"/>
-                  </a:schemeClr>
-                </a:solidFill>
-              </p:spPr>
-              <p:style>
-                <a:lnRef idx="2">
-                  <a:schemeClr val="accent1">
-                    <a:shade val="50000"/>
-                  </a:schemeClr>
-                </a:lnRef>
-                <a:fillRef idx="1">
-                  <a:schemeClr val="accent1"/>
-                </a:fillRef>
-                <a:effectRef idx="0">
-                  <a:schemeClr val="accent1"/>
-                </a:effectRef>
-                <a:fontRef idx="minor">
-                  <a:schemeClr val="lt1"/>
-                </a:fontRef>
-              </p:style>
-              <p:txBody>
-                <a:bodyPr rtlCol="0" anchor="ctr"/>
-                <a:lstStyle/>
-                <a:p>
-                  <a:pPr algn="ctr"/>
-                  <a:endParaRPr lang="de-AT"/>
-                </a:p>
-              </p:txBody>
-            </p:sp>
-            <p:sp>
-              <p:nvSpPr>
-                <p:cNvPr id="39" name="Rechteck 38">
-                  <a:extLst>
-                    <a:ext uri="{FF2B5EF4-FFF2-40B4-BE49-F238E27FC236}">
-                      <a16:creationId xmlns:a16="http://schemas.microsoft.com/office/drawing/2014/main" id="{D46772EF-FDA5-4513-BDEA-70225031B20B}"/>
-                    </a:ext>
-                  </a:extLst>
-                </p:cNvPr>
-                <p:cNvSpPr/>
-                <p:nvPr/>
-              </p:nvSpPr>
-              <p:spPr>
-                <a:xfrm>
-                  <a:off x="6231836" y="3140765"/>
-                  <a:ext cx="159026" cy="967408"/>
-                </a:xfrm>
-                <a:prstGeom prst="rect">
-                  <a:avLst/>
-                </a:prstGeom>
-                <a:solidFill>
-                  <a:schemeClr val="accent2">
-                    <a:lumMod val="40000"/>
-                    <a:lumOff val="60000"/>
-                  </a:schemeClr>
-                </a:solidFill>
-              </p:spPr>
-              <p:style>
-                <a:lnRef idx="2">
-                  <a:schemeClr val="accent1">
-                    <a:shade val="50000"/>
-                  </a:schemeClr>
-                </a:lnRef>
-                <a:fillRef idx="1">
-                  <a:schemeClr val="accent1"/>
-                </a:fillRef>
-                <a:effectRef idx="0">
-                  <a:schemeClr val="accent1"/>
-                </a:effectRef>
-                <a:fontRef idx="minor">
-                  <a:schemeClr val="lt1"/>
-                </a:fontRef>
-              </p:style>
-              <p:txBody>
-                <a:bodyPr rtlCol="0" anchor="ctr"/>
-                <a:lstStyle/>
-                <a:p>
-                  <a:pPr algn="ctr"/>
-                  <a:endParaRPr lang="de-AT"/>
-                </a:p>
-              </p:txBody>
-            </p:sp>
-            <p:sp>
-              <p:nvSpPr>
-                <p:cNvPr id="40" name="Rechteck 39">
-                  <a:extLst>
-                    <a:ext uri="{FF2B5EF4-FFF2-40B4-BE49-F238E27FC236}">
-                      <a16:creationId xmlns:a16="http://schemas.microsoft.com/office/drawing/2014/main" id="{AE57DB5B-93AC-457C-A79C-4420B52A0C0F}"/>
-                    </a:ext>
-                  </a:extLst>
-                </p:cNvPr>
-                <p:cNvSpPr/>
-                <p:nvPr/>
-              </p:nvSpPr>
-              <p:spPr>
-                <a:xfrm>
-                  <a:off x="8204754" y="3140765"/>
-                  <a:ext cx="159026" cy="967408"/>
-                </a:xfrm>
-                <a:prstGeom prst="rect">
-                  <a:avLst/>
-                </a:prstGeom>
-                <a:solidFill>
-                  <a:schemeClr val="accent2">
-                    <a:lumMod val="40000"/>
-                    <a:lumOff val="60000"/>
-                  </a:schemeClr>
-                </a:solidFill>
-              </p:spPr>
-              <p:style>
-                <a:lnRef idx="2">
-                  <a:schemeClr val="accent1">
-                    <a:shade val="50000"/>
-                  </a:schemeClr>
-                </a:lnRef>
-                <a:fillRef idx="1">
-                  <a:schemeClr val="accent1"/>
-                </a:fillRef>
-                <a:effectRef idx="0">
-                  <a:schemeClr val="accent1"/>
-                </a:effectRef>
-                <a:fontRef idx="minor">
-                  <a:schemeClr val="lt1"/>
-                </a:fontRef>
-              </p:style>
-              <p:txBody>
-                <a:bodyPr rtlCol="0" anchor="ctr"/>
-                <a:lstStyle/>
-                <a:p>
-                  <a:pPr algn="ctr"/>
-                  <a:endParaRPr lang="de-AT"/>
-                </a:p>
-              </p:txBody>
-            </p:sp>
-            <p:sp>
-              <p:nvSpPr>
-                <p:cNvPr id="41" name="Rechteck 40">
-                  <a:extLst>
-                    <a:ext uri="{FF2B5EF4-FFF2-40B4-BE49-F238E27FC236}">
-                      <a16:creationId xmlns:a16="http://schemas.microsoft.com/office/drawing/2014/main" id="{D8BDFB61-1B4D-499D-A3BE-933368213054}"/>
-                    </a:ext>
-                  </a:extLst>
-                </p:cNvPr>
-                <p:cNvSpPr/>
-                <p:nvPr/>
-              </p:nvSpPr>
-              <p:spPr>
-                <a:xfrm>
-                  <a:off x="7716078" y="3140765"/>
-                  <a:ext cx="159026" cy="967408"/>
-                </a:xfrm>
-                <a:prstGeom prst="rect">
-                  <a:avLst/>
-                </a:prstGeom>
-                <a:solidFill>
-                  <a:schemeClr val="accent2">
-                    <a:lumMod val="40000"/>
-                    <a:lumOff val="60000"/>
-                  </a:schemeClr>
-                </a:solidFill>
-              </p:spPr>
-              <p:style>
-                <a:lnRef idx="2">
-                  <a:schemeClr val="accent1">
-                    <a:shade val="50000"/>
-                  </a:schemeClr>
-                </a:lnRef>
-                <a:fillRef idx="1">
-                  <a:schemeClr val="accent1"/>
-                </a:fillRef>
-                <a:effectRef idx="0">
-                  <a:schemeClr val="accent1"/>
-                </a:effectRef>
-                <a:fontRef idx="minor">
-                  <a:schemeClr val="lt1"/>
-                </a:fontRef>
-              </p:style>
-              <p:txBody>
-                <a:bodyPr rtlCol="0" anchor="ctr"/>
-                <a:lstStyle/>
-                <a:p>
-                  <a:pPr algn="ctr"/>
-                  <a:endParaRPr lang="de-AT"/>
-                </a:p>
-              </p:txBody>
-            </p:sp>
-            <p:sp>
-              <p:nvSpPr>
-                <p:cNvPr id="42" name="Rechteck 41">
-                  <a:extLst>
-                    <a:ext uri="{FF2B5EF4-FFF2-40B4-BE49-F238E27FC236}">
-                      <a16:creationId xmlns:a16="http://schemas.microsoft.com/office/drawing/2014/main" id="{277DBBDD-885B-4E96-B0B2-8A1C41A1D538}"/>
-                    </a:ext>
-                  </a:extLst>
-                </p:cNvPr>
-                <p:cNvSpPr/>
-                <p:nvPr/>
-              </p:nvSpPr>
-              <p:spPr>
-                <a:xfrm>
-                  <a:off x="2797865" y="5327373"/>
-                  <a:ext cx="159026" cy="967408"/>
-                </a:xfrm>
-                <a:prstGeom prst="rect">
-                  <a:avLst/>
-                </a:prstGeom>
-                <a:solidFill>
-                  <a:schemeClr val="accent2">
-                    <a:lumMod val="40000"/>
-                    <a:lumOff val="60000"/>
-                  </a:schemeClr>
-                </a:solidFill>
-              </p:spPr>
-              <p:style>
-                <a:lnRef idx="2">
-                  <a:schemeClr val="accent1">
-                    <a:shade val="50000"/>
-                  </a:schemeClr>
-                </a:lnRef>
-                <a:fillRef idx="1">
-                  <a:schemeClr val="accent1"/>
-                </a:fillRef>
-                <a:effectRef idx="0">
-                  <a:schemeClr val="accent1"/>
-                </a:effectRef>
-                <a:fontRef idx="minor">
-                  <a:schemeClr val="lt1"/>
-                </a:fontRef>
-              </p:style>
-              <p:txBody>
-                <a:bodyPr rtlCol="0" anchor="ctr"/>
-                <a:lstStyle/>
-                <a:p>
-                  <a:pPr algn="ctr"/>
-                  <a:endParaRPr lang="de-AT"/>
-                </a:p>
-              </p:txBody>
-            </p:sp>
-            <p:sp>
-              <p:nvSpPr>
-                <p:cNvPr id="43" name="Rechteck 42">
-                  <a:extLst>
-                    <a:ext uri="{FF2B5EF4-FFF2-40B4-BE49-F238E27FC236}">
-                      <a16:creationId xmlns:a16="http://schemas.microsoft.com/office/drawing/2014/main" id="{7222D80A-975F-480F-945D-6EACC58F4A65}"/>
-                    </a:ext>
-                  </a:extLst>
-                </p:cNvPr>
-                <p:cNvSpPr/>
-                <p:nvPr/>
-              </p:nvSpPr>
-              <p:spPr>
-                <a:xfrm>
-                  <a:off x="3288195" y="5327373"/>
-                  <a:ext cx="159026" cy="967408"/>
-                </a:xfrm>
-                <a:prstGeom prst="rect">
-                  <a:avLst/>
-                </a:prstGeom>
-                <a:solidFill>
-                  <a:schemeClr val="accent2">
-                    <a:lumMod val="40000"/>
-                    <a:lumOff val="60000"/>
-                  </a:schemeClr>
-                </a:solidFill>
-              </p:spPr>
-              <p:style>
-                <a:lnRef idx="2">
-                  <a:schemeClr val="accent1">
-                    <a:shade val="50000"/>
-                  </a:schemeClr>
-                </a:lnRef>
-                <a:fillRef idx="1">
-                  <a:schemeClr val="accent1"/>
-                </a:fillRef>
-                <a:effectRef idx="0">
-                  <a:schemeClr val="accent1"/>
-                </a:effectRef>
-                <a:fontRef idx="minor">
-                  <a:schemeClr val="lt1"/>
-                </a:fontRef>
-              </p:style>
-              <p:txBody>
-                <a:bodyPr rtlCol="0" anchor="ctr"/>
-                <a:lstStyle/>
-                <a:p>
-                  <a:pPr algn="ctr"/>
-                  <a:endParaRPr lang="de-AT"/>
-                </a:p>
-              </p:txBody>
-            </p:sp>
-            <p:sp>
-              <p:nvSpPr>
-                <p:cNvPr id="44" name="Rechteck 43">
-                  <a:extLst>
-                    <a:ext uri="{FF2B5EF4-FFF2-40B4-BE49-F238E27FC236}">
-                      <a16:creationId xmlns:a16="http://schemas.microsoft.com/office/drawing/2014/main" id="{06FC808E-8F0B-4DB4-9596-75BAF0BADBF8}"/>
-                    </a:ext>
-                  </a:extLst>
-                </p:cNvPr>
-                <p:cNvSpPr/>
-                <p:nvPr/>
-              </p:nvSpPr>
-              <p:spPr>
-                <a:xfrm>
-                  <a:off x="3776869" y="5327373"/>
-                  <a:ext cx="159026" cy="967408"/>
-                </a:xfrm>
-                <a:prstGeom prst="rect">
-                  <a:avLst/>
-                </a:prstGeom>
-                <a:solidFill>
-                  <a:schemeClr val="accent2">
-                    <a:lumMod val="40000"/>
-                    <a:lumOff val="60000"/>
-                  </a:schemeClr>
-                </a:solidFill>
-              </p:spPr>
-              <p:style>
-                <a:lnRef idx="2">
-                  <a:schemeClr val="accent1">
-                    <a:shade val="50000"/>
-                  </a:schemeClr>
-                </a:lnRef>
-                <a:fillRef idx="1">
-                  <a:schemeClr val="accent1"/>
-                </a:fillRef>
-                <a:effectRef idx="0">
-                  <a:schemeClr val="accent1"/>
-                </a:effectRef>
-                <a:fontRef idx="minor">
-                  <a:schemeClr val="lt1"/>
-                </a:fontRef>
-              </p:style>
-              <p:txBody>
-                <a:bodyPr rtlCol="0" anchor="ctr"/>
-                <a:lstStyle/>
-                <a:p>
-                  <a:pPr algn="ctr"/>
-                  <a:endParaRPr lang="de-AT"/>
-                </a:p>
-              </p:txBody>
-            </p:sp>
-            <p:sp>
-              <p:nvSpPr>
-                <p:cNvPr id="45" name="Rechteck 44">
-                  <a:extLst>
-                    <a:ext uri="{FF2B5EF4-FFF2-40B4-BE49-F238E27FC236}">
-                      <a16:creationId xmlns:a16="http://schemas.microsoft.com/office/drawing/2014/main" id="{93894386-0DBC-4EF3-BEEF-C317CCF6DF2F}"/>
-                    </a:ext>
-                  </a:extLst>
-                </p:cNvPr>
-                <p:cNvSpPr/>
-                <p:nvPr/>
-              </p:nvSpPr>
-              <p:spPr>
-                <a:xfrm>
-                  <a:off x="4265543" y="5327373"/>
-                  <a:ext cx="159026" cy="967408"/>
-                </a:xfrm>
-                <a:prstGeom prst="rect">
-                  <a:avLst/>
-                </a:prstGeom>
-                <a:solidFill>
-                  <a:schemeClr val="accent2">
-                    <a:lumMod val="40000"/>
-                    <a:lumOff val="60000"/>
-                  </a:schemeClr>
-                </a:solidFill>
-              </p:spPr>
-              <p:style>
-                <a:lnRef idx="2">
-                  <a:schemeClr val="accent1">
-                    <a:shade val="50000"/>
-                  </a:schemeClr>
-                </a:lnRef>
-                <a:fillRef idx="1">
-                  <a:schemeClr val="accent1"/>
-                </a:fillRef>
-                <a:effectRef idx="0">
-                  <a:schemeClr val="accent1"/>
-                </a:effectRef>
-                <a:fontRef idx="minor">
-                  <a:schemeClr val="lt1"/>
-                </a:fontRef>
-              </p:style>
-              <p:txBody>
-                <a:bodyPr rtlCol="0" anchor="ctr"/>
-                <a:lstStyle/>
-                <a:p>
-                  <a:pPr algn="ctr"/>
-                  <a:endParaRPr lang="de-AT"/>
-                </a:p>
-              </p:txBody>
-            </p:sp>
-            <p:sp>
-              <p:nvSpPr>
-                <p:cNvPr id="46" name="Rechteck 45">
-                  <a:extLst>
-                    <a:ext uri="{FF2B5EF4-FFF2-40B4-BE49-F238E27FC236}">
-                      <a16:creationId xmlns:a16="http://schemas.microsoft.com/office/drawing/2014/main" id="{DBF5E390-3147-41FD-963C-F818496EA941}"/>
-                    </a:ext>
-                  </a:extLst>
-                </p:cNvPr>
-                <p:cNvSpPr/>
-                <p:nvPr/>
-              </p:nvSpPr>
-              <p:spPr>
-                <a:xfrm>
-                  <a:off x="4754217" y="5327373"/>
-                  <a:ext cx="159026" cy="967408"/>
-                </a:xfrm>
-                <a:prstGeom prst="rect">
-                  <a:avLst/>
-                </a:prstGeom>
-                <a:solidFill>
-                  <a:schemeClr val="accent2">
-                    <a:lumMod val="40000"/>
-                    <a:lumOff val="60000"/>
-                  </a:schemeClr>
-                </a:solidFill>
-              </p:spPr>
-              <p:style>
-                <a:lnRef idx="2">
-                  <a:schemeClr val="accent1">
-                    <a:shade val="50000"/>
-                  </a:schemeClr>
-                </a:lnRef>
-                <a:fillRef idx="1">
-                  <a:schemeClr val="accent1"/>
-                </a:fillRef>
-                <a:effectRef idx="0">
-                  <a:schemeClr val="accent1"/>
-                </a:effectRef>
-                <a:fontRef idx="minor">
-                  <a:schemeClr val="lt1"/>
-                </a:fontRef>
-              </p:style>
-              <p:txBody>
-                <a:bodyPr rtlCol="0" anchor="ctr"/>
-                <a:lstStyle/>
-                <a:p>
-                  <a:pPr algn="ctr"/>
-                  <a:endParaRPr lang="de-AT"/>
-                </a:p>
-              </p:txBody>
-            </p:sp>
-            <p:sp>
-              <p:nvSpPr>
-                <p:cNvPr id="47" name="Rechteck 46">
-                  <a:extLst>
-                    <a:ext uri="{FF2B5EF4-FFF2-40B4-BE49-F238E27FC236}">
-                      <a16:creationId xmlns:a16="http://schemas.microsoft.com/office/drawing/2014/main" id="{7FCFF885-783E-4006-BE25-9A1A9073BEB6}"/>
-                    </a:ext>
-                  </a:extLst>
-                </p:cNvPr>
-                <p:cNvSpPr/>
-                <p:nvPr/>
-              </p:nvSpPr>
-              <p:spPr>
-                <a:xfrm>
-                  <a:off x="5221356" y="5327373"/>
-                  <a:ext cx="159026" cy="967408"/>
-                </a:xfrm>
-                <a:prstGeom prst="rect">
-                  <a:avLst/>
-                </a:prstGeom>
-                <a:solidFill>
-                  <a:schemeClr val="accent2">
-                    <a:lumMod val="40000"/>
-                    <a:lumOff val="60000"/>
-                  </a:schemeClr>
-                </a:solidFill>
-              </p:spPr>
-              <p:style>
-                <a:lnRef idx="2">
-                  <a:schemeClr val="accent1">
-                    <a:shade val="50000"/>
-                  </a:schemeClr>
-                </a:lnRef>
-                <a:fillRef idx="1">
-                  <a:schemeClr val="accent1"/>
-                </a:fillRef>
-                <a:effectRef idx="0">
-                  <a:schemeClr val="accent1"/>
-                </a:effectRef>
-                <a:fontRef idx="minor">
-                  <a:schemeClr val="lt1"/>
-                </a:fontRef>
-              </p:style>
-              <p:txBody>
-                <a:bodyPr rtlCol="0" anchor="ctr"/>
-                <a:lstStyle/>
-                <a:p>
-                  <a:pPr algn="ctr"/>
-                  <a:endParaRPr lang="de-AT"/>
-                </a:p>
-              </p:txBody>
-            </p:sp>
-            <p:sp>
-              <p:nvSpPr>
-                <p:cNvPr id="48" name="Rechteck 47">
-                  <a:extLst>
-                    <a:ext uri="{FF2B5EF4-FFF2-40B4-BE49-F238E27FC236}">
-                      <a16:creationId xmlns:a16="http://schemas.microsoft.com/office/drawing/2014/main" id="{42E306E8-3B46-43C2-BC4A-08E1F4C77722}"/>
-                    </a:ext>
-                  </a:extLst>
-                </p:cNvPr>
-                <p:cNvSpPr/>
-                <p:nvPr/>
-              </p:nvSpPr>
-              <p:spPr>
-                <a:xfrm>
-                  <a:off x="5713344" y="5327373"/>
-                  <a:ext cx="159026" cy="967408"/>
-                </a:xfrm>
-                <a:prstGeom prst="rect">
-                  <a:avLst/>
-                </a:prstGeom>
-                <a:solidFill>
-                  <a:schemeClr val="accent2">
-                    <a:lumMod val="40000"/>
-                    <a:lumOff val="60000"/>
-                  </a:schemeClr>
-                </a:solidFill>
-              </p:spPr>
-              <p:style>
-                <a:lnRef idx="2">
-                  <a:schemeClr val="accent1">
-                    <a:shade val="50000"/>
-                  </a:schemeClr>
-                </a:lnRef>
-                <a:fillRef idx="1">
-                  <a:schemeClr val="accent1"/>
-                </a:fillRef>
-                <a:effectRef idx="0">
-                  <a:schemeClr val="accent1"/>
-                </a:effectRef>
-                <a:fontRef idx="minor">
-                  <a:schemeClr val="lt1"/>
-                </a:fontRef>
-              </p:style>
-              <p:txBody>
-                <a:bodyPr rtlCol="0" anchor="ctr"/>
-                <a:lstStyle/>
-                <a:p>
-                  <a:pPr algn="ctr"/>
-                  <a:endParaRPr lang="de-AT"/>
-                </a:p>
-              </p:txBody>
-            </p:sp>
-            <p:sp>
-              <p:nvSpPr>
-                <p:cNvPr id="49" name="Rechteck 48">
-                  <a:extLst>
-                    <a:ext uri="{FF2B5EF4-FFF2-40B4-BE49-F238E27FC236}">
-                      <a16:creationId xmlns:a16="http://schemas.microsoft.com/office/drawing/2014/main" id="{76608CDC-2C6D-4669-B300-FF7462345999}"/>
-                    </a:ext>
-                  </a:extLst>
-                </p:cNvPr>
-                <p:cNvSpPr/>
-                <p:nvPr/>
-              </p:nvSpPr>
-              <p:spPr>
-                <a:xfrm>
-                  <a:off x="6200362" y="5327373"/>
-                  <a:ext cx="159026" cy="967408"/>
-                </a:xfrm>
-                <a:prstGeom prst="rect">
-                  <a:avLst/>
-                </a:prstGeom>
-                <a:solidFill>
-                  <a:schemeClr val="accent2">
-                    <a:lumMod val="40000"/>
-                    <a:lumOff val="60000"/>
-                  </a:schemeClr>
-                </a:solidFill>
-              </p:spPr>
-              <p:style>
-                <a:lnRef idx="2">
-                  <a:schemeClr val="accent1">
-                    <a:shade val="50000"/>
-                  </a:schemeClr>
-                </a:lnRef>
-                <a:fillRef idx="1">
-                  <a:schemeClr val="accent1"/>
-                </a:fillRef>
-                <a:effectRef idx="0">
-                  <a:schemeClr val="accent1"/>
-                </a:effectRef>
-                <a:fontRef idx="minor">
-                  <a:schemeClr val="lt1"/>
-                </a:fontRef>
-              </p:style>
-              <p:txBody>
-                <a:bodyPr rtlCol="0" anchor="ctr"/>
-                <a:lstStyle/>
-                <a:p>
-                  <a:pPr algn="ctr"/>
-                  <a:endParaRPr lang="de-AT"/>
-                </a:p>
-              </p:txBody>
-            </p:sp>
-            <p:sp>
-              <p:nvSpPr>
-                <p:cNvPr id="50" name="Rechteck 49">
-                  <a:extLst>
-                    <a:ext uri="{FF2B5EF4-FFF2-40B4-BE49-F238E27FC236}">
-                      <a16:creationId xmlns:a16="http://schemas.microsoft.com/office/drawing/2014/main" id="{9E9E5BD8-05F8-4289-B4C8-1917321A902C}"/>
-                    </a:ext>
-                  </a:extLst>
-                </p:cNvPr>
-                <p:cNvSpPr/>
-                <p:nvPr/>
-              </p:nvSpPr>
-              <p:spPr>
-                <a:xfrm>
-                  <a:off x="6687378" y="5327373"/>
-                  <a:ext cx="159026" cy="967408"/>
-                </a:xfrm>
-                <a:prstGeom prst="rect">
-                  <a:avLst/>
-                </a:prstGeom>
-                <a:solidFill>
-                  <a:schemeClr val="accent2">
-                    <a:lumMod val="40000"/>
-                    <a:lumOff val="60000"/>
-                  </a:schemeClr>
-                </a:solidFill>
-              </p:spPr>
-              <p:style>
-                <a:lnRef idx="2">
-                  <a:schemeClr val="accent1">
-                    <a:shade val="50000"/>
-                  </a:schemeClr>
-                </a:lnRef>
-                <a:fillRef idx="1">
-                  <a:schemeClr val="accent1"/>
-                </a:fillRef>
-                <a:effectRef idx="0">
-                  <a:schemeClr val="accent1"/>
-                </a:effectRef>
-                <a:fontRef idx="minor">
-                  <a:schemeClr val="lt1"/>
-                </a:fontRef>
-              </p:style>
-              <p:txBody>
-                <a:bodyPr rtlCol="0" anchor="ctr"/>
-                <a:lstStyle/>
-                <a:p>
-                  <a:pPr algn="ctr"/>
-                  <a:endParaRPr lang="de-AT"/>
-                </a:p>
-              </p:txBody>
-            </p:sp>
-            <p:sp>
-              <p:nvSpPr>
-                <p:cNvPr id="51" name="Rechteck 50">
-                  <a:extLst>
-                    <a:ext uri="{FF2B5EF4-FFF2-40B4-BE49-F238E27FC236}">
-                      <a16:creationId xmlns:a16="http://schemas.microsoft.com/office/drawing/2014/main" id="{6C37132E-3519-41FE-85AA-58BD5BD3E758}"/>
-                    </a:ext>
-                  </a:extLst>
-                </p:cNvPr>
-                <p:cNvSpPr/>
-                <p:nvPr/>
-              </p:nvSpPr>
-              <p:spPr>
-                <a:xfrm>
-                  <a:off x="7220779" y="5327373"/>
-                  <a:ext cx="159026" cy="967408"/>
-                </a:xfrm>
-                <a:prstGeom prst="rect">
-                  <a:avLst/>
-                </a:prstGeom>
-                <a:solidFill>
-                  <a:schemeClr val="accent2">
-                    <a:lumMod val="40000"/>
-                    <a:lumOff val="60000"/>
-                  </a:schemeClr>
-                </a:solidFill>
-              </p:spPr>
-              <p:style>
-                <a:lnRef idx="2">
-                  <a:schemeClr val="accent1">
-                    <a:shade val="50000"/>
-                  </a:schemeClr>
-                </a:lnRef>
-                <a:fillRef idx="1">
-                  <a:schemeClr val="accent1"/>
-                </a:fillRef>
-                <a:effectRef idx="0">
-                  <a:schemeClr val="accent1"/>
-                </a:effectRef>
-                <a:fontRef idx="minor">
-                  <a:schemeClr val="lt1"/>
-                </a:fontRef>
-              </p:style>
-              <p:txBody>
-                <a:bodyPr rtlCol="0" anchor="ctr"/>
-                <a:lstStyle/>
-                <a:p>
-                  <a:pPr algn="ctr"/>
-                  <a:endParaRPr lang="de-AT"/>
-                </a:p>
-              </p:txBody>
-            </p:sp>
-            <p:sp>
-              <p:nvSpPr>
-                <p:cNvPr id="52" name="Rechteck 51">
-                  <a:extLst>
-                    <a:ext uri="{FF2B5EF4-FFF2-40B4-BE49-F238E27FC236}">
-                      <a16:creationId xmlns:a16="http://schemas.microsoft.com/office/drawing/2014/main" id="{126F772D-D09F-4496-9EBA-826227534BB6}"/>
-                    </a:ext>
-                  </a:extLst>
-                </p:cNvPr>
-                <p:cNvSpPr/>
-                <p:nvPr/>
-              </p:nvSpPr>
-              <p:spPr>
-                <a:xfrm>
-                  <a:off x="7716078" y="5327373"/>
-                  <a:ext cx="159026" cy="967408"/>
-                </a:xfrm>
-                <a:prstGeom prst="rect">
-                  <a:avLst/>
-                </a:prstGeom>
-                <a:solidFill>
-                  <a:schemeClr val="accent2">
-                    <a:lumMod val="40000"/>
-                    <a:lumOff val="60000"/>
-                  </a:schemeClr>
-                </a:solidFill>
-              </p:spPr>
-              <p:style>
-                <a:lnRef idx="2">
-                  <a:schemeClr val="accent1">
-                    <a:shade val="50000"/>
-                  </a:schemeClr>
-                </a:lnRef>
-                <a:fillRef idx="1">
-                  <a:schemeClr val="accent1"/>
-                </a:fillRef>
-                <a:effectRef idx="0">
-                  <a:schemeClr val="accent1"/>
-                </a:effectRef>
-                <a:fontRef idx="minor">
-                  <a:schemeClr val="lt1"/>
-                </a:fontRef>
-              </p:style>
-              <p:txBody>
-                <a:bodyPr rtlCol="0" anchor="ctr"/>
-                <a:lstStyle/>
-                <a:p>
-                  <a:pPr algn="ctr"/>
-                  <a:endParaRPr lang="de-AT"/>
-                </a:p>
-              </p:txBody>
-            </p:sp>
-            <p:sp>
-              <p:nvSpPr>
-                <p:cNvPr id="53" name="Rechteck 52">
-                  <a:extLst>
-                    <a:ext uri="{FF2B5EF4-FFF2-40B4-BE49-F238E27FC236}">
-                      <a16:creationId xmlns:a16="http://schemas.microsoft.com/office/drawing/2014/main" id="{8CCA0E2A-421D-4185-9D56-959A8557FABD}"/>
-                    </a:ext>
-                  </a:extLst>
-                </p:cNvPr>
-                <p:cNvSpPr/>
-                <p:nvPr/>
-              </p:nvSpPr>
-              <p:spPr>
-                <a:xfrm>
-                  <a:off x="8204754" y="5327373"/>
-                  <a:ext cx="159026" cy="967408"/>
-                </a:xfrm>
-                <a:prstGeom prst="rect">
-                  <a:avLst/>
-                </a:prstGeom>
-                <a:solidFill>
-                  <a:schemeClr val="accent2">
-                    <a:lumMod val="40000"/>
-                    <a:lumOff val="60000"/>
-                  </a:schemeClr>
-                </a:solidFill>
-              </p:spPr>
-              <p:style>
-                <a:lnRef idx="2">
-                  <a:schemeClr val="accent1">
-                    <a:shade val="50000"/>
-                  </a:schemeClr>
-                </a:lnRef>
-                <a:fillRef idx="1">
-                  <a:schemeClr val="accent1"/>
-                </a:fillRef>
-                <a:effectRef idx="0">
-                  <a:schemeClr val="accent1"/>
-                </a:effectRef>
-                <a:fontRef idx="minor">
-                  <a:schemeClr val="lt1"/>
-                </a:fontRef>
-              </p:style>
-              <p:txBody>
-                <a:bodyPr rtlCol="0" anchor="ctr"/>
-                <a:lstStyle/>
-                <a:p>
-                  <a:pPr algn="ctr"/>
-                  <a:endParaRPr lang="de-AT"/>
-                </a:p>
-              </p:txBody>
-            </p:sp>
-            <p:sp>
-              <p:nvSpPr>
-                <p:cNvPr id="54" name="Rechteck 53">
-                  <a:extLst>
-                    <a:ext uri="{FF2B5EF4-FFF2-40B4-BE49-F238E27FC236}">
-                      <a16:creationId xmlns:a16="http://schemas.microsoft.com/office/drawing/2014/main" id="{9F07E467-1161-445C-8DC2-62929E2C8452}"/>
-                    </a:ext>
-                  </a:extLst>
-                </p:cNvPr>
-                <p:cNvSpPr/>
-                <p:nvPr/>
-              </p:nvSpPr>
-              <p:spPr>
-                <a:xfrm rot="16200000">
-                  <a:off x="1080877" y="1391474"/>
-                  <a:ext cx="1152941" cy="967408"/>
-                </a:xfrm>
-                <a:prstGeom prst="rect">
-                  <a:avLst/>
-                </a:prstGeom>
-                <a:solidFill>
-                  <a:schemeClr val="accent2">
-                    <a:lumMod val="40000"/>
-                    <a:lumOff val="60000"/>
-                  </a:schemeClr>
-                </a:solidFill>
-              </p:spPr>
-              <p:style>
-                <a:lnRef idx="2">
-                  <a:schemeClr val="accent1">
-                    <a:shade val="50000"/>
-                  </a:schemeClr>
-                </a:lnRef>
-                <a:fillRef idx="1">
-                  <a:schemeClr val="accent1"/>
-                </a:fillRef>
-                <a:effectRef idx="0">
-                  <a:schemeClr val="accent1"/>
-                </a:effectRef>
-                <a:fontRef idx="minor">
-                  <a:schemeClr val="lt1"/>
-                </a:fontRef>
-              </p:style>
-              <p:txBody>
-                <a:bodyPr rtlCol="0" anchor="ctr"/>
-                <a:lstStyle/>
-                <a:p>
-                  <a:pPr algn="ctr"/>
-                  <a:endParaRPr lang="de-AT"/>
-                </a:p>
-              </p:txBody>
-            </p:sp>
-            <p:sp>
-              <p:nvSpPr>
-                <p:cNvPr id="55" name="Rechteck 54">
-                  <a:extLst>
-                    <a:ext uri="{FF2B5EF4-FFF2-40B4-BE49-F238E27FC236}">
-                      <a16:creationId xmlns:a16="http://schemas.microsoft.com/office/drawing/2014/main" id="{57942644-FF5C-41FE-B5F1-274D99F45345}"/>
-                    </a:ext>
-                  </a:extLst>
-                </p:cNvPr>
-                <p:cNvSpPr/>
-                <p:nvPr/>
-              </p:nvSpPr>
-              <p:spPr>
-                <a:xfrm rot="16200000">
-                  <a:off x="8971725" y="1391475"/>
-                  <a:ext cx="1152932" cy="967408"/>
-                </a:xfrm>
-                <a:prstGeom prst="rect">
-                  <a:avLst/>
-                </a:prstGeom>
-                <a:solidFill>
-                  <a:schemeClr val="accent2">
-                    <a:lumMod val="40000"/>
-                    <a:lumOff val="60000"/>
-                  </a:schemeClr>
-                </a:solidFill>
-              </p:spPr>
-              <p:style>
-                <a:lnRef idx="2">
-                  <a:schemeClr val="accent1">
-                    <a:shade val="50000"/>
-                  </a:schemeClr>
-                </a:lnRef>
-                <a:fillRef idx="1">
-                  <a:schemeClr val="accent1"/>
-                </a:fillRef>
-                <a:effectRef idx="0">
-                  <a:schemeClr val="accent1"/>
-                </a:effectRef>
-                <a:fontRef idx="minor">
-                  <a:schemeClr val="lt1"/>
-                </a:fontRef>
-              </p:style>
-              <p:txBody>
-                <a:bodyPr rtlCol="0" anchor="ctr"/>
-                <a:lstStyle/>
-                <a:p>
-                  <a:pPr algn="ctr"/>
-                  <a:endParaRPr lang="de-AT"/>
-                </a:p>
-              </p:txBody>
-            </p:sp>
-            <p:sp>
-              <p:nvSpPr>
-                <p:cNvPr id="56" name="Rechteck 55">
-                  <a:extLst>
-                    <a:ext uri="{FF2B5EF4-FFF2-40B4-BE49-F238E27FC236}">
-                      <a16:creationId xmlns:a16="http://schemas.microsoft.com/office/drawing/2014/main" id="{F288145F-A1F6-420B-AA0C-7C92ECA0C011}"/>
-                    </a:ext>
-                  </a:extLst>
-                </p:cNvPr>
-                <p:cNvSpPr/>
-                <p:nvPr/>
-              </p:nvSpPr>
-              <p:spPr>
-                <a:xfrm rot="1715693">
-                  <a:off x="8883505" y="3294223"/>
-                  <a:ext cx="159026" cy="967408"/>
-                </a:xfrm>
-                <a:prstGeom prst="rect">
-                  <a:avLst/>
-                </a:prstGeom>
-                <a:solidFill>
-                  <a:schemeClr val="accent2">
-                    <a:lumMod val="40000"/>
-                    <a:lumOff val="60000"/>
-                  </a:schemeClr>
-                </a:solidFill>
-              </p:spPr>
-              <p:style>
-                <a:lnRef idx="2">
-                  <a:schemeClr val="accent1">
-                    <a:shade val="50000"/>
-                  </a:schemeClr>
-                </a:lnRef>
-                <a:fillRef idx="1">
-                  <a:schemeClr val="accent1"/>
-                </a:fillRef>
-                <a:effectRef idx="0">
-                  <a:schemeClr val="accent1"/>
-                </a:effectRef>
-                <a:fontRef idx="minor">
-                  <a:schemeClr val="lt1"/>
-                </a:fontRef>
-              </p:style>
-              <p:txBody>
-                <a:bodyPr rtlCol="0" anchor="ctr"/>
-                <a:lstStyle/>
-                <a:p>
-                  <a:pPr algn="ctr"/>
-                  <a:endParaRPr lang="de-AT"/>
-                </a:p>
-              </p:txBody>
-            </p:sp>
-            <p:sp>
-              <p:nvSpPr>
-                <p:cNvPr id="57" name="Rechteck 56">
-                  <a:extLst>
-                    <a:ext uri="{FF2B5EF4-FFF2-40B4-BE49-F238E27FC236}">
-                      <a16:creationId xmlns:a16="http://schemas.microsoft.com/office/drawing/2014/main" id="{F038AA7F-165F-4F2C-9040-B3ACF3D64910}"/>
-                    </a:ext>
-                  </a:extLst>
-                </p:cNvPr>
-                <p:cNvSpPr/>
-                <p:nvPr/>
-              </p:nvSpPr>
-              <p:spPr>
-                <a:xfrm rot="5400000">
-                  <a:off x="9482598" y="4234069"/>
-                  <a:ext cx="159026" cy="967408"/>
-                </a:xfrm>
-                <a:prstGeom prst="rect">
-                  <a:avLst/>
-                </a:prstGeom>
-                <a:solidFill>
-                  <a:schemeClr val="accent2">
-                    <a:lumMod val="40000"/>
-                    <a:lumOff val="60000"/>
-                  </a:schemeClr>
-                </a:solidFill>
-              </p:spPr>
-              <p:style>
-                <a:lnRef idx="2">
-                  <a:schemeClr val="accent1">
-                    <a:shade val="50000"/>
-                  </a:schemeClr>
-                </a:lnRef>
-                <a:fillRef idx="1">
-                  <a:schemeClr val="accent1"/>
-                </a:fillRef>
-                <a:effectRef idx="0">
-                  <a:schemeClr val="accent1"/>
-                </a:effectRef>
-                <a:fontRef idx="minor">
-                  <a:schemeClr val="lt1"/>
-                </a:fontRef>
-              </p:style>
-              <p:txBody>
-                <a:bodyPr rtlCol="0" anchor="ctr"/>
-                <a:lstStyle/>
-                <a:p>
-                  <a:pPr algn="ctr"/>
-                  <a:endParaRPr lang="de-AT"/>
-                </a:p>
-              </p:txBody>
-            </p:sp>
-            <p:sp>
-              <p:nvSpPr>
-                <p:cNvPr id="58" name="Rechteck 57">
-                  <a:extLst>
-                    <a:ext uri="{FF2B5EF4-FFF2-40B4-BE49-F238E27FC236}">
-                      <a16:creationId xmlns:a16="http://schemas.microsoft.com/office/drawing/2014/main" id="{E1B761D8-4BA7-4CBC-AFA3-8322286BAF8D}"/>
-                    </a:ext>
-                  </a:extLst>
-                </p:cNvPr>
-                <p:cNvSpPr/>
-                <p:nvPr/>
-              </p:nvSpPr>
-              <p:spPr>
-                <a:xfrm rot="8974235">
-                  <a:off x="8871281" y="5194593"/>
-                  <a:ext cx="159026" cy="967408"/>
-                </a:xfrm>
-                <a:prstGeom prst="rect">
-                  <a:avLst/>
-                </a:prstGeom>
-                <a:solidFill>
-                  <a:schemeClr val="accent2">
-                    <a:lumMod val="40000"/>
-                    <a:lumOff val="60000"/>
-                  </a:schemeClr>
-                </a:solidFill>
-              </p:spPr>
-              <p:style>
-                <a:lnRef idx="2">
-                  <a:schemeClr val="accent1">
-                    <a:shade val="50000"/>
-                  </a:schemeClr>
-                </a:lnRef>
-                <a:fillRef idx="1">
-                  <a:schemeClr val="accent1"/>
-                </a:fillRef>
-                <a:effectRef idx="0">
-                  <a:schemeClr val="accent1"/>
-                </a:effectRef>
-                <a:fontRef idx="minor">
-                  <a:schemeClr val="lt1"/>
-                </a:fontRef>
-              </p:style>
-              <p:txBody>
-                <a:bodyPr rtlCol="0" anchor="ctr"/>
-                <a:lstStyle/>
-                <a:p>
-                  <a:pPr algn="ctr"/>
-                  <a:endParaRPr lang="de-AT"/>
-                </a:p>
-              </p:txBody>
-            </p:sp>
-            <p:sp>
-              <p:nvSpPr>
-                <p:cNvPr id="59" name="Rechteck 58">
-                  <a:extLst>
-                    <a:ext uri="{FF2B5EF4-FFF2-40B4-BE49-F238E27FC236}">
-                      <a16:creationId xmlns:a16="http://schemas.microsoft.com/office/drawing/2014/main" id="{24CD29BD-2502-49DC-B5D5-F1ECFB13A243}"/>
-                    </a:ext>
-                  </a:extLst>
-                </p:cNvPr>
-                <p:cNvSpPr/>
-                <p:nvPr/>
-              </p:nvSpPr>
-              <p:spPr>
-                <a:xfrm rot="16200000">
-                  <a:off x="1577835" y="4234069"/>
-                  <a:ext cx="159026" cy="967408"/>
-                </a:xfrm>
-                <a:prstGeom prst="rect">
-                  <a:avLst/>
-                </a:prstGeom>
-                <a:solidFill>
-                  <a:schemeClr val="accent2">
-                    <a:lumMod val="40000"/>
-                    <a:lumOff val="60000"/>
-                  </a:schemeClr>
-                </a:solidFill>
-              </p:spPr>
-              <p:style>
-                <a:lnRef idx="2">
-                  <a:schemeClr val="accent1">
-                    <a:shade val="50000"/>
-                  </a:schemeClr>
-                </a:lnRef>
-                <a:fillRef idx="1">
-                  <a:schemeClr val="accent1"/>
-                </a:fillRef>
-                <a:effectRef idx="0">
-                  <a:schemeClr val="accent1"/>
-                </a:effectRef>
-                <a:fontRef idx="minor">
-                  <a:schemeClr val="lt1"/>
-                </a:fontRef>
-              </p:style>
-              <p:txBody>
-                <a:bodyPr rtlCol="0" anchor="ctr"/>
-                <a:lstStyle/>
-                <a:p>
-                  <a:pPr algn="ctr"/>
-                  <a:endParaRPr lang="de-AT"/>
-                </a:p>
-              </p:txBody>
-            </p:sp>
-            <p:sp>
-              <p:nvSpPr>
-                <p:cNvPr id="60" name="Rechteck 59">
-                  <a:extLst>
-                    <a:ext uri="{FF2B5EF4-FFF2-40B4-BE49-F238E27FC236}">
-                      <a16:creationId xmlns:a16="http://schemas.microsoft.com/office/drawing/2014/main" id="{F09A24B6-9522-428A-BF8F-45DA5D9AD853}"/>
-                    </a:ext>
-                  </a:extLst>
-                </p:cNvPr>
-                <p:cNvSpPr/>
-                <p:nvPr/>
-              </p:nvSpPr>
-              <p:spPr>
-                <a:xfrm rot="19614792">
-                  <a:off x="2103071" y="3326292"/>
-                  <a:ext cx="159026" cy="967408"/>
-                </a:xfrm>
-                <a:prstGeom prst="rect">
-                  <a:avLst/>
-                </a:prstGeom>
-                <a:solidFill>
-                  <a:schemeClr val="accent2">
-                    <a:lumMod val="40000"/>
-                    <a:lumOff val="60000"/>
-                  </a:schemeClr>
-                </a:solidFill>
-              </p:spPr>
-              <p:style>
-                <a:lnRef idx="2">
-                  <a:schemeClr val="accent1">
-                    <a:shade val="50000"/>
-                  </a:schemeClr>
-                </a:lnRef>
-                <a:fillRef idx="1">
-                  <a:schemeClr val="accent1"/>
-                </a:fillRef>
-                <a:effectRef idx="0">
-                  <a:schemeClr val="accent1"/>
-                </a:effectRef>
-                <a:fontRef idx="minor">
-                  <a:schemeClr val="lt1"/>
-                </a:fontRef>
-              </p:style>
-              <p:txBody>
-                <a:bodyPr rtlCol="0" anchor="ctr"/>
-                <a:lstStyle/>
-                <a:p>
-                  <a:pPr algn="ctr"/>
-                  <a:endParaRPr lang="de-AT"/>
-                </a:p>
-              </p:txBody>
-            </p:sp>
-            <p:sp>
-              <p:nvSpPr>
-                <p:cNvPr id="61" name="Rechteck 60">
-                  <a:extLst>
-                    <a:ext uri="{FF2B5EF4-FFF2-40B4-BE49-F238E27FC236}">
-                      <a16:creationId xmlns:a16="http://schemas.microsoft.com/office/drawing/2014/main" id="{6498595D-7E1F-488A-9BFB-1676836F40B8}"/>
-                    </a:ext>
-                  </a:extLst>
-                </p:cNvPr>
-                <p:cNvSpPr/>
-                <p:nvPr/>
-              </p:nvSpPr>
-              <p:spPr>
-                <a:xfrm rot="12850126">
-                  <a:off x="2112402" y="5166395"/>
-                  <a:ext cx="159026" cy="967408"/>
-                </a:xfrm>
-                <a:prstGeom prst="rect">
-                  <a:avLst/>
-                </a:prstGeom>
-                <a:solidFill>
-                  <a:schemeClr val="accent2">
-                    <a:lumMod val="40000"/>
-                    <a:lumOff val="60000"/>
-                  </a:schemeClr>
-                </a:solidFill>
-              </p:spPr>
-              <p:style>
-                <a:lnRef idx="2">
-                  <a:schemeClr val="accent1">
-                    <a:shade val="50000"/>
-                  </a:schemeClr>
-                </a:lnRef>
-                <a:fillRef idx="1">
-                  <a:schemeClr val="accent1"/>
-                </a:fillRef>
-                <a:effectRef idx="0">
-                  <a:schemeClr val="accent1"/>
-                </a:effectRef>
-                <a:fontRef idx="minor">
-                  <a:schemeClr val="lt1"/>
-                </a:fontRef>
-              </p:style>
-              <p:txBody>
-                <a:bodyPr rtlCol="0" anchor="ctr"/>
-                <a:lstStyle/>
-                <a:p>
-                  <a:pPr algn="ctr"/>
-                  <a:endParaRPr lang="de-AT"/>
-                </a:p>
-              </p:txBody>
-            </p:sp>
+            </p:cxnSp>
           </p:grpSp>
+        </p:grpSp>
+        <p:grpSp>
+          <p:nvGrpSpPr>
+            <p:cNvPr id="6" name="Gruppieren 5">
+              <a:extLst>
+                <a:ext uri="{FF2B5EF4-FFF2-40B4-BE49-F238E27FC236}">
+                  <a16:creationId xmlns:a16="http://schemas.microsoft.com/office/drawing/2014/main" id="{5B004C17-A97F-46F5-BC58-654E1FC68DD9}"/>
+                </a:ext>
+              </a:extLst>
+            </p:cNvPr>
+            <p:cNvGrpSpPr/>
+            <p:nvPr/>
+          </p:nvGrpSpPr>
+          <p:grpSpPr>
+            <a:xfrm>
+              <a:off x="782317" y="4053185"/>
+              <a:ext cx="9298745" cy="1154598"/>
+              <a:chOff x="882984" y="1294178"/>
+              <a:chExt cx="9298745" cy="1154598"/>
+            </a:xfrm>
+          </p:grpSpPr>
+          <p:sp>
+            <p:nvSpPr>
+              <p:cNvPr id="8" name="Rechteck 7">
+                <a:extLst>
+                  <a:ext uri="{FF2B5EF4-FFF2-40B4-BE49-F238E27FC236}">
+                    <a16:creationId xmlns:a16="http://schemas.microsoft.com/office/drawing/2014/main" id="{F3D14AEB-6F4F-4420-866E-47E54433AE27}"/>
+                  </a:ext>
+                </a:extLst>
+              </p:cNvPr>
+              <p:cNvSpPr/>
+              <p:nvPr/>
+            </p:nvSpPr>
+            <p:spPr>
+              <a:xfrm>
+                <a:off x="2150378" y="1294181"/>
+                <a:ext cx="6930888" cy="1152939"/>
+              </a:xfrm>
+              <a:prstGeom prst="rect">
+                <a:avLst/>
+              </a:prstGeom>
+              <a:solidFill>
+                <a:schemeClr val="tx2">
+                  <a:lumMod val="20000"/>
+                  <a:lumOff val="80000"/>
+                </a:schemeClr>
+              </a:solidFill>
+            </p:spPr>
+            <p:style>
+              <a:lnRef idx="2">
+                <a:schemeClr val="accent1">
+                  <a:shade val="50000"/>
+                </a:schemeClr>
+              </a:lnRef>
+              <a:fillRef idx="1">
+                <a:schemeClr val="accent1"/>
+              </a:fillRef>
+              <a:effectRef idx="0">
+                <a:schemeClr val="accent1"/>
+              </a:effectRef>
+              <a:fontRef idx="minor">
+                <a:schemeClr val="lt1"/>
+              </a:fontRef>
+            </p:style>
+            <p:txBody>
+              <a:bodyPr rtlCol="0" anchor="ctr"/>
+              <a:lstStyle/>
+              <a:p>
+                <a:pPr algn="ctr"/>
+                <a:endParaRPr lang="de-AT"/>
+              </a:p>
+            </p:txBody>
+          </p:sp>
+          <p:sp>
+            <p:nvSpPr>
+              <p:cNvPr id="9" name="Rechteck 8">
+                <a:extLst>
+                  <a:ext uri="{FF2B5EF4-FFF2-40B4-BE49-F238E27FC236}">
+                    <a16:creationId xmlns:a16="http://schemas.microsoft.com/office/drawing/2014/main" id="{E28C2E6F-C8C5-4485-9E17-E292BC3062DF}"/>
+                  </a:ext>
+                </a:extLst>
+              </p:cNvPr>
+              <p:cNvSpPr/>
+              <p:nvPr/>
+            </p:nvSpPr>
+            <p:spPr>
+              <a:xfrm>
+                <a:off x="2809674" y="1294180"/>
+                <a:ext cx="159026" cy="1152939"/>
+              </a:xfrm>
+              <a:prstGeom prst="rect">
+                <a:avLst/>
+              </a:prstGeom>
+              <a:solidFill>
+                <a:schemeClr val="accent2">
+                  <a:lumMod val="40000"/>
+                  <a:lumOff val="60000"/>
+                </a:schemeClr>
+              </a:solidFill>
+            </p:spPr>
+            <p:style>
+              <a:lnRef idx="2">
+                <a:schemeClr val="accent1">
+                  <a:shade val="50000"/>
+                </a:schemeClr>
+              </a:lnRef>
+              <a:fillRef idx="1">
+                <a:schemeClr val="accent1"/>
+              </a:fillRef>
+              <a:effectRef idx="0">
+                <a:schemeClr val="accent1"/>
+              </a:effectRef>
+              <a:fontRef idx="minor">
+                <a:schemeClr val="lt1"/>
+              </a:fontRef>
+            </p:style>
+            <p:txBody>
+              <a:bodyPr rtlCol="0" anchor="ctr"/>
+              <a:lstStyle/>
+              <a:p>
+                <a:pPr algn="ctr"/>
+                <a:endParaRPr lang="de-AT" dirty="0"/>
+              </a:p>
+            </p:txBody>
+          </p:sp>
+          <p:sp>
+            <p:nvSpPr>
+              <p:cNvPr id="10" name="Rechteck 9">
+                <a:extLst>
+                  <a:ext uri="{FF2B5EF4-FFF2-40B4-BE49-F238E27FC236}">
+                    <a16:creationId xmlns:a16="http://schemas.microsoft.com/office/drawing/2014/main" id="{7EAA2CFB-F5DB-40DD-8536-8635403E3D7A}"/>
+                  </a:ext>
+                </a:extLst>
+              </p:cNvPr>
+              <p:cNvSpPr/>
+              <p:nvPr/>
+            </p:nvSpPr>
+            <p:spPr>
+              <a:xfrm>
+                <a:off x="3304973" y="1294181"/>
+                <a:ext cx="159026" cy="1152939"/>
+              </a:xfrm>
+              <a:prstGeom prst="rect">
+                <a:avLst/>
+              </a:prstGeom>
+              <a:solidFill>
+                <a:schemeClr val="accent2">
+                  <a:lumMod val="40000"/>
+                  <a:lumOff val="60000"/>
+                </a:schemeClr>
+              </a:solidFill>
+            </p:spPr>
+            <p:style>
+              <a:lnRef idx="2">
+                <a:schemeClr val="accent1">
+                  <a:shade val="50000"/>
+                </a:schemeClr>
+              </a:lnRef>
+              <a:fillRef idx="1">
+                <a:schemeClr val="accent1"/>
+              </a:fillRef>
+              <a:effectRef idx="0">
+                <a:schemeClr val="accent1"/>
+              </a:effectRef>
+              <a:fontRef idx="minor">
+                <a:schemeClr val="lt1"/>
+              </a:fontRef>
+            </p:style>
+            <p:txBody>
+              <a:bodyPr rtlCol="0" anchor="ctr"/>
+              <a:lstStyle/>
+              <a:p>
+                <a:pPr algn="ctr"/>
+                <a:endParaRPr lang="de-AT"/>
+              </a:p>
+            </p:txBody>
+          </p:sp>
+          <p:sp>
+            <p:nvSpPr>
+              <p:cNvPr id="11" name="Rechteck 10">
+                <a:extLst>
+                  <a:ext uri="{FF2B5EF4-FFF2-40B4-BE49-F238E27FC236}">
+                    <a16:creationId xmlns:a16="http://schemas.microsoft.com/office/drawing/2014/main" id="{C15BF588-7187-4977-A03A-79D2C72139EC}"/>
+                  </a:ext>
+                </a:extLst>
+              </p:cNvPr>
+              <p:cNvSpPr/>
+              <p:nvPr/>
+            </p:nvSpPr>
+            <p:spPr>
+              <a:xfrm>
+                <a:off x="3795304" y="1294180"/>
+                <a:ext cx="157369" cy="1152939"/>
+              </a:xfrm>
+              <a:prstGeom prst="rect">
+                <a:avLst/>
+              </a:prstGeom>
+              <a:solidFill>
+                <a:schemeClr val="accent2">
+                  <a:lumMod val="40000"/>
+                  <a:lumOff val="60000"/>
+                </a:schemeClr>
+              </a:solidFill>
+            </p:spPr>
+            <p:style>
+              <a:lnRef idx="2">
+                <a:schemeClr val="accent1">
+                  <a:shade val="50000"/>
+                </a:schemeClr>
+              </a:lnRef>
+              <a:fillRef idx="1">
+                <a:schemeClr val="accent1"/>
+              </a:fillRef>
+              <a:effectRef idx="0">
+                <a:schemeClr val="accent1"/>
+              </a:effectRef>
+              <a:fontRef idx="minor">
+                <a:schemeClr val="lt1"/>
+              </a:fontRef>
+            </p:style>
+            <p:txBody>
+              <a:bodyPr rtlCol="0" anchor="ctr"/>
+              <a:lstStyle/>
+              <a:p>
+                <a:pPr algn="ctr"/>
+                <a:endParaRPr lang="de-AT"/>
+              </a:p>
+            </p:txBody>
+          </p:sp>
+          <p:sp>
+            <p:nvSpPr>
+              <p:cNvPr id="12" name="Rechteck 11">
+                <a:extLst>
+                  <a:ext uri="{FF2B5EF4-FFF2-40B4-BE49-F238E27FC236}">
+                    <a16:creationId xmlns:a16="http://schemas.microsoft.com/office/drawing/2014/main" id="{890FBD87-EC4D-4EAF-8DC2-9F005D85BB2C}"/>
+                  </a:ext>
+                </a:extLst>
+              </p:cNvPr>
+              <p:cNvSpPr/>
+              <p:nvPr/>
+            </p:nvSpPr>
+            <p:spPr>
+              <a:xfrm>
+                <a:off x="4282325" y="1294180"/>
+                <a:ext cx="157369" cy="1152939"/>
+              </a:xfrm>
+              <a:prstGeom prst="rect">
+                <a:avLst/>
+              </a:prstGeom>
+              <a:solidFill>
+                <a:schemeClr val="accent2">
+                  <a:lumMod val="40000"/>
+                  <a:lumOff val="60000"/>
+                </a:schemeClr>
+              </a:solidFill>
+            </p:spPr>
+            <p:style>
+              <a:lnRef idx="2">
+                <a:schemeClr val="accent1">
+                  <a:shade val="50000"/>
+                </a:schemeClr>
+              </a:lnRef>
+              <a:fillRef idx="1">
+                <a:schemeClr val="accent1"/>
+              </a:fillRef>
+              <a:effectRef idx="0">
+                <a:schemeClr val="accent1"/>
+              </a:effectRef>
+              <a:fontRef idx="minor">
+                <a:schemeClr val="lt1"/>
+              </a:fontRef>
+            </p:style>
+            <p:txBody>
+              <a:bodyPr rtlCol="0" anchor="ctr"/>
+              <a:lstStyle/>
+              <a:p>
+                <a:pPr algn="ctr"/>
+                <a:endParaRPr lang="de-AT"/>
+              </a:p>
+            </p:txBody>
+          </p:sp>
+          <p:sp>
+            <p:nvSpPr>
+              <p:cNvPr id="13" name="Rechteck 12">
+                <a:extLst>
+                  <a:ext uri="{FF2B5EF4-FFF2-40B4-BE49-F238E27FC236}">
+                    <a16:creationId xmlns:a16="http://schemas.microsoft.com/office/drawing/2014/main" id="{97BDE671-34A4-49D2-AC7A-F9B800BD23B8}"/>
+                  </a:ext>
+                </a:extLst>
+              </p:cNvPr>
+              <p:cNvSpPr/>
+              <p:nvPr/>
+            </p:nvSpPr>
+            <p:spPr>
+              <a:xfrm>
+                <a:off x="4770995" y="1295837"/>
+                <a:ext cx="159026" cy="1152939"/>
+              </a:xfrm>
+              <a:prstGeom prst="rect">
+                <a:avLst/>
+              </a:prstGeom>
+              <a:solidFill>
+                <a:schemeClr val="accent2">
+                  <a:lumMod val="40000"/>
+                  <a:lumOff val="60000"/>
+                </a:schemeClr>
+              </a:solidFill>
+            </p:spPr>
+            <p:style>
+              <a:lnRef idx="2">
+                <a:schemeClr val="accent1">
+                  <a:shade val="50000"/>
+                </a:schemeClr>
+              </a:lnRef>
+              <a:fillRef idx="1">
+                <a:schemeClr val="accent1"/>
+              </a:fillRef>
+              <a:effectRef idx="0">
+                <a:schemeClr val="accent1"/>
+              </a:effectRef>
+              <a:fontRef idx="minor">
+                <a:schemeClr val="lt1"/>
+              </a:fontRef>
+            </p:style>
+            <p:txBody>
+              <a:bodyPr rtlCol="0" anchor="ctr"/>
+              <a:lstStyle/>
+              <a:p>
+                <a:pPr algn="ctr"/>
+                <a:endParaRPr lang="de-AT"/>
+              </a:p>
+            </p:txBody>
+          </p:sp>
+          <p:sp>
+            <p:nvSpPr>
+              <p:cNvPr id="14" name="Rechteck 13">
+                <a:extLst>
+                  <a:ext uri="{FF2B5EF4-FFF2-40B4-BE49-F238E27FC236}">
+                    <a16:creationId xmlns:a16="http://schemas.microsoft.com/office/drawing/2014/main" id="{B452134E-80EE-45BC-8442-84165564A3EB}"/>
+                  </a:ext>
+                </a:extLst>
+              </p:cNvPr>
+              <p:cNvSpPr/>
+              <p:nvPr/>
+            </p:nvSpPr>
+            <p:spPr>
+              <a:xfrm>
+                <a:off x="5259669" y="1294183"/>
+                <a:ext cx="177246" cy="1152939"/>
+              </a:xfrm>
+              <a:prstGeom prst="rect">
+                <a:avLst/>
+              </a:prstGeom>
+              <a:solidFill>
+                <a:schemeClr val="accent2">
+                  <a:lumMod val="40000"/>
+                  <a:lumOff val="60000"/>
+                </a:schemeClr>
+              </a:solidFill>
+            </p:spPr>
+            <p:style>
+              <a:lnRef idx="2">
+                <a:schemeClr val="accent1">
+                  <a:shade val="50000"/>
+                </a:schemeClr>
+              </a:lnRef>
+              <a:fillRef idx="1">
+                <a:schemeClr val="accent1"/>
+              </a:fillRef>
+              <a:effectRef idx="0">
+                <a:schemeClr val="accent1"/>
+              </a:effectRef>
+              <a:fontRef idx="minor">
+                <a:schemeClr val="lt1"/>
+              </a:fontRef>
+            </p:style>
+            <p:txBody>
+              <a:bodyPr rtlCol="0" anchor="ctr"/>
+              <a:lstStyle/>
+              <a:p>
+                <a:pPr algn="ctr"/>
+                <a:endParaRPr lang="de-AT"/>
+              </a:p>
+            </p:txBody>
+          </p:sp>
+          <p:sp>
+            <p:nvSpPr>
+              <p:cNvPr id="15" name="Rechteck 14">
+                <a:extLst>
+                  <a:ext uri="{FF2B5EF4-FFF2-40B4-BE49-F238E27FC236}">
+                    <a16:creationId xmlns:a16="http://schemas.microsoft.com/office/drawing/2014/main" id="{ADBAF216-6F35-4495-B677-74F21FB7C5F1}"/>
+                  </a:ext>
+                </a:extLst>
+              </p:cNvPr>
+              <p:cNvSpPr/>
+              <p:nvPr/>
+            </p:nvSpPr>
+            <p:spPr>
+              <a:xfrm>
+                <a:off x="5754970" y="1294183"/>
+                <a:ext cx="155712" cy="1152939"/>
+              </a:xfrm>
+              <a:prstGeom prst="rect">
+                <a:avLst/>
+              </a:prstGeom>
+              <a:solidFill>
+                <a:schemeClr val="accent2">
+                  <a:lumMod val="40000"/>
+                  <a:lumOff val="60000"/>
+                </a:schemeClr>
+              </a:solidFill>
+            </p:spPr>
+            <p:style>
+              <a:lnRef idx="2">
+                <a:schemeClr val="accent1">
+                  <a:shade val="50000"/>
+                </a:schemeClr>
+              </a:lnRef>
+              <a:fillRef idx="1">
+                <a:schemeClr val="accent1"/>
+              </a:fillRef>
+              <a:effectRef idx="0">
+                <a:schemeClr val="accent1"/>
+              </a:effectRef>
+              <a:fontRef idx="minor">
+                <a:schemeClr val="lt1"/>
+              </a:fontRef>
+            </p:style>
+            <p:txBody>
+              <a:bodyPr rtlCol="0" anchor="ctr"/>
+              <a:lstStyle/>
+              <a:p>
+                <a:pPr algn="ctr"/>
+                <a:endParaRPr lang="de-AT"/>
+              </a:p>
+            </p:txBody>
+          </p:sp>
+          <p:sp>
+            <p:nvSpPr>
+              <p:cNvPr id="16" name="Rechteck 15">
+                <a:extLst>
+                  <a:ext uri="{FF2B5EF4-FFF2-40B4-BE49-F238E27FC236}">
+                    <a16:creationId xmlns:a16="http://schemas.microsoft.com/office/drawing/2014/main" id="{535AC561-7FE9-4E60-9ACC-012364374348}"/>
+                  </a:ext>
+                </a:extLst>
+              </p:cNvPr>
+              <p:cNvSpPr/>
+              <p:nvPr/>
+            </p:nvSpPr>
+            <p:spPr>
+              <a:xfrm>
+                <a:off x="6248615" y="1294183"/>
+                <a:ext cx="159025" cy="1152939"/>
+              </a:xfrm>
+              <a:prstGeom prst="rect">
+                <a:avLst/>
+              </a:prstGeom>
+              <a:solidFill>
+                <a:schemeClr val="accent2">
+                  <a:lumMod val="40000"/>
+                  <a:lumOff val="60000"/>
+                </a:schemeClr>
+              </a:solidFill>
+            </p:spPr>
+            <p:style>
+              <a:lnRef idx="2">
+                <a:schemeClr val="accent1">
+                  <a:shade val="50000"/>
+                </a:schemeClr>
+              </a:lnRef>
+              <a:fillRef idx="1">
+                <a:schemeClr val="accent1"/>
+              </a:fillRef>
+              <a:effectRef idx="0">
+                <a:schemeClr val="accent1"/>
+              </a:effectRef>
+              <a:fontRef idx="minor">
+                <a:schemeClr val="lt1"/>
+              </a:fontRef>
+            </p:style>
+            <p:txBody>
+              <a:bodyPr rtlCol="0" anchor="ctr"/>
+              <a:lstStyle/>
+              <a:p>
+                <a:pPr algn="ctr"/>
+                <a:endParaRPr lang="de-AT"/>
+              </a:p>
+            </p:txBody>
+          </p:sp>
+          <p:sp>
+            <p:nvSpPr>
+              <p:cNvPr id="17" name="Rechteck 16">
+                <a:extLst>
+                  <a:ext uri="{FF2B5EF4-FFF2-40B4-BE49-F238E27FC236}">
+                    <a16:creationId xmlns:a16="http://schemas.microsoft.com/office/drawing/2014/main" id="{A8B3E1F1-C648-4BF5-B37C-4ED60E9D6623}"/>
+                  </a:ext>
+                </a:extLst>
+              </p:cNvPr>
+              <p:cNvSpPr/>
+              <p:nvPr/>
+            </p:nvSpPr>
+            <p:spPr>
+              <a:xfrm>
+                <a:off x="6742259" y="1294183"/>
+                <a:ext cx="159026" cy="1152939"/>
+              </a:xfrm>
+              <a:prstGeom prst="rect">
+                <a:avLst/>
+              </a:prstGeom>
+              <a:solidFill>
+                <a:schemeClr val="accent2">
+                  <a:lumMod val="40000"/>
+                  <a:lumOff val="60000"/>
+                </a:schemeClr>
+              </a:solidFill>
+            </p:spPr>
+            <p:style>
+              <a:lnRef idx="2">
+                <a:schemeClr val="accent1">
+                  <a:shade val="50000"/>
+                </a:schemeClr>
+              </a:lnRef>
+              <a:fillRef idx="1">
+                <a:schemeClr val="accent1"/>
+              </a:fillRef>
+              <a:effectRef idx="0">
+                <a:schemeClr val="accent1"/>
+              </a:effectRef>
+              <a:fontRef idx="minor">
+                <a:schemeClr val="lt1"/>
+              </a:fontRef>
+            </p:style>
+            <p:txBody>
+              <a:bodyPr rtlCol="0" anchor="ctr"/>
+              <a:lstStyle/>
+              <a:p>
+                <a:pPr algn="ctr"/>
+                <a:endParaRPr lang="de-AT"/>
+              </a:p>
+            </p:txBody>
+          </p:sp>
+          <p:sp>
+            <p:nvSpPr>
+              <p:cNvPr id="18" name="Rechteck 17">
+                <a:extLst>
+                  <a:ext uri="{FF2B5EF4-FFF2-40B4-BE49-F238E27FC236}">
+                    <a16:creationId xmlns:a16="http://schemas.microsoft.com/office/drawing/2014/main" id="{35F59CC5-5668-4A07-A341-74877C906D4E}"/>
+                  </a:ext>
+                </a:extLst>
+              </p:cNvPr>
+              <p:cNvSpPr/>
+              <p:nvPr/>
+            </p:nvSpPr>
+            <p:spPr>
+              <a:xfrm>
+                <a:off x="7232586" y="1294183"/>
+                <a:ext cx="163998" cy="1152939"/>
+              </a:xfrm>
+              <a:prstGeom prst="rect">
+                <a:avLst/>
+              </a:prstGeom>
+              <a:solidFill>
+                <a:schemeClr val="accent2">
+                  <a:lumMod val="40000"/>
+                  <a:lumOff val="60000"/>
+                </a:schemeClr>
+              </a:solidFill>
+            </p:spPr>
+            <p:style>
+              <a:lnRef idx="2">
+                <a:schemeClr val="accent1">
+                  <a:shade val="50000"/>
+                </a:schemeClr>
+              </a:lnRef>
+              <a:fillRef idx="1">
+                <a:schemeClr val="accent1"/>
+              </a:fillRef>
+              <a:effectRef idx="0">
+                <a:schemeClr val="accent1"/>
+              </a:effectRef>
+              <a:fontRef idx="minor">
+                <a:schemeClr val="lt1"/>
+              </a:fontRef>
+            </p:style>
+            <p:txBody>
+              <a:bodyPr rtlCol="0" anchor="ctr"/>
+              <a:lstStyle/>
+              <a:p>
+                <a:pPr algn="ctr"/>
+                <a:endParaRPr lang="de-AT"/>
+              </a:p>
+            </p:txBody>
+          </p:sp>
+          <p:sp>
+            <p:nvSpPr>
+              <p:cNvPr id="19" name="Rechteck 18">
+                <a:extLst>
+                  <a:ext uri="{FF2B5EF4-FFF2-40B4-BE49-F238E27FC236}">
+                    <a16:creationId xmlns:a16="http://schemas.microsoft.com/office/drawing/2014/main" id="{DC77FF08-E8E5-4E17-9F52-6DA37362105E}"/>
+                  </a:ext>
+                </a:extLst>
+              </p:cNvPr>
+              <p:cNvSpPr/>
+              <p:nvPr/>
+            </p:nvSpPr>
+            <p:spPr>
+              <a:xfrm>
+                <a:off x="7742797" y="1294183"/>
+                <a:ext cx="149086" cy="1152939"/>
+              </a:xfrm>
+              <a:prstGeom prst="rect">
+                <a:avLst/>
+              </a:prstGeom>
+              <a:solidFill>
+                <a:schemeClr val="accent2">
+                  <a:lumMod val="40000"/>
+                  <a:lumOff val="60000"/>
+                </a:schemeClr>
+              </a:solidFill>
+            </p:spPr>
+            <p:style>
+              <a:lnRef idx="2">
+                <a:schemeClr val="accent1">
+                  <a:shade val="50000"/>
+                </a:schemeClr>
+              </a:lnRef>
+              <a:fillRef idx="1">
+                <a:schemeClr val="accent1"/>
+              </a:fillRef>
+              <a:effectRef idx="0">
+                <a:schemeClr val="accent1"/>
+              </a:effectRef>
+              <a:fontRef idx="minor">
+                <a:schemeClr val="lt1"/>
+              </a:fontRef>
+            </p:style>
+            <p:txBody>
+              <a:bodyPr rtlCol="0" anchor="ctr"/>
+              <a:lstStyle/>
+              <a:p>
+                <a:pPr algn="ctr"/>
+                <a:endParaRPr lang="de-AT"/>
+              </a:p>
+            </p:txBody>
+          </p:sp>
+          <p:sp>
+            <p:nvSpPr>
+              <p:cNvPr id="20" name="Rechteck 19">
+                <a:extLst>
+                  <a:ext uri="{FF2B5EF4-FFF2-40B4-BE49-F238E27FC236}">
+                    <a16:creationId xmlns:a16="http://schemas.microsoft.com/office/drawing/2014/main" id="{FCA8DBF5-7ED1-40CD-97FD-BAB2E222E853}"/>
+                  </a:ext>
+                </a:extLst>
+              </p:cNvPr>
+              <p:cNvSpPr/>
+              <p:nvPr/>
+            </p:nvSpPr>
+            <p:spPr>
+              <a:xfrm>
+                <a:off x="8221533" y="1294182"/>
+                <a:ext cx="159025" cy="1152939"/>
+              </a:xfrm>
+              <a:prstGeom prst="rect">
+                <a:avLst/>
+              </a:prstGeom>
+              <a:solidFill>
+                <a:schemeClr val="accent2">
+                  <a:lumMod val="40000"/>
+                  <a:lumOff val="60000"/>
+                </a:schemeClr>
+              </a:solidFill>
+            </p:spPr>
+            <p:style>
+              <a:lnRef idx="2">
+                <a:schemeClr val="accent1">
+                  <a:shade val="50000"/>
+                </a:schemeClr>
+              </a:lnRef>
+              <a:fillRef idx="1">
+                <a:schemeClr val="accent1"/>
+              </a:fillRef>
+              <a:effectRef idx="0">
+                <a:schemeClr val="accent1"/>
+              </a:effectRef>
+              <a:fontRef idx="minor">
+                <a:schemeClr val="lt1"/>
+              </a:fontRef>
+            </p:style>
+            <p:txBody>
+              <a:bodyPr rtlCol="0" anchor="ctr"/>
+              <a:lstStyle/>
+              <a:p>
+                <a:pPr algn="ctr"/>
+                <a:endParaRPr lang="de-AT"/>
+              </a:p>
+            </p:txBody>
+          </p:sp>
+          <p:sp>
+            <p:nvSpPr>
+              <p:cNvPr id="54" name="Rechteck 53">
+                <a:extLst>
+                  <a:ext uri="{FF2B5EF4-FFF2-40B4-BE49-F238E27FC236}">
+                    <a16:creationId xmlns:a16="http://schemas.microsoft.com/office/drawing/2014/main" id="{9F07E467-1161-445C-8DC2-62929E2C8452}"/>
+                  </a:ext>
+                </a:extLst>
+              </p:cNvPr>
+              <p:cNvSpPr/>
+              <p:nvPr/>
+            </p:nvSpPr>
+            <p:spPr>
+              <a:xfrm rot="16200000">
+                <a:off x="1097655" y="1386948"/>
+                <a:ext cx="1152941" cy="967408"/>
+              </a:xfrm>
+              <a:prstGeom prst="rect">
+                <a:avLst/>
+              </a:prstGeom>
+              <a:solidFill>
+                <a:schemeClr val="accent2">
+                  <a:lumMod val="40000"/>
+                  <a:lumOff val="60000"/>
+                </a:schemeClr>
+              </a:solidFill>
+            </p:spPr>
+            <p:style>
+              <a:lnRef idx="2">
+                <a:schemeClr val="accent1">
+                  <a:shade val="50000"/>
+                </a:schemeClr>
+              </a:lnRef>
+              <a:fillRef idx="1">
+                <a:schemeClr val="accent1"/>
+              </a:fillRef>
+              <a:effectRef idx="0">
+                <a:schemeClr val="accent1"/>
+              </a:effectRef>
+              <a:fontRef idx="minor">
+                <a:schemeClr val="lt1"/>
+              </a:fontRef>
+            </p:style>
+            <p:txBody>
+              <a:bodyPr rtlCol="0" anchor="ctr"/>
+              <a:lstStyle/>
+              <a:p>
+                <a:pPr algn="ctr"/>
+                <a:endParaRPr lang="de-AT"/>
+              </a:p>
+            </p:txBody>
+          </p:sp>
+          <p:sp>
+            <p:nvSpPr>
+              <p:cNvPr id="55" name="Rechteck 54">
+                <a:extLst>
+                  <a:ext uri="{FF2B5EF4-FFF2-40B4-BE49-F238E27FC236}">
+                    <a16:creationId xmlns:a16="http://schemas.microsoft.com/office/drawing/2014/main" id="{57942644-FF5C-41FE-B5F1-274D99F45345}"/>
+                  </a:ext>
+                </a:extLst>
+              </p:cNvPr>
+              <p:cNvSpPr/>
+              <p:nvPr/>
+            </p:nvSpPr>
+            <p:spPr>
+              <a:xfrm rot="16200000">
+                <a:off x="8988503" y="1386949"/>
+                <a:ext cx="1152932" cy="967408"/>
+              </a:xfrm>
+              <a:prstGeom prst="rect">
+                <a:avLst/>
+              </a:prstGeom>
+              <a:solidFill>
+                <a:schemeClr val="accent2">
+                  <a:lumMod val="40000"/>
+                  <a:lumOff val="60000"/>
+                </a:schemeClr>
+              </a:solidFill>
+            </p:spPr>
+            <p:style>
+              <a:lnRef idx="2">
+                <a:schemeClr val="accent1">
+                  <a:shade val="50000"/>
+                </a:schemeClr>
+              </a:lnRef>
+              <a:fillRef idx="1">
+                <a:schemeClr val="accent1"/>
+              </a:fillRef>
+              <a:effectRef idx="0">
+                <a:schemeClr val="accent1"/>
+              </a:effectRef>
+              <a:fontRef idx="minor">
+                <a:schemeClr val="lt1"/>
+              </a:fontRef>
+            </p:style>
+            <p:txBody>
+              <a:bodyPr rtlCol="0" anchor="ctr"/>
+              <a:lstStyle/>
+              <a:p>
+                <a:pPr algn="ctr"/>
+                <a:endParaRPr lang="de-AT"/>
+              </a:p>
+            </p:txBody>
+          </p:sp>
           <p:sp>
             <p:nvSpPr>
               <p:cNvPr id="63" name="Rechteck 62">
@@ -5948,7 +6147,7 @@
             </p:nvSpPr>
             <p:spPr>
               <a:xfrm>
-                <a:off x="1812150" y="1298706"/>
+                <a:off x="1828928" y="1294180"/>
                 <a:ext cx="655060" cy="1152941"/>
               </a:xfrm>
               <a:prstGeom prst="rect">
@@ -6000,7 +6199,7 @@
             </p:nvCxnSpPr>
             <p:spPr>
               <a:xfrm>
-                <a:off x="1974574" y="1298706"/>
+                <a:off x="1991352" y="1294180"/>
                 <a:ext cx="0" cy="1152939"/>
               </a:xfrm>
               <a:prstGeom prst="line">
@@ -6036,7 +6235,7 @@
             </p:nvSpPr>
             <p:spPr>
               <a:xfrm>
-                <a:off x="8702523" y="1298704"/>
+                <a:off x="8719301" y="1294178"/>
                 <a:ext cx="655060" cy="1152941"/>
               </a:xfrm>
               <a:prstGeom prst="rect">
@@ -6088,12 +6287,51 @@
             </p:nvCxnSpPr>
             <p:spPr>
               <a:xfrm>
-                <a:off x="9173314" y="1298704"/>
+                <a:off x="9190092" y="1294178"/>
                 <a:ext cx="0" cy="1152941"/>
               </a:xfrm>
               <a:prstGeom prst="line">
                 <a:avLst/>
               </a:prstGeom>
+            </p:spPr>
+            <p:style>
+              <a:lnRef idx="1">
+                <a:schemeClr val="accent1"/>
+              </a:lnRef>
+              <a:fillRef idx="0">
+                <a:schemeClr val="accent1"/>
+              </a:fillRef>
+              <a:effectRef idx="0">
+                <a:schemeClr val="accent1"/>
+              </a:effectRef>
+              <a:fontRef idx="minor">
+                <a:schemeClr val="tx1"/>
+              </a:fontRef>
+            </p:style>
+          </p:cxnSp>
+          <p:cxnSp>
+            <p:nvCxnSpPr>
+              <p:cNvPr id="70" name="Gerader Verbinder 69">
+                <a:extLst>
+                  <a:ext uri="{FF2B5EF4-FFF2-40B4-BE49-F238E27FC236}">
+                    <a16:creationId xmlns:a16="http://schemas.microsoft.com/office/drawing/2014/main" id="{94554CFC-6589-4F3B-843F-68150C2BE602}"/>
+                  </a:ext>
+                </a:extLst>
+              </p:cNvPr>
+              <p:cNvCxnSpPr/>
+              <p:nvPr/>
+            </p:nvCxnSpPr>
+            <p:spPr>
+              <a:xfrm>
+                <a:off x="882984" y="1821998"/>
+                <a:ext cx="9298745" cy="0"/>
+              </a:xfrm>
+              <a:prstGeom prst="line">
+                <a:avLst/>
+              </a:prstGeom>
+              <a:ln>
+                <a:prstDash val="dashDot"/>
+              </a:ln>
             </p:spPr>
             <p:style>
               <a:lnRef idx="1">
@@ -6113,10 +6351,10 @@
         </p:grpSp>
         <p:cxnSp>
           <p:nvCxnSpPr>
-            <p:cNvPr id="4" name="Gerader Verbinder 3">
+            <p:cNvPr id="67" name="Gerader Verbinder 66">
               <a:extLst>
                 <a:ext uri="{FF2B5EF4-FFF2-40B4-BE49-F238E27FC236}">
-                  <a16:creationId xmlns:a16="http://schemas.microsoft.com/office/drawing/2014/main" id="{B1141188-8F6F-4999-B197-E8FCB03AA896}"/>
+                  <a16:creationId xmlns:a16="http://schemas.microsoft.com/office/drawing/2014/main" id="{1B3A0C42-5882-4EDF-9F5D-99DFEC9E01E1}"/>
                 </a:ext>
               </a:extLst>
             </p:cNvPr>
@@ -6125,7 +6363,7 @@
           </p:nvCxnSpPr>
           <p:spPr>
             <a:xfrm>
-              <a:off x="5565913" y="291548"/>
+              <a:off x="5500091" y="122473"/>
               <a:ext cx="0" cy="6294782"/>
             </a:xfrm>
             <a:prstGeom prst="line">
@@ -6150,227 +6388,6 @@
             </a:fillRef>
             <a:effectRef idx="0">
               <a:scrgbClr r="0" g="0" b="0"/>
-            </a:effectRef>
-            <a:fontRef idx="minor">
-              <a:schemeClr val="tx1"/>
-            </a:fontRef>
-          </p:style>
-        </p:cxnSp>
-        <p:cxnSp>
-          <p:nvCxnSpPr>
-            <p:cNvPr id="21" name="Gerader Verbinder 20">
-              <a:extLst>
-                <a:ext uri="{FF2B5EF4-FFF2-40B4-BE49-F238E27FC236}">
-                  <a16:creationId xmlns:a16="http://schemas.microsoft.com/office/drawing/2014/main" id="{5A2F6947-EFD3-4E78-ABD1-468CB4CD2F79}"/>
-                </a:ext>
-              </a:extLst>
-            </p:cNvPr>
-            <p:cNvCxnSpPr/>
-            <p:nvPr/>
-          </p:nvCxnSpPr>
-          <p:spPr>
-            <a:xfrm>
-              <a:off x="8395253" y="3840480"/>
-              <a:ext cx="0" cy="1871003"/>
-            </a:xfrm>
-            <a:prstGeom prst="line">
-              <a:avLst/>
-            </a:prstGeom>
-            <a:ln w="9525" cap="flat" cmpd="sng" algn="ctr">
-              <a:solidFill>
-                <a:schemeClr val="accent1"/>
-              </a:solidFill>
-              <a:prstDash val="dash"/>
-              <a:round/>
-              <a:headEnd type="none" w="med" len="med"/>
-              <a:tailEnd type="none" w="med" len="med"/>
-            </a:ln>
-          </p:spPr>
-          <p:style>
-            <a:lnRef idx="0">
-              <a:scrgbClr r="0" g="0" b="0"/>
-            </a:lnRef>
-            <a:fillRef idx="0">
-              <a:scrgbClr r="0" g="0" b="0"/>
-            </a:fillRef>
-            <a:effectRef idx="0">
-              <a:scrgbClr r="0" g="0" b="0"/>
-            </a:effectRef>
-            <a:fontRef idx="minor">
-              <a:schemeClr val="tx1"/>
-            </a:fontRef>
-          </p:style>
-        </p:cxnSp>
-        <p:cxnSp>
-          <p:nvCxnSpPr>
-            <p:cNvPr id="64" name="Gerader Verbinder 63">
-              <a:extLst>
-                <a:ext uri="{FF2B5EF4-FFF2-40B4-BE49-F238E27FC236}">
-                  <a16:creationId xmlns:a16="http://schemas.microsoft.com/office/drawing/2014/main" id="{A7033AB0-7DD5-4CAD-A5CC-4A014B604808}"/>
-                </a:ext>
-              </a:extLst>
-            </p:cNvPr>
-            <p:cNvCxnSpPr/>
-            <p:nvPr/>
-          </p:nvCxnSpPr>
-          <p:spPr>
-            <a:xfrm>
-              <a:off x="2792896" y="3702758"/>
-              <a:ext cx="0" cy="1871003"/>
-            </a:xfrm>
-            <a:prstGeom prst="line">
-              <a:avLst/>
-            </a:prstGeom>
-            <a:ln w="9525" cap="flat" cmpd="sng" algn="ctr">
-              <a:solidFill>
-                <a:schemeClr val="accent1"/>
-              </a:solidFill>
-              <a:prstDash val="dash"/>
-              <a:round/>
-              <a:headEnd type="none" w="med" len="med"/>
-              <a:tailEnd type="none" w="med" len="med"/>
-            </a:ln>
-          </p:spPr>
-          <p:style>
-            <a:lnRef idx="0">
-              <a:scrgbClr r="0" g="0" b="0"/>
-            </a:lnRef>
-            <a:fillRef idx="0">
-              <a:scrgbClr r="0" g="0" b="0"/>
-            </a:fillRef>
-            <a:effectRef idx="0">
-              <a:scrgbClr r="0" g="0" b="0"/>
-            </a:effectRef>
-            <a:fontRef idx="minor">
-              <a:schemeClr val="tx1"/>
-            </a:fontRef>
-          </p:style>
-        </p:cxnSp>
-        <p:cxnSp>
-          <p:nvCxnSpPr>
-            <p:cNvPr id="66" name="Gerader Verbinder 65">
-              <a:extLst>
-                <a:ext uri="{FF2B5EF4-FFF2-40B4-BE49-F238E27FC236}">
-                  <a16:creationId xmlns:a16="http://schemas.microsoft.com/office/drawing/2014/main" id="{34D84602-F48D-4816-8EC4-6C4A853FA1CD}"/>
-                </a:ext>
-              </a:extLst>
-            </p:cNvPr>
-            <p:cNvCxnSpPr/>
-            <p:nvPr/>
-          </p:nvCxnSpPr>
-          <p:spPr>
-            <a:xfrm>
-              <a:off x="7491460" y="4722868"/>
-              <a:ext cx="1681854" cy="0"/>
-            </a:xfrm>
-            <a:prstGeom prst="line">
-              <a:avLst/>
-            </a:prstGeom>
-            <a:ln w="9525" cap="flat" cmpd="sng" algn="ctr">
-              <a:solidFill>
-                <a:schemeClr val="accent1"/>
-              </a:solidFill>
-              <a:prstDash val="dash"/>
-              <a:round/>
-              <a:headEnd type="none" w="med" len="med"/>
-              <a:tailEnd type="none" w="med" len="med"/>
-            </a:ln>
-          </p:spPr>
-          <p:style>
-            <a:lnRef idx="0">
-              <a:scrgbClr r="0" g="0" b="0"/>
-            </a:lnRef>
-            <a:fillRef idx="0">
-              <a:scrgbClr r="0" g="0" b="0"/>
-            </a:fillRef>
-            <a:effectRef idx="0">
-              <a:scrgbClr r="0" g="0" b="0"/>
-            </a:effectRef>
-            <a:fontRef idx="minor">
-              <a:schemeClr val="tx1"/>
-            </a:fontRef>
-          </p:style>
-        </p:cxnSp>
-        <p:cxnSp>
-          <p:nvCxnSpPr>
-            <p:cNvPr id="68" name="Gerader Verbinder 67">
-              <a:extLst>
-                <a:ext uri="{FF2B5EF4-FFF2-40B4-BE49-F238E27FC236}">
-                  <a16:creationId xmlns:a16="http://schemas.microsoft.com/office/drawing/2014/main" id="{74CB4947-C39D-4998-872A-062410155D8B}"/>
-                </a:ext>
-              </a:extLst>
-            </p:cNvPr>
-            <p:cNvCxnSpPr>
-              <a:cxnSpLocks/>
-            </p:cNvCxnSpPr>
-            <p:nvPr/>
-          </p:nvCxnSpPr>
-          <p:spPr>
-            <a:xfrm flipH="1">
-              <a:off x="1657348" y="4708600"/>
-              <a:ext cx="2119521" cy="0"/>
-            </a:xfrm>
-            <a:prstGeom prst="line">
-              <a:avLst/>
-            </a:prstGeom>
-            <a:ln w="9525" cap="flat" cmpd="sng" algn="ctr">
-              <a:solidFill>
-                <a:schemeClr val="accent1"/>
-              </a:solidFill>
-              <a:prstDash val="dash"/>
-              <a:round/>
-              <a:headEnd type="none" w="med" len="med"/>
-              <a:tailEnd type="none" w="med" len="med"/>
-            </a:ln>
-          </p:spPr>
-          <p:style>
-            <a:lnRef idx="0">
-              <a:scrgbClr r="0" g="0" b="0"/>
-            </a:lnRef>
-            <a:fillRef idx="0">
-              <a:scrgbClr r="0" g="0" b="0"/>
-            </a:fillRef>
-            <a:effectRef idx="0">
-              <a:scrgbClr r="0" g="0" b="0"/>
-            </a:effectRef>
-            <a:fontRef idx="minor">
-              <a:schemeClr val="tx1"/>
-            </a:fontRef>
-          </p:style>
-        </p:cxnSp>
-        <p:cxnSp>
-          <p:nvCxnSpPr>
-            <p:cNvPr id="70" name="Gerader Verbinder 69">
-              <a:extLst>
-                <a:ext uri="{FF2B5EF4-FFF2-40B4-BE49-F238E27FC236}">
-                  <a16:creationId xmlns:a16="http://schemas.microsoft.com/office/drawing/2014/main" id="{94554CFC-6589-4F3B-843F-68150C2BE602}"/>
-                </a:ext>
-              </a:extLst>
-            </p:cNvPr>
-            <p:cNvCxnSpPr/>
-            <p:nvPr/>
-          </p:nvCxnSpPr>
-          <p:spPr>
-            <a:xfrm>
-              <a:off x="956603" y="1871003"/>
-              <a:ext cx="9298745" cy="0"/>
-            </a:xfrm>
-            <a:prstGeom prst="line">
-              <a:avLst/>
-            </a:prstGeom>
-            <a:ln>
-              <a:prstDash val="dashDot"/>
-            </a:ln>
-          </p:spPr>
-          <p:style>
-            <a:lnRef idx="1">
-              <a:schemeClr val="accent1"/>
-            </a:lnRef>
-            <a:fillRef idx="0">
-              <a:schemeClr val="accent1"/>
-            </a:fillRef>
-            <a:effectRef idx="0">
-              <a:schemeClr val="accent1"/>
             </a:effectRef>
             <a:fontRef idx="minor">
               <a:schemeClr val="tx1"/>
